--- a/QGIS_map/10-iii-2025_EAB_Michigan_map.pptx
+++ b/QGIS_map/10-iii-2025_EAB_Michigan_map.pptx
@@ -2,18 +2,19 @@
 <file path=ppt/presentation.xml><?xml version="1.0" encoding="utf-8"?>
 <p:presentation xmlns:a="http://schemas.openxmlformats.org/drawingml/2006/main" xmlns:r="http://schemas.openxmlformats.org/officeDocument/2006/relationships" xmlns:p="http://schemas.openxmlformats.org/presentationml/2006/main" saveSubsetFonts="1">
   <p:sldMasterIdLst>
-    <p:sldMasterId id="2147483648" r:id="rId1"/>
+    <p:sldMasterId id="2147483672" r:id="rId1"/>
   </p:sldMasterIdLst>
   <p:sldIdLst>
     <p:sldId id="256" r:id="rId2"/>
+    <p:sldId id="257" r:id="rId3"/>
   </p:sldIdLst>
-  <p:sldSz cx="12192000" cy="6858000"/>
+  <p:sldSz cx="10972800" cy="4022725"/>
   <p:notesSz cx="6858000" cy="9144000"/>
   <p:defaultTextStyle>
     <a:defPPr>
       <a:defRPr lang="en-US"/>
     </a:defPPr>
-    <a:lvl1pPr marL="0" algn="l" defTabSz="914400" rtl="0" eaLnBrk="1" latinLnBrk="0" hangingPunct="1">
+    <a:lvl1pPr marL="0" algn="l" defTabSz="457200" rtl="0" eaLnBrk="1" latinLnBrk="0" hangingPunct="1">
       <a:defRPr sz="1800" kern="1200">
         <a:solidFill>
           <a:schemeClr val="tx1"/>
@@ -23,7 +24,7 @@
         <a:cs typeface="+mn-cs"/>
       </a:defRPr>
     </a:lvl1pPr>
-    <a:lvl2pPr marL="457200" algn="l" defTabSz="914400" rtl="0" eaLnBrk="1" latinLnBrk="0" hangingPunct="1">
+    <a:lvl2pPr marL="457200" algn="l" defTabSz="457200" rtl="0" eaLnBrk="1" latinLnBrk="0" hangingPunct="1">
       <a:defRPr sz="1800" kern="1200">
         <a:solidFill>
           <a:schemeClr val="tx1"/>
@@ -33,7 +34,7 @@
         <a:cs typeface="+mn-cs"/>
       </a:defRPr>
     </a:lvl2pPr>
-    <a:lvl3pPr marL="914400" algn="l" defTabSz="914400" rtl="0" eaLnBrk="1" latinLnBrk="0" hangingPunct="1">
+    <a:lvl3pPr marL="914400" algn="l" defTabSz="457200" rtl="0" eaLnBrk="1" latinLnBrk="0" hangingPunct="1">
       <a:defRPr sz="1800" kern="1200">
         <a:solidFill>
           <a:schemeClr val="tx1"/>
@@ -43,7 +44,7 @@
         <a:cs typeface="+mn-cs"/>
       </a:defRPr>
     </a:lvl3pPr>
-    <a:lvl4pPr marL="1371600" algn="l" defTabSz="914400" rtl="0" eaLnBrk="1" latinLnBrk="0" hangingPunct="1">
+    <a:lvl4pPr marL="1371600" algn="l" defTabSz="457200" rtl="0" eaLnBrk="1" latinLnBrk="0" hangingPunct="1">
       <a:defRPr sz="1800" kern="1200">
         <a:solidFill>
           <a:schemeClr val="tx1"/>
@@ -53,7 +54,7 @@
         <a:cs typeface="+mn-cs"/>
       </a:defRPr>
     </a:lvl4pPr>
-    <a:lvl5pPr marL="1828800" algn="l" defTabSz="914400" rtl="0" eaLnBrk="1" latinLnBrk="0" hangingPunct="1">
+    <a:lvl5pPr marL="1828800" algn="l" defTabSz="457200" rtl="0" eaLnBrk="1" latinLnBrk="0" hangingPunct="1">
       <a:defRPr sz="1800" kern="1200">
         <a:solidFill>
           <a:schemeClr val="tx1"/>
@@ -63,7 +64,7 @@
         <a:cs typeface="+mn-cs"/>
       </a:defRPr>
     </a:lvl5pPr>
-    <a:lvl6pPr marL="2286000" algn="l" defTabSz="914400" rtl="0" eaLnBrk="1" latinLnBrk="0" hangingPunct="1">
+    <a:lvl6pPr marL="2286000" algn="l" defTabSz="457200" rtl="0" eaLnBrk="1" latinLnBrk="0" hangingPunct="1">
       <a:defRPr sz="1800" kern="1200">
         <a:solidFill>
           <a:schemeClr val="tx1"/>
@@ -73,7 +74,7 @@
         <a:cs typeface="+mn-cs"/>
       </a:defRPr>
     </a:lvl6pPr>
-    <a:lvl7pPr marL="2743200" algn="l" defTabSz="914400" rtl="0" eaLnBrk="1" latinLnBrk="0" hangingPunct="1">
+    <a:lvl7pPr marL="2743200" algn="l" defTabSz="457200" rtl="0" eaLnBrk="1" latinLnBrk="0" hangingPunct="1">
       <a:defRPr sz="1800" kern="1200">
         <a:solidFill>
           <a:schemeClr val="tx1"/>
@@ -83,7 +84,7 @@
         <a:cs typeface="+mn-cs"/>
       </a:defRPr>
     </a:lvl7pPr>
-    <a:lvl8pPr marL="3200400" algn="l" defTabSz="914400" rtl="0" eaLnBrk="1" latinLnBrk="0" hangingPunct="1">
+    <a:lvl8pPr marL="3200400" algn="l" defTabSz="457200" rtl="0" eaLnBrk="1" latinLnBrk="0" hangingPunct="1">
       <a:defRPr sz="1800" kern="1200">
         <a:solidFill>
           <a:schemeClr val="tx1"/>
@@ -93,7 +94,7 @@
         <a:cs typeface="+mn-cs"/>
       </a:defRPr>
     </a:lvl8pPr>
-    <a:lvl9pPr marL="3657600" algn="l" defTabSz="914400" rtl="0" eaLnBrk="1" latinLnBrk="0" hangingPunct="1">
+    <a:lvl9pPr marL="3657600" algn="l" defTabSz="457200" rtl="0" eaLnBrk="1" latinLnBrk="0" hangingPunct="1">
       <a:defRPr sz="1800" kern="1200">
         <a:solidFill>
           <a:schemeClr val="tx1"/>
@@ -104,7 +105,796 @@
       </a:defRPr>
     </a:lvl9pPr>
   </p:defaultTextStyle>
+  <p:extLst>
+    <p:ext uri="{EFAFB233-063F-42B5-8137-9DF3F51BA10A}">
+      <p15:sldGuideLst xmlns:p15="http://schemas.microsoft.com/office/powerpoint/2012/main"/>
+    </p:ext>
+  </p:extLst>
 </p:presentation>
+</file>
+
+<file path=ppt/revisionInfo.xml><?xml version="1.0" encoding="utf-8"?>
+<p1510:revInfo xmlns:a="http://schemas.openxmlformats.org/drawingml/2006/main" xmlns:r="http://schemas.openxmlformats.org/officeDocument/2006/relationships" xmlns:p1510="http://schemas.microsoft.com/office/powerpoint/2015/10/main">
+  <p1510:revLst>
+    <p1510:client id="{05E1A560-7D8A-4443-A5B7-A91026691F57}" v="17" dt="2025-07-30T15:14:23.112"/>
+  </p1510:revLst>
+</p1510:revInfo>
+</file>
+
+<file path=ppt/changesInfos/changesInfo1.xml><?xml version="1.0" encoding="utf-8"?>
+<pc:chgInfo xmlns:a="http://schemas.openxmlformats.org/drawingml/2006/main" xmlns:r="http://schemas.openxmlformats.org/officeDocument/2006/relationships" xmlns:ac="http://schemas.microsoft.com/office/drawing/2013/main/command" xmlns:pc="http://schemas.microsoft.com/office/powerpoint/2013/main/command">
+  <pc:docChgLst>
+    <pc:chgData name="Aaron Tayal" userId="32f02f1096a9313f" providerId="LiveId" clId="{05E1A560-7D8A-4443-A5B7-A91026691F57}"/>
+    <pc:docChg chg="undo custSel addSld modSld modMainMaster">
+      <pc:chgData name="Aaron Tayal" userId="32f02f1096a9313f" providerId="LiveId" clId="{05E1A560-7D8A-4443-A5B7-A91026691F57}" dt="2025-07-30T15:14:40.562" v="60" actId="1076"/>
+      <pc:docMkLst>
+        <pc:docMk/>
+      </pc:docMkLst>
+      <pc:sldChg chg="addSp modSp">
+        <pc:chgData name="Aaron Tayal" userId="32f02f1096a9313f" providerId="LiveId" clId="{05E1A560-7D8A-4443-A5B7-A91026691F57}" dt="2025-07-30T15:12:49.791" v="47"/>
+        <pc:sldMkLst>
+          <pc:docMk/>
+          <pc:sldMk cId="998864229" sldId="256"/>
+        </pc:sldMkLst>
+        <pc:spChg chg="mod">
+          <ac:chgData name="Aaron Tayal" userId="32f02f1096a9313f" providerId="LiveId" clId="{05E1A560-7D8A-4443-A5B7-A91026691F57}" dt="2025-07-30T15:12:49.791" v="47"/>
+          <ac:spMkLst>
+            <pc:docMk/>
+            <pc:sldMk cId="998864229" sldId="256"/>
+            <ac:spMk id="11" creationId="{6CDDFB1C-A567-111E-76FA-9D9ABF87E965}"/>
+          </ac:spMkLst>
+        </pc:spChg>
+        <pc:spChg chg="mod">
+          <ac:chgData name="Aaron Tayal" userId="32f02f1096a9313f" providerId="LiveId" clId="{05E1A560-7D8A-4443-A5B7-A91026691F57}" dt="2025-07-30T15:12:49.791" v="47"/>
+          <ac:spMkLst>
+            <pc:docMk/>
+            <pc:sldMk cId="998864229" sldId="256"/>
+            <ac:spMk id="14" creationId="{BFCC593E-BA4C-54CD-0246-54F219BAF22F}"/>
+          </ac:spMkLst>
+        </pc:spChg>
+        <pc:spChg chg="mod">
+          <ac:chgData name="Aaron Tayal" userId="32f02f1096a9313f" providerId="LiveId" clId="{05E1A560-7D8A-4443-A5B7-A91026691F57}" dt="2025-07-30T15:12:49.791" v="47"/>
+          <ac:spMkLst>
+            <pc:docMk/>
+            <pc:sldMk cId="998864229" sldId="256"/>
+            <ac:spMk id="19" creationId="{7064B755-4784-6631-4AFE-E8995F39F4E4}"/>
+          </ac:spMkLst>
+        </pc:spChg>
+        <pc:spChg chg="mod">
+          <ac:chgData name="Aaron Tayal" userId="32f02f1096a9313f" providerId="LiveId" clId="{05E1A560-7D8A-4443-A5B7-A91026691F57}" dt="2025-07-30T15:12:49.791" v="47"/>
+          <ac:spMkLst>
+            <pc:docMk/>
+            <pc:sldMk cId="998864229" sldId="256"/>
+            <ac:spMk id="23" creationId="{F0335693-56D3-00F7-A233-E55618DAC06C}"/>
+          </ac:spMkLst>
+        </pc:spChg>
+        <pc:spChg chg="mod">
+          <ac:chgData name="Aaron Tayal" userId="32f02f1096a9313f" providerId="LiveId" clId="{05E1A560-7D8A-4443-A5B7-A91026691F57}" dt="2025-07-30T15:12:49.791" v="47"/>
+          <ac:spMkLst>
+            <pc:docMk/>
+            <pc:sldMk cId="998864229" sldId="256"/>
+            <ac:spMk id="28" creationId="{6AC613DE-7E7B-904A-53A0-955196EF20B5}"/>
+          </ac:spMkLst>
+        </pc:spChg>
+        <pc:spChg chg="mod">
+          <ac:chgData name="Aaron Tayal" userId="32f02f1096a9313f" providerId="LiveId" clId="{05E1A560-7D8A-4443-A5B7-A91026691F57}" dt="2025-07-30T15:12:49.791" v="47"/>
+          <ac:spMkLst>
+            <pc:docMk/>
+            <pc:sldMk cId="998864229" sldId="256"/>
+            <ac:spMk id="35" creationId="{CECCC7F3-51B6-9B1E-A972-8081A62B9118}"/>
+          </ac:spMkLst>
+        </pc:spChg>
+        <pc:spChg chg="mod">
+          <ac:chgData name="Aaron Tayal" userId="32f02f1096a9313f" providerId="LiveId" clId="{05E1A560-7D8A-4443-A5B7-A91026691F57}" dt="2025-07-30T15:12:49.791" v="47"/>
+          <ac:spMkLst>
+            <pc:docMk/>
+            <pc:sldMk cId="998864229" sldId="256"/>
+            <ac:spMk id="38" creationId="{20A05D0D-F976-F97D-56EE-7648C270A3DE}"/>
+          </ac:spMkLst>
+        </pc:spChg>
+        <pc:grpChg chg="add mod">
+          <ac:chgData name="Aaron Tayal" userId="32f02f1096a9313f" providerId="LiveId" clId="{05E1A560-7D8A-4443-A5B7-A91026691F57}" dt="2025-07-30T15:12:49.791" v="47"/>
+          <ac:grpSpMkLst>
+            <pc:docMk/>
+            <pc:sldMk cId="998864229" sldId="256"/>
+            <ac:grpSpMk id="2" creationId="{AC099D96-47FB-165A-73CC-B480D9D2A39E}"/>
+          </ac:grpSpMkLst>
+        </pc:grpChg>
+        <pc:picChg chg="mod">
+          <ac:chgData name="Aaron Tayal" userId="32f02f1096a9313f" providerId="LiveId" clId="{05E1A560-7D8A-4443-A5B7-A91026691F57}" dt="2025-07-30T15:12:49.791" v="47"/>
+          <ac:picMkLst>
+            <pc:docMk/>
+            <pc:sldMk cId="998864229" sldId="256"/>
+            <ac:picMk id="5" creationId="{A42B57DE-A815-1D66-004D-20DA6F93E3A9}"/>
+          </ac:picMkLst>
+        </pc:picChg>
+        <pc:picChg chg="mod">
+          <ac:chgData name="Aaron Tayal" userId="32f02f1096a9313f" providerId="LiveId" clId="{05E1A560-7D8A-4443-A5B7-A91026691F57}" dt="2025-07-30T15:12:49.791" v="47"/>
+          <ac:picMkLst>
+            <pc:docMk/>
+            <pc:sldMk cId="998864229" sldId="256"/>
+            <ac:picMk id="7" creationId="{6C06A8B8-AFBB-B0B1-5DC8-1FE96CE0BA25}"/>
+          </ac:picMkLst>
+        </pc:picChg>
+      </pc:sldChg>
+      <pc:sldChg chg="addSp delSp modSp new mod">
+        <pc:chgData name="Aaron Tayal" userId="32f02f1096a9313f" providerId="LiveId" clId="{05E1A560-7D8A-4443-A5B7-A91026691F57}" dt="2025-07-30T15:14:40.562" v="60" actId="1076"/>
+        <pc:sldMkLst>
+          <pc:docMk/>
+          <pc:sldMk cId="2146387759" sldId="257"/>
+        </pc:sldMkLst>
+        <pc:spChg chg="mod">
+          <ac:chgData name="Aaron Tayal" userId="32f02f1096a9313f" providerId="LiveId" clId="{05E1A560-7D8A-4443-A5B7-A91026691F57}" dt="2025-07-30T15:12:49.791" v="47"/>
+          <ac:spMkLst>
+            <pc:docMk/>
+            <pc:sldMk cId="2146387759" sldId="257"/>
+            <ac:spMk id="7" creationId="{501FD689-D96A-9C90-D439-A3CBD35E3912}"/>
+          </ac:spMkLst>
+        </pc:spChg>
+        <pc:spChg chg="mod">
+          <ac:chgData name="Aaron Tayal" userId="32f02f1096a9313f" providerId="LiveId" clId="{05E1A560-7D8A-4443-A5B7-A91026691F57}" dt="2025-07-30T15:12:49.791" v="47"/>
+          <ac:spMkLst>
+            <pc:docMk/>
+            <pc:sldMk cId="2146387759" sldId="257"/>
+            <ac:spMk id="8" creationId="{AE3949EF-52C1-1EF3-B611-1F72A42FD5E2}"/>
+          </ac:spMkLst>
+        </pc:spChg>
+        <pc:spChg chg="mod">
+          <ac:chgData name="Aaron Tayal" userId="32f02f1096a9313f" providerId="LiveId" clId="{05E1A560-7D8A-4443-A5B7-A91026691F57}" dt="2025-07-30T15:12:49.791" v="47"/>
+          <ac:spMkLst>
+            <pc:docMk/>
+            <pc:sldMk cId="2146387759" sldId="257"/>
+            <ac:spMk id="10" creationId="{5EE90897-5B2F-7FE5-226F-D9DBC3A2947C}"/>
+          </ac:spMkLst>
+        </pc:spChg>
+        <pc:spChg chg="mod">
+          <ac:chgData name="Aaron Tayal" userId="32f02f1096a9313f" providerId="LiveId" clId="{05E1A560-7D8A-4443-A5B7-A91026691F57}" dt="2025-07-30T15:12:49.791" v="47"/>
+          <ac:spMkLst>
+            <pc:docMk/>
+            <pc:sldMk cId="2146387759" sldId="257"/>
+            <ac:spMk id="12" creationId="{D4D09C67-4E53-1CAB-80E4-6AC9AE4CB63D}"/>
+          </ac:spMkLst>
+        </pc:spChg>
+        <pc:spChg chg="mod">
+          <ac:chgData name="Aaron Tayal" userId="32f02f1096a9313f" providerId="LiveId" clId="{05E1A560-7D8A-4443-A5B7-A91026691F57}" dt="2025-07-30T15:12:49.791" v="47"/>
+          <ac:spMkLst>
+            <pc:docMk/>
+            <pc:sldMk cId="2146387759" sldId="257"/>
+            <ac:spMk id="14" creationId="{2A30F5EB-552E-23CC-D0AF-272639028D9B}"/>
+          </ac:spMkLst>
+        </pc:spChg>
+        <pc:spChg chg="mod">
+          <ac:chgData name="Aaron Tayal" userId="32f02f1096a9313f" providerId="LiveId" clId="{05E1A560-7D8A-4443-A5B7-A91026691F57}" dt="2025-07-30T15:12:49.791" v="47"/>
+          <ac:spMkLst>
+            <pc:docMk/>
+            <pc:sldMk cId="2146387759" sldId="257"/>
+            <ac:spMk id="16" creationId="{1BCA0FCA-F4E9-DC6D-9D0E-9AE7447CDF12}"/>
+          </ac:spMkLst>
+        </pc:spChg>
+        <pc:spChg chg="mod">
+          <ac:chgData name="Aaron Tayal" userId="32f02f1096a9313f" providerId="LiveId" clId="{05E1A560-7D8A-4443-A5B7-A91026691F57}" dt="2025-07-30T15:12:49.791" v="47"/>
+          <ac:spMkLst>
+            <pc:docMk/>
+            <pc:sldMk cId="2146387759" sldId="257"/>
+            <ac:spMk id="18" creationId="{EABF31F4-AE94-97A6-DF2F-B08425516443}"/>
+          </ac:spMkLst>
+        </pc:spChg>
+        <pc:spChg chg="add mod">
+          <ac:chgData name="Aaron Tayal" userId="32f02f1096a9313f" providerId="LiveId" clId="{05E1A560-7D8A-4443-A5B7-A91026691F57}" dt="2025-07-30T15:14:33.752" v="59" actId="1076"/>
+          <ac:spMkLst>
+            <pc:docMk/>
+            <pc:sldMk cId="2146387759" sldId="257"/>
+            <ac:spMk id="23" creationId="{E5BBD61E-32DE-AC9E-B967-DCABE5235DBF}"/>
+          </ac:spMkLst>
+        </pc:spChg>
+        <pc:spChg chg="add mod">
+          <ac:chgData name="Aaron Tayal" userId="32f02f1096a9313f" providerId="LiveId" clId="{05E1A560-7D8A-4443-A5B7-A91026691F57}" dt="2025-07-30T15:14:40.562" v="60" actId="1076"/>
+          <ac:spMkLst>
+            <pc:docMk/>
+            <pc:sldMk cId="2146387759" sldId="257"/>
+            <ac:spMk id="24" creationId="{1D5BB292-7F36-76BA-D34B-8C939639C181}"/>
+          </ac:spMkLst>
+        </pc:spChg>
+        <pc:grpChg chg="add mod">
+          <ac:chgData name="Aaron Tayal" userId="32f02f1096a9313f" providerId="LiveId" clId="{05E1A560-7D8A-4443-A5B7-A91026691F57}" dt="2025-07-30T15:14:33.752" v="59" actId="1076"/>
+          <ac:grpSpMkLst>
+            <pc:docMk/>
+            <pc:sldMk cId="2146387759" sldId="257"/>
+            <ac:grpSpMk id="3" creationId="{CFF600C8-DDB3-55FB-DB9F-8F220CC607B5}"/>
+          </ac:grpSpMkLst>
+        </pc:grpChg>
+        <pc:picChg chg="add del mod">
+          <ac:chgData name="Aaron Tayal" userId="32f02f1096a9313f" providerId="LiveId" clId="{05E1A560-7D8A-4443-A5B7-A91026691F57}" dt="2025-07-30T14:56:12.319" v="3" actId="478"/>
+          <ac:picMkLst>
+            <pc:docMk/>
+            <pc:sldMk cId="2146387759" sldId="257"/>
+            <ac:picMk id="2" creationId="{346C9752-0557-CC37-E992-8CCF2EBF5E5B}"/>
+          </ac:picMkLst>
+        </pc:picChg>
+        <pc:picChg chg="mod">
+          <ac:chgData name="Aaron Tayal" userId="32f02f1096a9313f" providerId="LiveId" clId="{05E1A560-7D8A-4443-A5B7-A91026691F57}" dt="2025-07-30T14:56:23.400" v="6" actId="14100"/>
+          <ac:picMkLst>
+            <pc:docMk/>
+            <pc:sldMk cId="2146387759" sldId="257"/>
+            <ac:picMk id="4" creationId="{83DCFE33-6131-37E5-EF7C-0C61F49BB93C}"/>
+          </ac:picMkLst>
+        </pc:picChg>
+        <pc:picChg chg="mod">
+          <ac:chgData name="Aaron Tayal" userId="32f02f1096a9313f" providerId="LiveId" clId="{05E1A560-7D8A-4443-A5B7-A91026691F57}" dt="2025-07-30T15:12:49.791" v="47"/>
+          <ac:picMkLst>
+            <pc:docMk/>
+            <pc:sldMk cId="2146387759" sldId="257"/>
+            <ac:picMk id="5" creationId="{CB91D0F5-267D-5B90-5C42-3C854DA6FE63}"/>
+          </ac:picMkLst>
+        </pc:picChg>
+        <pc:picChg chg="add del mod">
+          <ac:chgData name="Aaron Tayal" userId="32f02f1096a9313f" providerId="LiveId" clId="{05E1A560-7D8A-4443-A5B7-A91026691F57}" dt="2025-07-30T14:57:23.807" v="19" actId="478"/>
+          <ac:picMkLst>
+            <pc:docMk/>
+            <pc:sldMk cId="2146387759" sldId="257"/>
+            <ac:picMk id="20" creationId="{607FF83B-884B-C74D-634A-24B9CCB556D2}"/>
+          </ac:picMkLst>
+        </pc:picChg>
+        <pc:picChg chg="add mod">
+          <ac:chgData name="Aaron Tayal" userId="32f02f1096a9313f" providerId="LiveId" clId="{05E1A560-7D8A-4443-A5B7-A91026691F57}" dt="2025-07-30T15:14:40.562" v="60" actId="1076"/>
+          <ac:picMkLst>
+            <pc:docMk/>
+            <pc:sldMk cId="2146387759" sldId="257"/>
+            <ac:picMk id="22" creationId="{6C9C4AE0-7B2C-A09E-7373-82DD66B50C11}"/>
+          </ac:picMkLst>
+        </pc:picChg>
+      </pc:sldChg>
+      <pc:sldMasterChg chg="modSp modSldLayout">
+        <pc:chgData name="Aaron Tayal" userId="32f02f1096a9313f" providerId="LiveId" clId="{05E1A560-7D8A-4443-A5B7-A91026691F57}" dt="2025-07-30T15:11:45.365" v="45"/>
+        <pc:sldMasterMkLst>
+          <pc:docMk/>
+          <pc:sldMasterMk cId="3670160359" sldId="2147483648"/>
+        </pc:sldMasterMkLst>
+        <pc:spChg chg="mod">
+          <ac:chgData name="Aaron Tayal" userId="32f02f1096a9313f" providerId="LiveId" clId="{05E1A560-7D8A-4443-A5B7-A91026691F57}" dt="2025-07-30T15:11:45.365" v="45"/>
+          <ac:spMkLst>
+            <pc:docMk/>
+            <pc:sldMasterMk cId="3670160359" sldId="2147483648"/>
+            <ac:spMk id="2" creationId="{0F275262-2F97-9426-73B3-A70DF2949AB4}"/>
+          </ac:spMkLst>
+        </pc:spChg>
+        <pc:spChg chg="mod">
+          <ac:chgData name="Aaron Tayal" userId="32f02f1096a9313f" providerId="LiveId" clId="{05E1A560-7D8A-4443-A5B7-A91026691F57}" dt="2025-07-30T15:11:45.365" v="45"/>
+          <ac:spMkLst>
+            <pc:docMk/>
+            <pc:sldMasterMk cId="3670160359" sldId="2147483648"/>
+            <ac:spMk id="3" creationId="{4CBEC078-B6BE-31AD-06CD-27A08B650D85}"/>
+          </ac:spMkLst>
+        </pc:spChg>
+        <pc:spChg chg="mod">
+          <ac:chgData name="Aaron Tayal" userId="32f02f1096a9313f" providerId="LiveId" clId="{05E1A560-7D8A-4443-A5B7-A91026691F57}" dt="2025-07-30T15:11:45.365" v="45"/>
+          <ac:spMkLst>
+            <pc:docMk/>
+            <pc:sldMasterMk cId="3670160359" sldId="2147483648"/>
+            <ac:spMk id="4" creationId="{C50CD903-CD95-02E2-AEE8-0C0B9BC6F905}"/>
+          </ac:spMkLst>
+        </pc:spChg>
+        <pc:spChg chg="mod">
+          <ac:chgData name="Aaron Tayal" userId="32f02f1096a9313f" providerId="LiveId" clId="{05E1A560-7D8A-4443-A5B7-A91026691F57}" dt="2025-07-30T15:11:45.365" v="45"/>
+          <ac:spMkLst>
+            <pc:docMk/>
+            <pc:sldMasterMk cId="3670160359" sldId="2147483648"/>
+            <ac:spMk id="5" creationId="{4EFD783A-2901-7F78-9463-8F2BF1C789B3}"/>
+          </ac:spMkLst>
+        </pc:spChg>
+        <pc:spChg chg="mod">
+          <ac:chgData name="Aaron Tayal" userId="32f02f1096a9313f" providerId="LiveId" clId="{05E1A560-7D8A-4443-A5B7-A91026691F57}" dt="2025-07-30T15:11:45.365" v="45"/>
+          <ac:spMkLst>
+            <pc:docMk/>
+            <pc:sldMasterMk cId="3670160359" sldId="2147483648"/>
+            <ac:spMk id="6" creationId="{4F78F835-4171-D65E-03CE-542D4A33A109}"/>
+          </ac:spMkLst>
+        </pc:spChg>
+        <pc:sldLayoutChg chg="modSp">
+          <pc:chgData name="Aaron Tayal" userId="32f02f1096a9313f" providerId="LiveId" clId="{05E1A560-7D8A-4443-A5B7-A91026691F57}" dt="2025-07-30T15:11:45.365" v="45"/>
+          <pc:sldLayoutMkLst>
+            <pc:docMk/>
+            <pc:sldMasterMk cId="3670160359" sldId="2147483648"/>
+            <pc:sldLayoutMk cId="1449369312" sldId="2147483649"/>
+          </pc:sldLayoutMkLst>
+          <pc:spChg chg="mod">
+            <ac:chgData name="Aaron Tayal" userId="32f02f1096a9313f" providerId="LiveId" clId="{05E1A560-7D8A-4443-A5B7-A91026691F57}" dt="2025-07-30T15:11:45.365" v="45"/>
+            <ac:spMkLst>
+              <pc:docMk/>
+              <pc:sldMasterMk cId="3670160359" sldId="2147483648"/>
+              <pc:sldLayoutMk cId="1449369312" sldId="2147483649"/>
+              <ac:spMk id="2" creationId="{9A71BAD1-4D2D-A497-3045-48FF2A9FA6B1}"/>
+            </ac:spMkLst>
+          </pc:spChg>
+          <pc:spChg chg="mod">
+            <ac:chgData name="Aaron Tayal" userId="32f02f1096a9313f" providerId="LiveId" clId="{05E1A560-7D8A-4443-A5B7-A91026691F57}" dt="2025-07-30T15:11:45.365" v="45"/>
+            <ac:spMkLst>
+              <pc:docMk/>
+              <pc:sldMasterMk cId="3670160359" sldId="2147483648"/>
+              <pc:sldLayoutMk cId="1449369312" sldId="2147483649"/>
+              <ac:spMk id="3" creationId="{08E61797-273E-A3E9-562C-00AB4EB71FB2}"/>
+            </ac:spMkLst>
+          </pc:spChg>
+        </pc:sldLayoutChg>
+        <pc:sldLayoutChg chg="modSp">
+          <pc:chgData name="Aaron Tayal" userId="32f02f1096a9313f" providerId="LiveId" clId="{05E1A560-7D8A-4443-A5B7-A91026691F57}" dt="2025-07-30T15:11:45.365" v="45"/>
+          <pc:sldLayoutMkLst>
+            <pc:docMk/>
+            <pc:sldMasterMk cId="3670160359" sldId="2147483648"/>
+            <pc:sldLayoutMk cId="2838223893" sldId="2147483651"/>
+          </pc:sldLayoutMkLst>
+          <pc:spChg chg="mod">
+            <ac:chgData name="Aaron Tayal" userId="32f02f1096a9313f" providerId="LiveId" clId="{05E1A560-7D8A-4443-A5B7-A91026691F57}" dt="2025-07-30T15:11:45.365" v="45"/>
+            <ac:spMkLst>
+              <pc:docMk/>
+              <pc:sldMasterMk cId="3670160359" sldId="2147483648"/>
+              <pc:sldLayoutMk cId="2838223893" sldId="2147483651"/>
+              <ac:spMk id="2" creationId="{BDFE859B-0E12-7B10-DE40-6C6DF2446D22}"/>
+            </ac:spMkLst>
+          </pc:spChg>
+          <pc:spChg chg="mod">
+            <ac:chgData name="Aaron Tayal" userId="32f02f1096a9313f" providerId="LiveId" clId="{05E1A560-7D8A-4443-A5B7-A91026691F57}" dt="2025-07-30T15:11:45.365" v="45"/>
+            <ac:spMkLst>
+              <pc:docMk/>
+              <pc:sldMasterMk cId="3670160359" sldId="2147483648"/>
+              <pc:sldLayoutMk cId="2838223893" sldId="2147483651"/>
+              <ac:spMk id="3" creationId="{074B64C4-7CC4-7F5F-B3CE-1DA2CE2346E9}"/>
+            </ac:spMkLst>
+          </pc:spChg>
+        </pc:sldLayoutChg>
+        <pc:sldLayoutChg chg="modSp">
+          <pc:chgData name="Aaron Tayal" userId="32f02f1096a9313f" providerId="LiveId" clId="{05E1A560-7D8A-4443-A5B7-A91026691F57}" dt="2025-07-30T15:11:45.365" v="45"/>
+          <pc:sldLayoutMkLst>
+            <pc:docMk/>
+            <pc:sldMasterMk cId="3670160359" sldId="2147483648"/>
+            <pc:sldLayoutMk cId="3033657974" sldId="2147483652"/>
+          </pc:sldLayoutMkLst>
+          <pc:spChg chg="mod">
+            <ac:chgData name="Aaron Tayal" userId="32f02f1096a9313f" providerId="LiveId" clId="{05E1A560-7D8A-4443-A5B7-A91026691F57}" dt="2025-07-30T15:11:45.365" v="45"/>
+            <ac:spMkLst>
+              <pc:docMk/>
+              <pc:sldMasterMk cId="3670160359" sldId="2147483648"/>
+              <pc:sldLayoutMk cId="3033657974" sldId="2147483652"/>
+              <ac:spMk id="3" creationId="{6E5FEDE9-72CF-32B0-4316-7F467298A72F}"/>
+            </ac:spMkLst>
+          </pc:spChg>
+          <pc:spChg chg="mod">
+            <ac:chgData name="Aaron Tayal" userId="32f02f1096a9313f" providerId="LiveId" clId="{05E1A560-7D8A-4443-A5B7-A91026691F57}" dt="2025-07-30T15:11:45.365" v="45"/>
+            <ac:spMkLst>
+              <pc:docMk/>
+              <pc:sldMasterMk cId="3670160359" sldId="2147483648"/>
+              <pc:sldLayoutMk cId="3033657974" sldId="2147483652"/>
+              <ac:spMk id="4" creationId="{6F4AAB2E-9603-4C68-ED7C-B67F1AAD7595}"/>
+            </ac:spMkLst>
+          </pc:spChg>
+        </pc:sldLayoutChg>
+        <pc:sldLayoutChg chg="modSp">
+          <pc:chgData name="Aaron Tayal" userId="32f02f1096a9313f" providerId="LiveId" clId="{05E1A560-7D8A-4443-A5B7-A91026691F57}" dt="2025-07-30T15:11:45.365" v="45"/>
+          <pc:sldLayoutMkLst>
+            <pc:docMk/>
+            <pc:sldMasterMk cId="3670160359" sldId="2147483648"/>
+            <pc:sldLayoutMk cId="2524520801" sldId="2147483653"/>
+          </pc:sldLayoutMkLst>
+          <pc:spChg chg="mod">
+            <ac:chgData name="Aaron Tayal" userId="32f02f1096a9313f" providerId="LiveId" clId="{05E1A560-7D8A-4443-A5B7-A91026691F57}" dt="2025-07-30T15:11:45.365" v="45"/>
+            <ac:spMkLst>
+              <pc:docMk/>
+              <pc:sldMasterMk cId="3670160359" sldId="2147483648"/>
+              <pc:sldLayoutMk cId="2524520801" sldId="2147483653"/>
+              <ac:spMk id="2" creationId="{16EE8819-7226-0DCC-500C-7B0BB92547F2}"/>
+            </ac:spMkLst>
+          </pc:spChg>
+          <pc:spChg chg="mod">
+            <ac:chgData name="Aaron Tayal" userId="32f02f1096a9313f" providerId="LiveId" clId="{05E1A560-7D8A-4443-A5B7-A91026691F57}" dt="2025-07-30T15:11:45.365" v="45"/>
+            <ac:spMkLst>
+              <pc:docMk/>
+              <pc:sldMasterMk cId="3670160359" sldId="2147483648"/>
+              <pc:sldLayoutMk cId="2524520801" sldId="2147483653"/>
+              <ac:spMk id="3" creationId="{E9BF6CF2-8258-D6F4-5667-83F65A2FC01A}"/>
+            </ac:spMkLst>
+          </pc:spChg>
+          <pc:spChg chg="mod">
+            <ac:chgData name="Aaron Tayal" userId="32f02f1096a9313f" providerId="LiveId" clId="{05E1A560-7D8A-4443-A5B7-A91026691F57}" dt="2025-07-30T15:11:45.365" v="45"/>
+            <ac:spMkLst>
+              <pc:docMk/>
+              <pc:sldMasterMk cId="3670160359" sldId="2147483648"/>
+              <pc:sldLayoutMk cId="2524520801" sldId="2147483653"/>
+              <ac:spMk id="4" creationId="{87C76062-A386-1240-10A7-62AF1679318B}"/>
+            </ac:spMkLst>
+          </pc:spChg>
+          <pc:spChg chg="mod">
+            <ac:chgData name="Aaron Tayal" userId="32f02f1096a9313f" providerId="LiveId" clId="{05E1A560-7D8A-4443-A5B7-A91026691F57}" dt="2025-07-30T15:11:45.365" v="45"/>
+            <ac:spMkLst>
+              <pc:docMk/>
+              <pc:sldMasterMk cId="3670160359" sldId="2147483648"/>
+              <pc:sldLayoutMk cId="2524520801" sldId="2147483653"/>
+              <ac:spMk id="5" creationId="{C91677E5-5157-DA31-F4C3-2F9B7DEC9E8A}"/>
+            </ac:spMkLst>
+          </pc:spChg>
+          <pc:spChg chg="mod">
+            <ac:chgData name="Aaron Tayal" userId="32f02f1096a9313f" providerId="LiveId" clId="{05E1A560-7D8A-4443-A5B7-A91026691F57}" dt="2025-07-30T15:11:45.365" v="45"/>
+            <ac:spMkLst>
+              <pc:docMk/>
+              <pc:sldMasterMk cId="3670160359" sldId="2147483648"/>
+              <pc:sldLayoutMk cId="2524520801" sldId="2147483653"/>
+              <ac:spMk id="6" creationId="{8B2158BA-B877-CCB1-72C0-462C25BB4277}"/>
+            </ac:spMkLst>
+          </pc:spChg>
+        </pc:sldLayoutChg>
+        <pc:sldLayoutChg chg="modSp">
+          <pc:chgData name="Aaron Tayal" userId="32f02f1096a9313f" providerId="LiveId" clId="{05E1A560-7D8A-4443-A5B7-A91026691F57}" dt="2025-07-30T15:11:45.365" v="45"/>
+          <pc:sldLayoutMkLst>
+            <pc:docMk/>
+            <pc:sldMasterMk cId="3670160359" sldId="2147483648"/>
+            <pc:sldLayoutMk cId="284665383" sldId="2147483656"/>
+          </pc:sldLayoutMkLst>
+          <pc:spChg chg="mod">
+            <ac:chgData name="Aaron Tayal" userId="32f02f1096a9313f" providerId="LiveId" clId="{05E1A560-7D8A-4443-A5B7-A91026691F57}" dt="2025-07-30T15:11:45.365" v="45"/>
+            <ac:spMkLst>
+              <pc:docMk/>
+              <pc:sldMasterMk cId="3670160359" sldId="2147483648"/>
+              <pc:sldLayoutMk cId="284665383" sldId="2147483656"/>
+              <ac:spMk id="2" creationId="{6F4850CA-5A3C-8C66-4DCD-586266C575C1}"/>
+            </ac:spMkLst>
+          </pc:spChg>
+          <pc:spChg chg="mod">
+            <ac:chgData name="Aaron Tayal" userId="32f02f1096a9313f" providerId="LiveId" clId="{05E1A560-7D8A-4443-A5B7-A91026691F57}" dt="2025-07-30T15:11:45.365" v="45"/>
+            <ac:spMkLst>
+              <pc:docMk/>
+              <pc:sldMasterMk cId="3670160359" sldId="2147483648"/>
+              <pc:sldLayoutMk cId="284665383" sldId="2147483656"/>
+              <ac:spMk id="3" creationId="{E5AD8A2E-9803-EB86-1CC0-D07716B8AD01}"/>
+            </ac:spMkLst>
+          </pc:spChg>
+          <pc:spChg chg="mod">
+            <ac:chgData name="Aaron Tayal" userId="32f02f1096a9313f" providerId="LiveId" clId="{05E1A560-7D8A-4443-A5B7-A91026691F57}" dt="2025-07-30T15:11:45.365" v="45"/>
+            <ac:spMkLst>
+              <pc:docMk/>
+              <pc:sldMasterMk cId="3670160359" sldId="2147483648"/>
+              <pc:sldLayoutMk cId="284665383" sldId="2147483656"/>
+              <ac:spMk id="4" creationId="{3971C622-41A0-531E-9319-070CCE848214}"/>
+            </ac:spMkLst>
+          </pc:spChg>
+        </pc:sldLayoutChg>
+        <pc:sldLayoutChg chg="modSp">
+          <pc:chgData name="Aaron Tayal" userId="32f02f1096a9313f" providerId="LiveId" clId="{05E1A560-7D8A-4443-A5B7-A91026691F57}" dt="2025-07-30T15:11:45.365" v="45"/>
+          <pc:sldLayoutMkLst>
+            <pc:docMk/>
+            <pc:sldMasterMk cId="3670160359" sldId="2147483648"/>
+            <pc:sldLayoutMk cId="2904401932" sldId="2147483657"/>
+          </pc:sldLayoutMkLst>
+          <pc:spChg chg="mod">
+            <ac:chgData name="Aaron Tayal" userId="32f02f1096a9313f" providerId="LiveId" clId="{05E1A560-7D8A-4443-A5B7-A91026691F57}" dt="2025-07-30T15:11:45.365" v="45"/>
+            <ac:spMkLst>
+              <pc:docMk/>
+              <pc:sldMasterMk cId="3670160359" sldId="2147483648"/>
+              <pc:sldLayoutMk cId="2904401932" sldId="2147483657"/>
+              <ac:spMk id="2" creationId="{EB4C9C5F-8446-B97A-4E2B-3B1650E26DFB}"/>
+            </ac:spMkLst>
+          </pc:spChg>
+          <pc:spChg chg="mod">
+            <ac:chgData name="Aaron Tayal" userId="32f02f1096a9313f" providerId="LiveId" clId="{05E1A560-7D8A-4443-A5B7-A91026691F57}" dt="2025-07-30T15:11:45.365" v="45"/>
+            <ac:spMkLst>
+              <pc:docMk/>
+              <pc:sldMasterMk cId="3670160359" sldId="2147483648"/>
+              <pc:sldLayoutMk cId="2904401932" sldId="2147483657"/>
+              <ac:spMk id="3" creationId="{C0A1D065-EADE-4978-875D-A598F225A880}"/>
+            </ac:spMkLst>
+          </pc:spChg>
+          <pc:spChg chg="mod">
+            <ac:chgData name="Aaron Tayal" userId="32f02f1096a9313f" providerId="LiveId" clId="{05E1A560-7D8A-4443-A5B7-A91026691F57}" dt="2025-07-30T15:11:45.365" v="45"/>
+            <ac:spMkLst>
+              <pc:docMk/>
+              <pc:sldMasterMk cId="3670160359" sldId="2147483648"/>
+              <pc:sldLayoutMk cId="2904401932" sldId="2147483657"/>
+              <ac:spMk id="4" creationId="{E5B82D48-32A6-8770-A685-ED318B69A21B}"/>
+            </ac:spMkLst>
+          </pc:spChg>
+        </pc:sldLayoutChg>
+        <pc:sldLayoutChg chg="modSp">
+          <pc:chgData name="Aaron Tayal" userId="32f02f1096a9313f" providerId="LiveId" clId="{05E1A560-7D8A-4443-A5B7-A91026691F57}" dt="2025-07-30T15:11:45.365" v="45"/>
+          <pc:sldLayoutMkLst>
+            <pc:docMk/>
+            <pc:sldMasterMk cId="3670160359" sldId="2147483648"/>
+            <pc:sldLayoutMk cId="3975561321" sldId="2147483659"/>
+          </pc:sldLayoutMkLst>
+          <pc:spChg chg="mod">
+            <ac:chgData name="Aaron Tayal" userId="32f02f1096a9313f" providerId="LiveId" clId="{05E1A560-7D8A-4443-A5B7-A91026691F57}" dt="2025-07-30T15:11:45.365" v="45"/>
+            <ac:spMkLst>
+              <pc:docMk/>
+              <pc:sldMasterMk cId="3670160359" sldId="2147483648"/>
+              <pc:sldLayoutMk cId="3975561321" sldId="2147483659"/>
+              <ac:spMk id="2" creationId="{BAD25E13-9242-DB44-E59A-BBEFB0D924AD}"/>
+            </ac:spMkLst>
+          </pc:spChg>
+          <pc:spChg chg="mod">
+            <ac:chgData name="Aaron Tayal" userId="32f02f1096a9313f" providerId="LiveId" clId="{05E1A560-7D8A-4443-A5B7-A91026691F57}" dt="2025-07-30T15:11:45.365" v="45"/>
+            <ac:spMkLst>
+              <pc:docMk/>
+              <pc:sldMasterMk cId="3670160359" sldId="2147483648"/>
+              <pc:sldLayoutMk cId="3975561321" sldId="2147483659"/>
+              <ac:spMk id="3" creationId="{534D2124-BEF6-6C5E-50E0-1BEFA438E34E}"/>
+            </ac:spMkLst>
+          </pc:spChg>
+        </pc:sldLayoutChg>
+      </pc:sldMasterChg>
+      <pc:sldMasterChg chg="modSp modSldLayout">
+        <pc:chgData name="Aaron Tayal" userId="32f02f1096a9313f" providerId="LiveId" clId="{05E1A560-7D8A-4443-A5B7-A91026691F57}" dt="2025-07-30T15:12:49.791" v="47"/>
+        <pc:sldMasterMkLst>
+          <pc:docMk/>
+          <pc:sldMasterMk cId="2206490682" sldId="2147483660"/>
+        </pc:sldMasterMkLst>
+        <pc:spChg chg="mod">
+          <ac:chgData name="Aaron Tayal" userId="32f02f1096a9313f" providerId="LiveId" clId="{05E1A560-7D8A-4443-A5B7-A91026691F57}" dt="2025-07-30T15:12:49.791" v="47"/>
+          <ac:spMkLst>
+            <pc:docMk/>
+            <pc:sldMasterMk cId="2206490682" sldId="2147483660"/>
+            <ac:spMk id="2" creationId="{00000000-0000-0000-0000-000000000000}"/>
+          </ac:spMkLst>
+        </pc:spChg>
+        <pc:spChg chg="mod">
+          <ac:chgData name="Aaron Tayal" userId="32f02f1096a9313f" providerId="LiveId" clId="{05E1A560-7D8A-4443-A5B7-A91026691F57}" dt="2025-07-30T15:12:49.791" v="47"/>
+          <ac:spMkLst>
+            <pc:docMk/>
+            <pc:sldMasterMk cId="2206490682" sldId="2147483660"/>
+            <ac:spMk id="3" creationId="{00000000-0000-0000-0000-000000000000}"/>
+          </ac:spMkLst>
+        </pc:spChg>
+        <pc:spChg chg="mod">
+          <ac:chgData name="Aaron Tayal" userId="32f02f1096a9313f" providerId="LiveId" clId="{05E1A560-7D8A-4443-A5B7-A91026691F57}" dt="2025-07-30T15:12:49.791" v="47"/>
+          <ac:spMkLst>
+            <pc:docMk/>
+            <pc:sldMasterMk cId="2206490682" sldId="2147483660"/>
+            <ac:spMk id="4" creationId="{00000000-0000-0000-0000-000000000000}"/>
+          </ac:spMkLst>
+        </pc:spChg>
+        <pc:spChg chg="mod">
+          <ac:chgData name="Aaron Tayal" userId="32f02f1096a9313f" providerId="LiveId" clId="{05E1A560-7D8A-4443-A5B7-A91026691F57}" dt="2025-07-30T15:12:49.791" v="47"/>
+          <ac:spMkLst>
+            <pc:docMk/>
+            <pc:sldMasterMk cId="2206490682" sldId="2147483660"/>
+            <ac:spMk id="5" creationId="{00000000-0000-0000-0000-000000000000}"/>
+          </ac:spMkLst>
+        </pc:spChg>
+        <pc:spChg chg="mod">
+          <ac:chgData name="Aaron Tayal" userId="32f02f1096a9313f" providerId="LiveId" clId="{05E1A560-7D8A-4443-A5B7-A91026691F57}" dt="2025-07-30T15:12:49.791" v="47"/>
+          <ac:spMkLst>
+            <pc:docMk/>
+            <pc:sldMasterMk cId="2206490682" sldId="2147483660"/>
+            <ac:spMk id="6" creationId="{00000000-0000-0000-0000-000000000000}"/>
+          </ac:spMkLst>
+        </pc:spChg>
+        <pc:sldLayoutChg chg="modSp">
+          <pc:chgData name="Aaron Tayal" userId="32f02f1096a9313f" providerId="LiveId" clId="{05E1A560-7D8A-4443-A5B7-A91026691F57}" dt="2025-07-30T15:12:49.791" v="47"/>
+          <pc:sldLayoutMkLst>
+            <pc:docMk/>
+            <pc:sldMasterMk cId="2206490682" sldId="2147483660"/>
+            <pc:sldLayoutMk cId="558651952" sldId="2147483661"/>
+          </pc:sldLayoutMkLst>
+          <pc:spChg chg="mod">
+            <ac:chgData name="Aaron Tayal" userId="32f02f1096a9313f" providerId="LiveId" clId="{05E1A560-7D8A-4443-A5B7-A91026691F57}" dt="2025-07-30T15:12:49.791" v="47"/>
+            <ac:spMkLst>
+              <pc:docMk/>
+              <pc:sldMasterMk cId="2206490682" sldId="2147483660"/>
+              <pc:sldLayoutMk cId="558651952" sldId="2147483661"/>
+              <ac:spMk id="2" creationId="{00000000-0000-0000-0000-000000000000}"/>
+            </ac:spMkLst>
+          </pc:spChg>
+          <pc:spChg chg="mod">
+            <ac:chgData name="Aaron Tayal" userId="32f02f1096a9313f" providerId="LiveId" clId="{05E1A560-7D8A-4443-A5B7-A91026691F57}" dt="2025-07-30T15:12:49.791" v="47"/>
+            <ac:spMkLst>
+              <pc:docMk/>
+              <pc:sldMasterMk cId="2206490682" sldId="2147483660"/>
+              <pc:sldLayoutMk cId="558651952" sldId="2147483661"/>
+              <ac:spMk id="3" creationId="{00000000-0000-0000-0000-000000000000}"/>
+            </ac:spMkLst>
+          </pc:spChg>
+        </pc:sldLayoutChg>
+        <pc:sldLayoutChg chg="modSp">
+          <pc:chgData name="Aaron Tayal" userId="32f02f1096a9313f" providerId="LiveId" clId="{05E1A560-7D8A-4443-A5B7-A91026691F57}" dt="2025-07-30T15:12:49.791" v="47"/>
+          <pc:sldLayoutMkLst>
+            <pc:docMk/>
+            <pc:sldMasterMk cId="2206490682" sldId="2147483660"/>
+            <pc:sldLayoutMk cId="3106516500" sldId="2147483663"/>
+          </pc:sldLayoutMkLst>
+          <pc:spChg chg="mod">
+            <ac:chgData name="Aaron Tayal" userId="32f02f1096a9313f" providerId="LiveId" clId="{05E1A560-7D8A-4443-A5B7-A91026691F57}" dt="2025-07-30T15:12:49.791" v="47"/>
+            <ac:spMkLst>
+              <pc:docMk/>
+              <pc:sldMasterMk cId="2206490682" sldId="2147483660"/>
+              <pc:sldLayoutMk cId="3106516500" sldId="2147483663"/>
+              <ac:spMk id="2" creationId="{00000000-0000-0000-0000-000000000000}"/>
+            </ac:spMkLst>
+          </pc:spChg>
+          <pc:spChg chg="mod">
+            <ac:chgData name="Aaron Tayal" userId="32f02f1096a9313f" providerId="LiveId" clId="{05E1A560-7D8A-4443-A5B7-A91026691F57}" dt="2025-07-30T15:12:49.791" v="47"/>
+            <ac:spMkLst>
+              <pc:docMk/>
+              <pc:sldMasterMk cId="2206490682" sldId="2147483660"/>
+              <pc:sldLayoutMk cId="3106516500" sldId="2147483663"/>
+              <ac:spMk id="3" creationId="{00000000-0000-0000-0000-000000000000}"/>
+            </ac:spMkLst>
+          </pc:spChg>
+        </pc:sldLayoutChg>
+        <pc:sldLayoutChg chg="modSp">
+          <pc:chgData name="Aaron Tayal" userId="32f02f1096a9313f" providerId="LiveId" clId="{05E1A560-7D8A-4443-A5B7-A91026691F57}" dt="2025-07-30T15:12:49.791" v="47"/>
+          <pc:sldLayoutMkLst>
+            <pc:docMk/>
+            <pc:sldMasterMk cId="2206490682" sldId="2147483660"/>
+            <pc:sldLayoutMk cId="1887777868" sldId="2147483664"/>
+          </pc:sldLayoutMkLst>
+          <pc:spChg chg="mod">
+            <ac:chgData name="Aaron Tayal" userId="32f02f1096a9313f" providerId="LiveId" clId="{05E1A560-7D8A-4443-A5B7-A91026691F57}" dt="2025-07-30T15:12:49.791" v="47"/>
+            <ac:spMkLst>
+              <pc:docMk/>
+              <pc:sldMasterMk cId="2206490682" sldId="2147483660"/>
+              <pc:sldLayoutMk cId="1887777868" sldId="2147483664"/>
+              <ac:spMk id="3" creationId="{00000000-0000-0000-0000-000000000000}"/>
+            </ac:spMkLst>
+          </pc:spChg>
+          <pc:spChg chg="mod">
+            <ac:chgData name="Aaron Tayal" userId="32f02f1096a9313f" providerId="LiveId" clId="{05E1A560-7D8A-4443-A5B7-A91026691F57}" dt="2025-07-30T15:12:49.791" v="47"/>
+            <ac:spMkLst>
+              <pc:docMk/>
+              <pc:sldMasterMk cId="2206490682" sldId="2147483660"/>
+              <pc:sldLayoutMk cId="1887777868" sldId="2147483664"/>
+              <ac:spMk id="4" creationId="{00000000-0000-0000-0000-000000000000}"/>
+            </ac:spMkLst>
+          </pc:spChg>
+        </pc:sldLayoutChg>
+        <pc:sldLayoutChg chg="modSp">
+          <pc:chgData name="Aaron Tayal" userId="32f02f1096a9313f" providerId="LiveId" clId="{05E1A560-7D8A-4443-A5B7-A91026691F57}" dt="2025-07-30T15:12:49.791" v="47"/>
+          <pc:sldLayoutMkLst>
+            <pc:docMk/>
+            <pc:sldMasterMk cId="2206490682" sldId="2147483660"/>
+            <pc:sldLayoutMk cId="3924927764" sldId="2147483665"/>
+          </pc:sldLayoutMkLst>
+          <pc:spChg chg="mod">
+            <ac:chgData name="Aaron Tayal" userId="32f02f1096a9313f" providerId="LiveId" clId="{05E1A560-7D8A-4443-A5B7-A91026691F57}" dt="2025-07-30T15:12:49.791" v="47"/>
+            <ac:spMkLst>
+              <pc:docMk/>
+              <pc:sldMasterMk cId="2206490682" sldId="2147483660"/>
+              <pc:sldLayoutMk cId="3924927764" sldId="2147483665"/>
+              <ac:spMk id="2" creationId="{00000000-0000-0000-0000-000000000000}"/>
+            </ac:spMkLst>
+          </pc:spChg>
+          <pc:spChg chg="mod">
+            <ac:chgData name="Aaron Tayal" userId="32f02f1096a9313f" providerId="LiveId" clId="{05E1A560-7D8A-4443-A5B7-A91026691F57}" dt="2025-07-30T15:12:49.791" v="47"/>
+            <ac:spMkLst>
+              <pc:docMk/>
+              <pc:sldMasterMk cId="2206490682" sldId="2147483660"/>
+              <pc:sldLayoutMk cId="3924927764" sldId="2147483665"/>
+              <ac:spMk id="3" creationId="{00000000-0000-0000-0000-000000000000}"/>
+            </ac:spMkLst>
+          </pc:spChg>
+          <pc:spChg chg="mod">
+            <ac:chgData name="Aaron Tayal" userId="32f02f1096a9313f" providerId="LiveId" clId="{05E1A560-7D8A-4443-A5B7-A91026691F57}" dt="2025-07-30T15:12:49.791" v="47"/>
+            <ac:spMkLst>
+              <pc:docMk/>
+              <pc:sldMasterMk cId="2206490682" sldId="2147483660"/>
+              <pc:sldLayoutMk cId="3924927764" sldId="2147483665"/>
+              <ac:spMk id="4" creationId="{00000000-0000-0000-0000-000000000000}"/>
+            </ac:spMkLst>
+          </pc:spChg>
+          <pc:spChg chg="mod">
+            <ac:chgData name="Aaron Tayal" userId="32f02f1096a9313f" providerId="LiveId" clId="{05E1A560-7D8A-4443-A5B7-A91026691F57}" dt="2025-07-30T15:12:49.791" v="47"/>
+            <ac:spMkLst>
+              <pc:docMk/>
+              <pc:sldMasterMk cId="2206490682" sldId="2147483660"/>
+              <pc:sldLayoutMk cId="3924927764" sldId="2147483665"/>
+              <ac:spMk id="5" creationId="{00000000-0000-0000-0000-000000000000}"/>
+            </ac:spMkLst>
+          </pc:spChg>
+          <pc:spChg chg="mod">
+            <ac:chgData name="Aaron Tayal" userId="32f02f1096a9313f" providerId="LiveId" clId="{05E1A560-7D8A-4443-A5B7-A91026691F57}" dt="2025-07-30T15:12:49.791" v="47"/>
+            <ac:spMkLst>
+              <pc:docMk/>
+              <pc:sldMasterMk cId="2206490682" sldId="2147483660"/>
+              <pc:sldLayoutMk cId="3924927764" sldId="2147483665"/>
+              <ac:spMk id="6" creationId="{00000000-0000-0000-0000-000000000000}"/>
+            </ac:spMkLst>
+          </pc:spChg>
+        </pc:sldLayoutChg>
+        <pc:sldLayoutChg chg="modSp">
+          <pc:chgData name="Aaron Tayal" userId="32f02f1096a9313f" providerId="LiveId" clId="{05E1A560-7D8A-4443-A5B7-A91026691F57}" dt="2025-07-30T15:12:49.791" v="47"/>
+          <pc:sldLayoutMkLst>
+            <pc:docMk/>
+            <pc:sldMasterMk cId="2206490682" sldId="2147483660"/>
+            <pc:sldLayoutMk cId="3475733112" sldId="2147483668"/>
+          </pc:sldLayoutMkLst>
+          <pc:spChg chg="mod">
+            <ac:chgData name="Aaron Tayal" userId="32f02f1096a9313f" providerId="LiveId" clId="{05E1A560-7D8A-4443-A5B7-A91026691F57}" dt="2025-07-30T15:12:49.791" v="47"/>
+            <ac:spMkLst>
+              <pc:docMk/>
+              <pc:sldMasterMk cId="2206490682" sldId="2147483660"/>
+              <pc:sldLayoutMk cId="3475733112" sldId="2147483668"/>
+              <ac:spMk id="2" creationId="{00000000-0000-0000-0000-000000000000}"/>
+            </ac:spMkLst>
+          </pc:spChg>
+          <pc:spChg chg="mod">
+            <ac:chgData name="Aaron Tayal" userId="32f02f1096a9313f" providerId="LiveId" clId="{05E1A560-7D8A-4443-A5B7-A91026691F57}" dt="2025-07-30T15:12:49.791" v="47"/>
+            <ac:spMkLst>
+              <pc:docMk/>
+              <pc:sldMasterMk cId="2206490682" sldId="2147483660"/>
+              <pc:sldLayoutMk cId="3475733112" sldId="2147483668"/>
+              <ac:spMk id="3" creationId="{00000000-0000-0000-0000-000000000000}"/>
+            </ac:spMkLst>
+          </pc:spChg>
+          <pc:spChg chg="mod">
+            <ac:chgData name="Aaron Tayal" userId="32f02f1096a9313f" providerId="LiveId" clId="{05E1A560-7D8A-4443-A5B7-A91026691F57}" dt="2025-07-30T15:12:49.791" v="47"/>
+            <ac:spMkLst>
+              <pc:docMk/>
+              <pc:sldMasterMk cId="2206490682" sldId="2147483660"/>
+              <pc:sldLayoutMk cId="3475733112" sldId="2147483668"/>
+              <ac:spMk id="4" creationId="{00000000-0000-0000-0000-000000000000}"/>
+            </ac:spMkLst>
+          </pc:spChg>
+        </pc:sldLayoutChg>
+        <pc:sldLayoutChg chg="modSp">
+          <pc:chgData name="Aaron Tayal" userId="32f02f1096a9313f" providerId="LiveId" clId="{05E1A560-7D8A-4443-A5B7-A91026691F57}" dt="2025-07-30T15:12:49.791" v="47"/>
+          <pc:sldLayoutMkLst>
+            <pc:docMk/>
+            <pc:sldMasterMk cId="2206490682" sldId="2147483660"/>
+            <pc:sldLayoutMk cId="574317709" sldId="2147483669"/>
+          </pc:sldLayoutMkLst>
+          <pc:spChg chg="mod">
+            <ac:chgData name="Aaron Tayal" userId="32f02f1096a9313f" providerId="LiveId" clId="{05E1A560-7D8A-4443-A5B7-A91026691F57}" dt="2025-07-30T15:12:49.791" v="47"/>
+            <ac:spMkLst>
+              <pc:docMk/>
+              <pc:sldMasterMk cId="2206490682" sldId="2147483660"/>
+              <pc:sldLayoutMk cId="574317709" sldId="2147483669"/>
+              <ac:spMk id="2" creationId="{00000000-0000-0000-0000-000000000000}"/>
+            </ac:spMkLst>
+          </pc:spChg>
+          <pc:spChg chg="mod">
+            <ac:chgData name="Aaron Tayal" userId="32f02f1096a9313f" providerId="LiveId" clId="{05E1A560-7D8A-4443-A5B7-A91026691F57}" dt="2025-07-30T15:12:49.791" v="47"/>
+            <ac:spMkLst>
+              <pc:docMk/>
+              <pc:sldMasterMk cId="2206490682" sldId="2147483660"/>
+              <pc:sldLayoutMk cId="574317709" sldId="2147483669"/>
+              <ac:spMk id="3" creationId="{00000000-0000-0000-0000-000000000000}"/>
+            </ac:spMkLst>
+          </pc:spChg>
+          <pc:spChg chg="mod">
+            <ac:chgData name="Aaron Tayal" userId="32f02f1096a9313f" providerId="LiveId" clId="{05E1A560-7D8A-4443-A5B7-A91026691F57}" dt="2025-07-30T15:12:49.791" v="47"/>
+            <ac:spMkLst>
+              <pc:docMk/>
+              <pc:sldMasterMk cId="2206490682" sldId="2147483660"/>
+              <pc:sldLayoutMk cId="574317709" sldId="2147483669"/>
+              <ac:spMk id="4" creationId="{00000000-0000-0000-0000-000000000000}"/>
+            </ac:spMkLst>
+          </pc:spChg>
+        </pc:sldLayoutChg>
+        <pc:sldLayoutChg chg="modSp">
+          <pc:chgData name="Aaron Tayal" userId="32f02f1096a9313f" providerId="LiveId" clId="{05E1A560-7D8A-4443-A5B7-A91026691F57}" dt="2025-07-30T15:12:49.791" v="47"/>
+          <pc:sldLayoutMkLst>
+            <pc:docMk/>
+            <pc:sldMasterMk cId="2206490682" sldId="2147483660"/>
+            <pc:sldLayoutMk cId="2846920684" sldId="2147483671"/>
+          </pc:sldLayoutMkLst>
+          <pc:spChg chg="mod">
+            <ac:chgData name="Aaron Tayal" userId="32f02f1096a9313f" providerId="LiveId" clId="{05E1A560-7D8A-4443-A5B7-A91026691F57}" dt="2025-07-30T15:12:49.791" v="47"/>
+            <ac:spMkLst>
+              <pc:docMk/>
+              <pc:sldMasterMk cId="2206490682" sldId="2147483660"/>
+              <pc:sldLayoutMk cId="2846920684" sldId="2147483671"/>
+              <ac:spMk id="2" creationId="{00000000-0000-0000-0000-000000000000}"/>
+            </ac:spMkLst>
+          </pc:spChg>
+          <pc:spChg chg="mod">
+            <ac:chgData name="Aaron Tayal" userId="32f02f1096a9313f" providerId="LiveId" clId="{05E1A560-7D8A-4443-A5B7-A91026691F57}" dt="2025-07-30T15:12:49.791" v="47"/>
+            <ac:spMkLst>
+              <pc:docMk/>
+              <pc:sldMasterMk cId="2206490682" sldId="2147483660"/>
+              <pc:sldLayoutMk cId="2846920684" sldId="2147483671"/>
+              <ac:spMk id="3" creationId="{00000000-0000-0000-0000-000000000000}"/>
+            </ac:spMkLst>
+          </pc:spChg>
+        </pc:sldLayoutChg>
+      </pc:sldMasterChg>
+    </pc:docChg>
+  </pc:docChgLst>
+</pc:chgInfo>
 </file>
 
 <file path=ppt/slideLayouts/slideLayout1.xml><?xml version="1.0" encoding="utf-8"?>
@@ -126,13 +916,7 @@
       </p:grpSpPr>
       <p:sp>
         <p:nvSpPr>
-          <p:cNvPr id="2" name="Title 1">
-            <a:extLst>
-              <a:ext uri="{FF2B5EF4-FFF2-40B4-BE49-F238E27FC236}">
-                <a16:creationId xmlns:a16="http://schemas.microsoft.com/office/drawing/2014/main" id="{9A71BAD1-4D2D-A497-3045-48FF2A9FA6B1}"/>
-              </a:ext>
-            </a:extLst>
-          </p:cNvPr>
+          <p:cNvPr id="2" name="Title 1"/>
           <p:cNvSpPr>
             <a:spLocks noGrp="1"/>
           </p:cNvSpPr>
@@ -142,15 +926,15 @@
         </p:nvSpPr>
         <p:spPr>
           <a:xfrm>
-            <a:off x="1524000" y="1122363"/>
-            <a:ext cx="9144000" cy="2387600"/>
+            <a:off x="1371600" y="658349"/>
+            <a:ext cx="8229600" cy="1400504"/>
           </a:xfrm>
         </p:spPr>
         <p:txBody>
           <a:bodyPr anchor="b"/>
           <a:lstStyle>
             <a:lvl1pPr algn="ctr">
-              <a:defRPr sz="6000"/>
+              <a:defRPr sz="3520"/>
             </a:lvl1pPr>
           </a:lstStyle>
           <a:p>
@@ -158,18 +942,13 @@
               <a:rPr lang="en-US"/>
               <a:t>Click to edit Master title style</a:t>
             </a:r>
-          </a:p>
-        </p:txBody>
-      </p:sp>
-      <p:sp>
-        <p:nvSpPr>
-          <p:cNvPr id="3" name="Subtitle 2">
-            <a:extLst>
-              <a:ext uri="{FF2B5EF4-FFF2-40B4-BE49-F238E27FC236}">
-                <a16:creationId xmlns:a16="http://schemas.microsoft.com/office/drawing/2014/main" id="{08E61797-273E-A3E9-562C-00AB4EB71FB2}"/>
-              </a:ext>
-            </a:extLst>
-          </p:cNvPr>
+            <a:endParaRPr lang="en-US" dirty="0"/>
+          </a:p>
+        </p:txBody>
+      </p:sp>
+      <p:sp>
+        <p:nvSpPr>
+          <p:cNvPr id="3" name="Subtitle 2"/>
           <p:cNvSpPr>
             <a:spLocks noGrp="1"/>
           </p:cNvSpPr>
@@ -179,8 +958,8 @@
         </p:nvSpPr>
         <p:spPr>
           <a:xfrm>
-            <a:off x="1524000" y="3602038"/>
-            <a:ext cx="9144000" cy="1655762"/>
+            <a:off x="1371600" y="2112862"/>
+            <a:ext cx="8229600" cy="971227"/>
           </a:xfrm>
         </p:spPr>
         <p:txBody>
@@ -188,39 +967,39 @@
           <a:lstStyle>
             <a:lvl1pPr marL="0" indent="0" algn="ctr">
               <a:buNone/>
-              <a:defRPr sz="2400"/>
+              <a:defRPr sz="1408"/>
             </a:lvl1pPr>
-            <a:lvl2pPr marL="457200" indent="0" algn="ctr">
-              <a:buNone/>
-              <a:defRPr sz="2000"/>
+            <a:lvl2pPr marL="268194" indent="0" algn="ctr">
+              <a:buNone/>
+              <a:defRPr sz="1173"/>
             </a:lvl2pPr>
-            <a:lvl3pPr marL="914400" indent="0" algn="ctr">
-              <a:buNone/>
-              <a:defRPr sz="1800"/>
+            <a:lvl3pPr marL="536387" indent="0" algn="ctr">
+              <a:buNone/>
+              <a:defRPr sz="1056"/>
             </a:lvl3pPr>
-            <a:lvl4pPr marL="1371600" indent="0" algn="ctr">
-              <a:buNone/>
-              <a:defRPr sz="1600"/>
+            <a:lvl4pPr marL="804581" indent="0" algn="ctr">
+              <a:buNone/>
+              <a:defRPr sz="939"/>
             </a:lvl4pPr>
-            <a:lvl5pPr marL="1828800" indent="0" algn="ctr">
-              <a:buNone/>
-              <a:defRPr sz="1600"/>
+            <a:lvl5pPr marL="1072774" indent="0" algn="ctr">
+              <a:buNone/>
+              <a:defRPr sz="939"/>
             </a:lvl5pPr>
-            <a:lvl6pPr marL="2286000" indent="0" algn="ctr">
-              <a:buNone/>
-              <a:defRPr sz="1600"/>
+            <a:lvl6pPr marL="1340968" indent="0" algn="ctr">
+              <a:buNone/>
+              <a:defRPr sz="939"/>
             </a:lvl6pPr>
-            <a:lvl7pPr marL="2743200" indent="0" algn="ctr">
-              <a:buNone/>
-              <a:defRPr sz="1600"/>
+            <a:lvl7pPr marL="1609161" indent="0" algn="ctr">
+              <a:buNone/>
+              <a:defRPr sz="939"/>
             </a:lvl7pPr>
-            <a:lvl8pPr marL="3200400" indent="0" algn="ctr">
-              <a:buNone/>
-              <a:defRPr sz="1600"/>
+            <a:lvl8pPr marL="1877355" indent="0" algn="ctr">
+              <a:buNone/>
+              <a:defRPr sz="939"/>
             </a:lvl8pPr>
-            <a:lvl9pPr marL="3657600" indent="0" algn="ctr">
-              <a:buNone/>
-              <a:defRPr sz="1600"/>
+            <a:lvl9pPr marL="2145548" indent="0" algn="ctr">
+              <a:buNone/>
+              <a:defRPr sz="939"/>
             </a:lvl9pPr>
           </a:lstStyle>
           <a:p>
@@ -228,18 +1007,13 @@
               <a:rPr lang="en-US"/>
               <a:t>Click to edit Master subtitle style</a:t>
             </a:r>
-          </a:p>
-        </p:txBody>
-      </p:sp>
-      <p:sp>
-        <p:nvSpPr>
-          <p:cNvPr id="4" name="Date Placeholder 3">
-            <a:extLst>
-              <a:ext uri="{FF2B5EF4-FFF2-40B4-BE49-F238E27FC236}">
-                <a16:creationId xmlns:a16="http://schemas.microsoft.com/office/drawing/2014/main" id="{9DCE3B9B-FA22-8A4C-A2F0-9C30E039F662}"/>
-              </a:ext>
-            </a:extLst>
-          </p:cNvPr>
+            <a:endParaRPr lang="en-US" dirty="0"/>
+          </a:p>
+        </p:txBody>
+      </p:sp>
+      <p:sp>
+        <p:nvSpPr>
+          <p:cNvPr id="4" name="Date Placeholder 3"/>
           <p:cNvSpPr>
             <a:spLocks noGrp="1"/>
           </p:cNvSpPr>
@@ -254,7 +1028,7 @@
           <a:p>
             <a:fld id="{1157D475-CCA0-4EE1-80E2-E46E2851FDFA}" type="datetimeFigureOut">
               <a:rPr lang="en-US" smtClean="0"/>
-              <a:t>3/10/2025</a:t>
+              <a:t>7/30/2025</a:t>
             </a:fld>
             <a:endParaRPr lang="en-US"/>
           </a:p>
@@ -262,13 +1036,7 @@
       </p:sp>
       <p:sp>
         <p:nvSpPr>
-          <p:cNvPr id="5" name="Footer Placeholder 4">
-            <a:extLst>
-              <a:ext uri="{FF2B5EF4-FFF2-40B4-BE49-F238E27FC236}">
-                <a16:creationId xmlns:a16="http://schemas.microsoft.com/office/drawing/2014/main" id="{15BEBB0B-6116-6ABC-2902-EB4CBA5223AE}"/>
-              </a:ext>
-            </a:extLst>
-          </p:cNvPr>
+          <p:cNvPr id="5" name="Footer Placeholder 4"/>
           <p:cNvSpPr>
             <a:spLocks noGrp="1"/>
           </p:cNvSpPr>
@@ -287,13 +1055,7 @@
       </p:sp>
       <p:sp>
         <p:nvSpPr>
-          <p:cNvPr id="6" name="Slide Number Placeholder 5">
-            <a:extLst>
-              <a:ext uri="{FF2B5EF4-FFF2-40B4-BE49-F238E27FC236}">
-                <a16:creationId xmlns:a16="http://schemas.microsoft.com/office/drawing/2014/main" id="{E06A919A-F54A-D805-56DD-012A61A9FF33}"/>
-              </a:ext>
-            </a:extLst>
-          </p:cNvPr>
+          <p:cNvPr id="6" name="Slide Number Placeholder 5"/>
           <p:cNvSpPr>
             <a:spLocks noGrp="1"/>
           </p:cNvSpPr>
@@ -317,7 +1079,7 @@
     </p:spTree>
     <p:extLst>
       <p:ext uri="{BB962C8B-B14F-4D97-AF65-F5344CB8AC3E}">
-        <p14:creationId xmlns:p14="http://schemas.microsoft.com/office/powerpoint/2010/main" val="1449369312"/>
+        <p14:creationId xmlns:p14="http://schemas.microsoft.com/office/powerpoint/2010/main" val="3399052994"/>
       </p:ext>
     </p:extLst>
   </p:cSld>
@@ -346,13 +1108,7 @@
       </p:grpSpPr>
       <p:sp>
         <p:nvSpPr>
-          <p:cNvPr id="2" name="Title 1">
-            <a:extLst>
-              <a:ext uri="{FF2B5EF4-FFF2-40B4-BE49-F238E27FC236}">
-                <a16:creationId xmlns:a16="http://schemas.microsoft.com/office/drawing/2014/main" id="{FE3C6E01-826B-E1A6-21BE-ED7B51998C1C}"/>
-              </a:ext>
-            </a:extLst>
-          </p:cNvPr>
+          <p:cNvPr id="2" name="Title 1"/>
           <p:cNvSpPr>
             <a:spLocks noGrp="1"/>
           </p:cNvSpPr>
@@ -369,18 +1125,13 @@
               <a:rPr lang="en-US"/>
               <a:t>Click to edit Master title style</a:t>
             </a:r>
-          </a:p>
-        </p:txBody>
-      </p:sp>
-      <p:sp>
-        <p:nvSpPr>
-          <p:cNvPr id="3" name="Vertical Text Placeholder 2">
-            <a:extLst>
-              <a:ext uri="{FF2B5EF4-FFF2-40B4-BE49-F238E27FC236}">
-                <a16:creationId xmlns:a16="http://schemas.microsoft.com/office/drawing/2014/main" id="{FE7F3881-10C2-8351-3BFC-4CBD0AF3CD9A}"/>
-              </a:ext>
-            </a:extLst>
-          </p:cNvPr>
+            <a:endParaRPr lang="en-US" dirty="0"/>
+          </a:p>
+        </p:txBody>
+      </p:sp>
+      <p:sp>
+        <p:nvSpPr>
+          <p:cNvPr id="3" name="Vertical Text Placeholder 2"/>
           <p:cNvSpPr>
             <a:spLocks noGrp="1"/>
           </p:cNvSpPr>
@@ -426,18 +1177,13 @@
               <a:rPr lang="en-US"/>
               <a:t>Fifth level</a:t>
             </a:r>
-          </a:p>
-        </p:txBody>
-      </p:sp>
-      <p:sp>
-        <p:nvSpPr>
-          <p:cNvPr id="4" name="Date Placeholder 3">
-            <a:extLst>
-              <a:ext uri="{FF2B5EF4-FFF2-40B4-BE49-F238E27FC236}">
-                <a16:creationId xmlns:a16="http://schemas.microsoft.com/office/drawing/2014/main" id="{CD918006-EFA6-A134-4000-33C925C2EB9F}"/>
-              </a:ext>
-            </a:extLst>
-          </p:cNvPr>
+            <a:endParaRPr lang="en-US" dirty="0"/>
+          </a:p>
+        </p:txBody>
+      </p:sp>
+      <p:sp>
+        <p:nvSpPr>
+          <p:cNvPr id="4" name="Date Placeholder 3"/>
           <p:cNvSpPr>
             <a:spLocks noGrp="1"/>
           </p:cNvSpPr>
@@ -452,7 +1198,7 @@
           <a:p>
             <a:fld id="{1157D475-CCA0-4EE1-80E2-E46E2851FDFA}" type="datetimeFigureOut">
               <a:rPr lang="en-US" smtClean="0"/>
-              <a:t>3/10/2025</a:t>
+              <a:t>7/30/2025</a:t>
             </a:fld>
             <a:endParaRPr lang="en-US"/>
           </a:p>
@@ -460,13 +1206,7 @@
       </p:sp>
       <p:sp>
         <p:nvSpPr>
-          <p:cNvPr id="5" name="Footer Placeholder 4">
-            <a:extLst>
-              <a:ext uri="{FF2B5EF4-FFF2-40B4-BE49-F238E27FC236}">
-                <a16:creationId xmlns:a16="http://schemas.microsoft.com/office/drawing/2014/main" id="{BB50D494-309E-4923-6A0B-25A60F85D5AB}"/>
-              </a:ext>
-            </a:extLst>
-          </p:cNvPr>
+          <p:cNvPr id="5" name="Footer Placeholder 4"/>
           <p:cNvSpPr>
             <a:spLocks noGrp="1"/>
           </p:cNvSpPr>
@@ -485,13 +1225,7 @@
       </p:sp>
       <p:sp>
         <p:nvSpPr>
-          <p:cNvPr id="6" name="Slide Number Placeholder 5">
-            <a:extLst>
-              <a:ext uri="{FF2B5EF4-FFF2-40B4-BE49-F238E27FC236}">
-                <a16:creationId xmlns:a16="http://schemas.microsoft.com/office/drawing/2014/main" id="{985B1468-59F0-F57C-36BF-EA9985C0C965}"/>
-              </a:ext>
-            </a:extLst>
-          </p:cNvPr>
+          <p:cNvPr id="6" name="Slide Number Placeholder 5"/>
           <p:cNvSpPr>
             <a:spLocks noGrp="1"/>
           </p:cNvSpPr>
@@ -515,7 +1249,7 @@
     </p:spTree>
     <p:extLst>
       <p:ext uri="{BB962C8B-B14F-4D97-AF65-F5344CB8AC3E}">
-        <p14:creationId xmlns:p14="http://schemas.microsoft.com/office/powerpoint/2010/main" val="1066624813"/>
+        <p14:creationId xmlns:p14="http://schemas.microsoft.com/office/powerpoint/2010/main" val="2127860893"/>
       </p:ext>
     </p:extLst>
   </p:cSld>
@@ -544,13 +1278,7 @@
       </p:grpSpPr>
       <p:sp>
         <p:nvSpPr>
-          <p:cNvPr id="2" name="Vertical Title 1">
-            <a:extLst>
-              <a:ext uri="{FF2B5EF4-FFF2-40B4-BE49-F238E27FC236}">
-                <a16:creationId xmlns:a16="http://schemas.microsoft.com/office/drawing/2014/main" id="{BAD25E13-9242-DB44-E59A-BBEFB0D924AD}"/>
-              </a:ext>
-            </a:extLst>
-          </p:cNvPr>
+          <p:cNvPr id="2" name="Vertical Title 1"/>
           <p:cNvSpPr>
             <a:spLocks noGrp="1"/>
           </p:cNvSpPr>
@@ -560,8 +1288,8 @@
         </p:nvSpPr>
         <p:spPr>
           <a:xfrm>
-            <a:off x="8724900" y="365125"/>
-            <a:ext cx="2628900" cy="5811838"/>
+            <a:off x="7852410" y="214173"/>
+            <a:ext cx="2366010" cy="3409073"/>
           </a:xfrm>
         </p:spPr>
         <p:txBody>
@@ -572,18 +1300,13 @@
               <a:rPr lang="en-US"/>
               <a:t>Click to edit Master title style</a:t>
             </a:r>
-          </a:p>
-        </p:txBody>
-      </p:sp>
-      <p:sp>
-        <p:nvSpPr>
-          <p:cNvPr id="3" name="Vertical Text Placeholder 2">
-            <a:extLst>
-              <a:ext uri="{FF2B5EF4-FFF2-40B4-BE49-F238E27FC236}">
-                <a16:creationId xmlns:a16="http://schemas.microsoft.com/office/drawing/2014/main" id="{534D2124-BEF6-6C5E-50E0-1BEFA438E34E}"/>
-              </a:ext>
-            </a:extLst>
-          </p:cNvPr>
+            <a:endParaRPr lang="en-US" dirty="0"/>
+          </a:p>
+        </p:txBody>
+      </p:sp>
+      <p:sp>
+        <p:nvSpPr>
+          <p:cNvPr id="3" name="Vertical Text Placeholder 2"/>
           <p:cNvSpPr>
             <a:spLocks noGrp="1"/>
           </p:cNvSpPr>
@@ -593,8 +1316,8 @@
         </p:nvSpPr>
         <p:spPr>
           <a:xfrm>
-            <a:off x="838200" y="365125"/>
-            <a:ext cx="7734300" cy="5811838"/>
+            <a:off x="754380" y="214173"/>
+            <a:ext cx="6960870" cy="3409073"/>
           </a:xfrm>
         </p:spPr>
         <p:txBody>
@@ -634,18 +1357,13 @@
               <a:rPr lang="en-US"/>
               <a:t>Fifth level</a:t>
             </a:r>
-          </a:p>
-        </p:txBody>
-      </p:sp>
-      <p:sp>
-        <p:nvSpPr>
-          <p:cNvPr id="4" name="Date Placeholder 3">
-            <a:extLst>
-              <a:ext uri="{FF2B5EF4-FFF2-40B4-BE49-F238E27FC236}">
-                <a16:creationId xmlns:a16="http://schemas.microsoft.com/office/drawing/2014/main" id="{86A6564F-2F26-B8E4-6E95-8AB0E5966B27}"/>
-              </a:ext>
-            </a:extLst>
-          </p:cNvPr>
+            <a:endParaRPr lang="en-US" dirty="0"/>
+          </a:p>
+        </p:txBody>
+      </p:sp>
+      <p:sp>
+        <p:nvSpPr>
+          <p:cNvPr id="4" name="Date Placeholder 3"/>
           <p:cNvSpPr>
             <a:spLocks noGrp="1"/>
           </p:cNvSpPr>
@@ -660,7 +1378,7 @@
           <a:p>
             <a:fld id="{1157D475-CCA0-4EE1-80E2-E46E2851FDFA}" type="datetimeFigureOut">
               <a:rPr lang="en-US" smtClean="0"/>
-              <a:t>3/10/2025</a:t>
+              <a:t>7/30/2025</a:t>
             </a:fld>
             <a:endParaRPr lang="en-US"/>
           </a:p>
@@ -668,13 +1386,7 @@
       </p:sp>
       <p:sp>
         <p:nvSpPr>
-          <p:cNvPr id="5" name="Footer Placeholder 4">
-            <a:extLst>
-              <a:ext uri="{FF2B5EF4-FFF2-40B4-BE49-F238E27FC236}">
-                <a16:creationId xmlns:a16="http://schemas.microsoft.com/office/drawing/2014/main" id="{5EA90DF1-9BBD-B713-96B0-18D49EB46F5E}"/>
-              </a:ext>
-            </a:extLst>
-          </p:cNvPr>
+          <p:cNvPr id="5" name="Footer Placeholder 4"/>
           <p:cNvSpPr>
             <a:spLocks noGrp="1"/>
           </p:cNvSpPr>
@@ -693,13 +1405,7 @@
       </p:sp>
       <p:sp>
         <p:nvSpPr>
-          <p:cNvPr id="6" name="Slide Number Placeholder 5">
-            <a:extLst>
-              <a:ext uri="{FF2B5EF4-FFF2-40B4-BE49-F238E27FC236}">
-                <a16:creationId xmlns:a16="http://schemas.microsoft.com/office/drawing/2014/main" id="{7F7B3464-2B18-1396-D925-1CC63AFD0089}"/>
-              </a:ext>
-            </a:extLst>
-          </p:cNvPr>
+          <p:cNvPr id="6" name="Slide Number Placeholder 5"/>
           <p:cNvSpPr>
             <a:spLocks noGrp="1"/>
           </p:cNvSpPr>
@@ -723,7 +1429,7 @@
     </p:spTree>
     <p:extLst>
       <p:ext uri="{BB962C8B-B14F-4D97-AF65-F5344CB8AC3E}">
-        <p14:creationId xmlns:p14="http://schemas.microsoft.com/office/powerpoint/2010/main" val="3975561321"/>
+        <p14:creationId xmlns:p14="http://schemas.microsoft.com/office/powerpoint/2010/main" val="1724259064"/>
       </p:ext>
     </p:extLst>
   </p:cSld>
@@ -752,13 +1458,7 @@
       </p:grpSpPr>
       <p:sp>
         <p:nvSpPr>
-          <p:cNvPr id="2" name="Title 1">
-            <a:extLst>
-              <a:ext uri="{FF2B5EF4-FFF2-40B4-BE49-F238E27FC236}">
-                <a16:creationId xmlns:a16="http://schemas.microsoft.com/office/drawing/2014/main" id="{15890D0A-6CF1-8B39-6614-25A4D60FE94A}"/>
-              </a:ext>
-            </a:extLst>
-          </p:cNvPr>
+          <p:cNvPr id="2" name="Title 1"/>
           <p:cNvSpPr>
             <a:spLocks noGrp="1"/>
           </p:cNvSpPr>
@@ -775,18 +1475,13 @@
               <a:rPr lang="en-US"/>
               <a:t>Click to edit Master title style</a:t>
             </a:r>
-          </a:p>
-        </p:txBody>
-      </p:sp>
-      <p:sp>
-        <p:nvSpPr>
-          <p:cNvPr id="3" name="Content Placeholder 2">
-            <a:extLst>
-              <a:ext uri="{FF2B5EF4-FFF2-40B4-BE49-F238E27FC236}">
-                <a16:creationId xmlns:a16="http://schemas.microsoft.com/office/drawing/2014/main" id="{18D6E0B2-1A7D-0137-AB80-3215612FE4CF}"/>
-              </a:ext>
-            </a:extLst>
-          </p:cNvPr>
+            <a:endParaRPr lang="en-US" dirty="0"/>
+          </a:p>
+        </p:txBody>
+      </p:sp>
+      <p:sp>
+        <p:nvSpPr>
+          <p:cNvPr id="3" name="Content Placeholder 2"/>
           <p:cNvSpPr>
             <a:spLocks noGrp="1"/>
           </p:cNvSpPr>
@@ -832,18 +1527,13 @@
               <a:rPr lang="en-US"/>
               <a:t>Fifth level</a:t>
             </a:r>
-          </a:p>
-        </p:txBody>
-      </p:sp>
-      <p:sp>
-        <p:nvSpPr>
-          <p:cNvPr id="4" name="Date Placeholder 3">
-            <a:extLst>
-              <a:ext uri="{FF2B5EF4-FFF2-40B4-BE49-F238E27FC236}">
-                <a16:creationId xmlns:a16="http://schemas.microsoft.com/office/drawing/2014/main" id="{29291739-C82C-7404-B326-B92563C0DB52}"/>
-              </a:ext>
-            </a:extLst>
-          </p:cNvPr>
+            <a:endParaRPr lang="en-US" dirty="0"/>
+          </a:p>
+        </p:txBody>
+      </p:sp>
+      <p:sp>
+        <p:nvSpPr>
+          <p:cNvPr id="4" name="Date Placeholder 3"/>
           <p:cNvSpPr>
             <a:spLocks noGrp="1"/>
           </p:cNvSpPr>
@@ -858,7 +1548,7 @@
           <a:p>
             <a:fld id="{1157D475-CCA0-4EE1-80E2-E46E2851FDFA}" type="datetimeFigureOut">
               <a:rPr lang="en-US" smtClean="0"/>
-              <a:t>3/10/2025</a:t>
+              <a:t>7/30/2025</a:t>
             </a:fld>
             <a:endParaRPr lang="en-US"/>
           </a:p>
@@ -866,13 +1556,7 @@
       </p:sp>
       <p:sp>
         <p:nvSpPr>
-          <p:cNvPr id="5" name="Footer Placeholder 4">
-            <a:extLst>
-              <a:ext uri="{FF2B5EF4-FFF2-40B4-BE49-F238E27FC236}">
-                <a16:creationId xmlns:a16="http://schemas.microsoft.com/office/drawing/2014/main" id="{C4E174F2-9D7D-C1AB-16A4-0E918408C23F}"/>
-              </a:ext>
-            </a:extLst>
-          </p:cNvPr>
+          <p:cNvPr id="5" name="Footer Placeholder 4"/>
           <p:cNvSpPr>
             <a:spLocks noGrp="1"/>
           </p:cNvSpPr>
@@ -891,13 +1575,7 @@
       </p:sp>
       <p:sp>
         <p:nvSpPr>
-          <p:cNvPr id="6" name="Slide Number Placeholder 5">
-            <a:extLst>
-              <a:ext uri="{FF2B5EF4-FFF2-40B4-BE49-F238E27FC236}">
-                <a16:creationId xmlns:a16="http://schemas.microsoft.com/office/drawing/2014/main" id="{DCE1254C-368D-D067-B1DF-B7595AD3A077}"/>
-              </a:ext>
-            </a:extLst>
-          </p:cNvPr>
+          <p:cNvPr id="6" name="Slide Number Placeholder 5"/>
           <p:cNvSpPr>
             <a:spLocks noGrp="1"/>
           </p:cNvSpPr>
@@ -921,7 +1599,7 @@
     </p:spTree>
     <p:extLst>
       <p:ext uri="{BB962C8B-B14F-4D97-AF65-F5344CB8AC3E}">
-        <p14:creationId xmlns:p14="http://schemas.microsoft.com/office/powerpoint/2010/main" val="3372130172"/>
+        <p14:creationId xmlns:p14="http://schemas.microsoft.com/office/powerpoint/2010/main" val="3854650046"/>
       </p:ext>
     </p:extLst>
   </p:cSld>
@@ -950,13 +1628,7 @@
       </p:grpSpPr>
       <p:sp>
         <p:nvSpPr>
-          <p:cNvPr id="2" name="Title 1">
-            <a:extLst>
-              <a:ext uri="{FF2B5EF4-FFF2-40B4-BE49-F238E27FC236}">
-                <a16:creationId xmlns:a16="http://schemas.microsoft.com/office/drawing/2014/main" id="{BDFE859B-0E12-7B10-DE40-6C6DF2446D22}"/>
-              </a:ext>
-            </a:extLst>
-          </p:cNvPr>
+          <p:cNvPr id="2" name="Title 1"/>
           <p:cNvSpPr>
             <a:spLocks noGrp="1"/>
           </p:cNvSpPr>
@@ -966,15 +1638,15 @@
         </p:nvSpPr>
         <p:spPr>
           <a:xfrm>
-            <a:off x="831850" y="1709738"/>
-            <a:ext cx="10515600" cy="2852737"/>
+            <a:off x="748665" y="1002888"/>
+            <a:ext cx="9464040" cy="1673342"/>
           </a:xfrm>
         </p:spPr>
         <p:txBody>
           <a:bodyPr anchor="b"/>
           <a:lstStyle>
             <a:lvl1pPr>
-              <a:defRPr sz="6000"/>
+              <a:defRPr sz="3520"/>
             </a:lvl1pPr>
           </a:lstStyle>
           <a:p>
@@ -982,18 +1654,13 @@
               <a:rPr lang="en-US"/>
               <a:t>Click to edit Master title style</a:t>
             </a:r>
-          </a:p>
-        </p:txBody>
-      </p:sp>
-      <p:sp>
-        <p:nvSpPr>
-          <p:cNvPr id="3" name="Text Placeholder 2">
-            <a:extLst>
-              <a:ext uri="{FF2B5EF4-FFF2-40B4-BE49-F238E27FC236}">
-                <a16:creationId xmlns:a16="http://schemas.microsoft.com/office/drawing/2014/main" id="{074B64C4-7CC4-7F5F-B3CE-1DA2CE2346E9}"/>
-              </a:ext>
-            </a:extLst>
-          </p:cNvPr>
+            <a:endParaRPr lang="en-US" dirty="0"/>
+          </a:p>
+        </p:txBody>
+      </p:sp>
+      <p:sp>
+        <p:nvSpPr>
+          <p:cNvPr id="3" name="Text Placeholder 2"/>
           <p:cNvSpPr>
             <a:spLocks noGrp="1"/>
           </p:cNvSpPr>
@@ -1003,8 +1670,8 @@
         </p:nvSpPr>
         <p:spPr>
           <a:xfrm>
-            <a:off x="831850" y="4589463"/>
-            <a:ext cx="10515600" cy="1500187"/>
+            <a:off x="748665" y="2692060"/>
+            <a:ext cx="9464040" cy="879971"/>
           </a:xfrm>
         </p:spPr>
         <p:txBody>
@@ -1012,7 +1679,7 @@
           <a:lstStyle>
             <a:lvl1pPr marL="0" indent="0">
               <a:buNone/>
-              <a:defRPr sz="2400">
+              <a:defRPr sz="1408">
                 <a:solidFill>
                   <a:schemeClr val="tx1">
                     <a:tint val="82000"/>
@@ -1020,9 +1687,9 @@
                 </a:solidFill>
               </a:defRPr>
             </a:lvl1pPr>
-            <a:lvl2pPr marL="457200" indent="0">
-              <a:buNone/>
-              <a:defRPr sz="2000">
+            <a:lvl2pPr marL="268194" indent="0">
+              <a:buNone/>
+              <a:defRPr sz="1173">
                 <a:solidFill>
                   <a:schemeClr val="tx1">
                     <a:tint val="82000"/>
@@ -1030,9 +1697,9 @@
                 </a:solidFill>
               </a:defRPr>
             </a:lvl2pPr>
-            <a:lvl3pPr marL="914400" indent="0">
-              <a:buNone/>
-              <a:defRPr sz="1800">
+            <a:lvl3pPr marL="536387" indent="0">
+              <a:buNone/>
+              <a:defRPr sz="1056">
                 <a:solidFill>
                   <a:schemeClr val="tx1">
                     <a:tint val="82000"/>
@@ -1040,9 +1707,9 @@
                 </a:solidFill>
               </a:defRPr>
             </a:lvl3pPr>
-            <a:lvl4pPr marL="1371600" indent="0">
-              <a:buNone/>
-              <a:defRPr sz="1600">
+            <a:lvl4pPr marL="804581" indent="0">
+              <a:buNone/>
+              <a:defRPr sz="939">
                 <a:solidFill>
                   <a:schemeClr val="tx1">
                     <a:tint val="82000"/>
@@ -1050,9 +1717,9 @@
                 </a:solidFill>
               </a:defRPr>
             </a:lvl4pPr>
-            <a:lvl5pPr marL="1828800" indent="0">
-              <a:buNone/>
-              <a:defRPr sz="1600">
+            <a:lvl5pPr marL="1072774" indent="0">
+              <a:buNone/>
+              <a:defRPr sz="939">
                 <a:solidFill>
                   <a:schemeClr val="tx1">
                     <a:tint val="82000"/>
@@ -1060,9 +1727,9 @@
                 </a:solidFill>
               </a:defRPr>
             </a:lvl5pPr>
-            <a:lvl6pPr marL="2286000" indent="0">
-              <a:buNone/>
-              <a:defRPr sz="1600">
+            <a:lvl6pPr marL="1340968" indent="0">
+              <a:buNone/>
+              <a:defRPr sz="939">
                 <a:solidFill>
                   <a:schemeClr val="tx1">
                     <a:tint val="82000"/>
@@ -1070,9 +1737,9 @@
                 </a:solidFill>
               </a:defRPr>
             </a:lvl6pPr>
-            <a:lvl7pPr marL="2743200" indent="0">
-              <a:buNone/>
-              <a:defRPr sz="1600">
+            <a:lvl7pPr marL="1609161" indent="0">
+              <a:buNone/>
+              <a:defRPr sz="939">
                 <a:solidFill>
                   <a:schemeClr val="tx1">
                     <a:tint val="82000"/>
@@ -1080,9 +1747,9 @@
                 </a:solidFill>
               </a:defRPr>
             </a:lvl7pPr>
-            <a:lvl8pPr marL="3200400" indent="0">
-              <a:buNone/>
-              <a:defRPr sz="1600">
+            <a:lvl8pPr marL="1877355" indent="0">
+              <a:buNone/>
+              <a:defRPr sz="939">
                 <a:solidFill>
                   <a:schemeClr val="tx1">
                     <a:tint val="82000"/>
@@ -1090,9 +1757,9 @@
                 </a:solidFill>
               </a:defRPr>
             </a:lvl8pPr>
-            <a:lvl9pPr marL="3657600" indent="0">
-              <a:buNone/>
-              <a:defRPr sz="1600">
+            <a:lvl9pPr marL="2145548" indent="0">
+              <a:buNone/>
+              <a:defRPr sz="939">
                 <a:solidFill>
                   <a:schemeClr val="tx1">
                     <a:tint val="82000"/>
@@ -1112,13 +1779,7 @@
       </p:sp>
       <p:sp>
         <p:nvSpPr>
-          <p:cNvPr id="4" name="Date Placeholder 3">
-            <a:extLst>
-              <a:ext uri="{FF2B5EF4-FFF2-40B4-BE49-F238E27FC236}">
-                <a16:creationId xmlns:a16="http://schemas.microsoft.com/office/drawing/2014/main" id="{E35D766E-8446-EE7E-649B-CC007E8CC826}"/>
-              </a:ext>
-            </a:extLst>
-          </p:cNvPr>
+          <p:cNvPr id="4" name="Date Placeholder 3"/>
           <p:cNvSpPr>
             <a:spLocks noGrp="1"/>
           </p:cNvSpPr>
@@ -1133,7 +1794,7 @@
           <a:p>
             <a:fld id="{1157D475-CCA0-4EE1-80E2-E46E2851FDFA}" type="datetimeFigureOut">
               <a:rPr lang="en-US" smtClean="0"/>
-              <a:t>3/10/2025</a:t>
+              <a:t>7/30/2025</a:t>
             </a:fld>
             <a:endParaRPr lang="en-US"/>
           </a:p>
@@ -1141,13 +1802,7 @@
       </p:sp>
       <p:sp>
         <p:nvSpPr>
-          <p:cNvPr id="5" name="Footer Placeholder 4">
-            <a:extLst>
-              <a:ext uri="{FF2B5EF4-FFF2-40B4-BE49-F238E27FC236}">
-                <a16:creationId xmlns:a16="http://schemas.microsoft.com/office/drawing/2014/main" id="{A539EB5D-7E55-E646-2361-8AEABD439164}"/>
-              </a:ext>
-            </a:extLst>
-          </p:cNvPr>
+          <p:cNvPr id="5" name="Footer Placeholder 4"/>
           <p:cNvSpPr>
             <a:spLocks noGrp="1"/>
           </p:cNvSpPr>
@@ -1166,13 +1821,7 @@
       </p:sp>
       <p:sp>
         <p:nvSpPr>
-          <p:cNvPr id="6" name="Slide Number Placeholder 5">
-            <a:extLst>
-              <a:ext uri="{FF2B5EF4-FFF2-40B4-BE49-F238E27FC236}">
-                <a16:creationId xmlns:a16="http://schemas.microsoft.com/office/drawing/2014/main" id="{D843E8B0-69DF-60BA-2561-6084DA914BE3}"/>
-              </a:ext>
-            </a:extLst>
-          </p:cNvPr>
+          <p:cNvPr id="6" name="Slide Number Placeholder 5"/>
           <p:cNvSpPr>
             <a:spLocks noGrp="1"/>
           </p:cNvSpPr>
@@ -1196,7 +1845,7 @@
     </p:spTree>
     <p:extLst>
       <p:ext uri="{BB962C8B-B14F-4D97-AF65-F5344CB8AC3E}">
-        <p14:creationId xmlns:p14="http://schemas.microsoft.com/office/powerpoint/2010/main" val="2838223893"/>
+        <p14:creationId xmlns:p14="http://schemas.microsoft.com/office/powerpoint/2010/main" val="1120717041"/>
       </p:ext>
     </p:extLst>
   </p:cSld>
@@ -1225,13 +1874,7 @@
       </p:grpSpPr>
       <p:sp>
         <p:nvSpPr>
-          <p:cNvPr id="2" name="Title 1">
-            <a:extLst>
-              <a:ext uri="{FF2B5EF4-FFF2-40B4-BE49-F238E27FC236}">
-                <a16:creationId xmlns:a16="http://schemas.microsoft.com/office/drawing/2014/main" id="{B6024E47-D2FF-F45E-1C2A-FAE50C8F43B0}"/>
-              </a:ext>
-            </a:extLst>
-          </p:cNvPr>
+          <p:cNvPr id="2" name="Title 1"/>
           <p:cNvSpPr>
             <a:spLocks noGrp="1"/>
           </p:cNvSpPr>
@@ -1248,18 +1891,13 @@
               <a:rPr lang="en-US"/>
               <a:t>Click to edit Master title style</a:t>
             </a:r>
-          </a:p>
-        </p:txBody>
-      </p:sp>
-      <p:sp>
-        <p:nvSpPr>
-          <p:cNvPr id="3" name="Content Placeholder 2">
-            <a:extLst>
-              <a:ext uri="{FF2B5EF4-FFF2-40B4-BE49-F238E27FC236}">
-                <a16:creationId xmlns:a16="http://schemas.microsoft.com/office/drawing/2014/main" id="{6E5FEDE9-72CF-32B0-4316-7F467298A72F}"/>
-              </a:ext>
-            </a:extLst>
-          </p:cNvPr>
+            <a:endParaRPr lang="en-US" dirty="0"/>
+          </a:p>
+        </p:txBody>
+      </p:sp>
+      <p:sp>
+        <p:nvSpPr>
+          <p:cNvPr id="3" name="Content Placeholder 2"/>
           <p:cNvSpPr>
             <a:spLocks noGrp="1"/>
           </p:cNvSpPr>
@@ -1269,8 +1907,8 @@
         </p:nvSpPr>
         <p:spPr>
           <a:xfrm>
-            <a:off x="838200" y="1825625"/>
-            <a:ext cx="5181600" cy="4351338"/>
+            <a:off x="754380" y="1070864"/>
+            <a:ext cx="4663440" cy="2552382"/>
           </a:xfrm>
         </p:spPr>
         <p:txBody>
@@ -1310,18 +1948,13 @@
               <a:rPr lang="en-US"/>
               <a:t>Fifth level</a:t>
             </a:r>
-          </a:p>
-        </p:txBody>
-      </p:sp>
-      <p:sp>
-        <p:nvSpPr>
-          <p:cNvPr id="4" name="Content Placeholder 3">
-            <a:extLst>
-              <a:ext uri="{FF2B5EF4-FFF2-40B4-BE49-F238E27FC236}">
-                <a16:creationId xmlns:a16="http://schemas.microsoft.com/office/drawing/2014/main" id="{6F4AAB2E-9603-4C68-ED7C-B67F1AAD7595}"/>
-              </a:ext>
-            </a:extLst>
-          </p:cNvPr>
+            <a:endParaRPr lang="en-US" dirty="0"/>
+          </a:p>
+        </p:txBody>
+      </p:sp>
+      <p:sp>
+        <p:nvSpPr>
+          <p:cNvPr id="4" name="Content Placeholder 3"/>
           <p:cNvSpPr>
             <a:spLocks noGrp="1"/>
           </p:cNvSpPr>
@@ -1331,8 +1964,8 @@
         </p:nvSpPr>
         <p:spPr>
           <a:xfrm>
-            <a:off x="6172200" y="1825625"/>
-            <a:ext cx="5181600" cy="4351338"/>
+            <a:off x="5554980" y="1070864"/>
+            <a:ext cx="4663440" cy="2552382"/>
           </a:xfrm>
         </p:spPr>
         <p:txBody>
@@ -1372,18 +2005,13 @@
               <a:rPr lang="en-US"/>
               <a:t>Fifth level</a:t>
             </a:r>
-          </a:p>
-        </p:txBody>
-      </p:sp>
-      <p:sp>
-        <p:nvSpPr>
-          <p:cNvPr id="5" name="Date Placeholder 4">
-            <a:extLst>
-              <a:ext uri="{FF2B5EF4-FFF2-40B4-BE49-F238E27FC236}">
-                <a16:creationId xmlns:a16="http://schemas.microsoft.com/office/drawing/2014/main" id="{8A03CE51-8D58-CB20-D096-970CEFCD6582}"/>
-              </a:ext>
-            </a:extLst>
-          </p:cNvPr>
+            <a:endParaRPr lang="en-US" dirty="0"/>
+          </a:p>
+        </p:txBody>
+      </p:sp>
+      <p:sp>
+        <p:nvSpPr>
+          <p:cNvPr id="5" name="Date Placeholder 4"/>
           <p:cNvSpPr>
             <a:spLocks noGrp="1"/>
           </p:cNvSpPr>
@@ -1398,7 +2026,7 @@
           <a:p>
             <a:fld id="{1157D475-CCA0-4EE1-80E2-E46E2851FDFA}" type="datetimeFigureOut">
               <a:rPr lang="en-US" smtClean="0"/>
-              <a:t>3/10/2025</a:t>
+              <a:t>7/30/2025</a:t>
             </a:fld>
             <a:endParaRPr lang="en-US"/>
           </a:p>
@@ -1406,13 +2034,7 @@
       </p:sp>
       <p:sp>
         <p:nvSpPr>
-          <p:cNvPr id="6" name="Footer Placeholder 5">
-            <a:extLst>
-              <a:ext uri="{FF2B5EF4-FFF2-40B4-BE49-F238E27FC236}">
-                <a16:creationId xmlns:a16="http://schemas.microsoft.com/office/drawing/2014/main" id="{8D6F7EB6-3246-E8B0-AC95-C5A8F7B59D8F}"/>
-              </a:ext>
-            </a:extLst>
-          </p:cNvPr>
+          <p:cNvPr id="6" name="Footer Placeholder 5"/>
           <p:cNvSpPr>
             <a:spLocks noGrp="1"/>
           </p:cNvSpPr>
@@ -1431,13 +2053,7 @@
       </p:sp>
       <p:sp>
         <p:nvSpPr>
-          <p:cNvPr id="7" name="Slide Number Placeholder 6">
-            <a:extLst>
-              <a:ext uri="{FF2B5EF4-FFF2-40B4-BE49-F238E27FC236}">
-                <a16:creationId xmlns:a16="http://schemas.microsoft.com/office/drawing/2014/main" id="{56F0B290-FCF5-215E-3591-0DF096FC2298}"/>
-              </a:ext>
-            </a:extLst>
-          </p:cNvPr>
+          <p:cNvPr id="7" name="Slide Number Placeholder 6"/>
           <p:cNvSpPr>
             <a:spLocks noGrp="1"/>
           </p:cNvSpPr>
@@ -1461,7 +2077,7 @@
     </p:spTree>
     <p:extLst>
       <p:ext uri="{BB962C8B-B14F-4D97-AF65-F5344CB8AC3E}">
-        <p14:creationId xmlns:p14="http://schemas.microsoft.com/office/powerpoint/2010/main" val="3033657974"/>
+        <p14:creationId xmlns:p14="http://schemas.microsoft.com/office/powerpoint/2010/main" val="1068468046"/>
       </p:ext>
     </p:extLst>
   </p:cSld>
@@ -1490,13 +2106,7 @@
       </p:grpSpPr>
       <p:sp>
         <p:nvSpPr>
-          <p:cNvPr id="2" name="Title 1">
-            <a:extLst>
-              <a:ext uri="{FF2B5EF4-FFF2-40B4-BE49-F238E27FC236}">
-                <a16:creationId xmlns:a16="http://schemas.microsoft.com/office/drawing/2014/main" id="{16EE8819-7226-0DCC-500C-7B0BB92547F2}"/>
-              </a:ext>
-            </a:extLst>
-          </p:cNvPr>
+          <p:cNvPr id="2" name="Title 1"/>
           <p:cNvSpPr>
             <a:spLocks noGrp="1"/>
           </p:cNvSpPr>
@@ -1506,8 +2116,8 @@
         </p:nvSpPr>
         <p:spPr>
           <a:xfrm>
-            <a:off x="839788" y="365125"/>
-            <a:ext cx="10515600" cy="1325563"/>
+            <a:off x="755809" y="214173"/>
+            <a:ext cx="9464040" cy="777541"/>
           </a:xfrm>
         </p:spPr>
         <p:txBody>
@@ -1518,18 +2128,13 @@
               <a:rPr lang="en-US"/>
               <a:t>Click to edit Master title style</a:t>
             </a:r>
-          </a:p>
-        </p:txBody>
-      </p:sp>
-      <p:sp>
-        <p:nvSpPr>
-          <p:cNvPr id="3" name="Text Placeholder 2">
-            <a:extLst>
-              <a:ext uri="{FF2B5EF4-FFF2-40B4-BE49-F238E27FC236}">
-                <a16:creationId xmlns:a16="http://schemas.microsoft.com/office/drawing/2014/main" id="{E9BF6CF2-8258-D6F4-5667-83F65A2FC01A}"/>
-              </a:ext>
-            </a:extLst>
-          </p:cNvPr>
+            <a:endParaRPr lang="en-US" dirty="0"/>
+          </a:p>
+        </p:txBody>
+      </p:sp>
+      <p:sp>
+        <p:nvSpPr>
+          <p:cNvPr id="3" name="Text Placeholder 2"/>
           <p:cNvSpPr>
             <a:spLocks noGrp="1"/>
           </p:cNvSpPr>
@@ -1539,8 +2144,8 @@
         </p:nvSpPr>
         <p:spPr>
           <a:xfrm>
-            <a:off x="839788" y="1681163"/>
-            <a:ext cx="5157787" cy="823912"/>
+            <a:off x="755810" y="986127"/>
+            <a:ext cx="4642008" cy="483285"/>
           </a:xfrm>
         </p:spPr>
         <p:txBody>
@@ -1548,39 +2153,39 @@
           <a:lstStyle>
             <a:lvl1pPr marL="0" indent="0">
               <a:buNone/>
-              <a:defRPr sz="2400" b="1"/>
+              <a:defRPr sz="1408" b="1"/>
             </a:lvl1pPr>
-            <a:lvl2pPr marL="457200" indent="0">
-              <a:buNone/>
-              <a:defRPr sz="2000" b="1"/>
+            <a:lvl2pPr marL="268194" indent="0">
+              <a:buNone/>
+              <a:defRPr sz="1173" b="1"/>
             </a:lvl2pPr>
-            <a:lvl3pPr marL="914400" indent="0">
-              <a:buNone/>
-              <a:defRPr sz="1800" b="1"/>
+            <a:lvl3pPr marL="536387" indent="0">
+              <a:buNone/>
+              <a:defRPr sz="1056" b="1"/>
             </a:lvl3pPr>
-            <a:lvl4pPr marL="1371600" indent="0">
-              <a:buNone/>
-              <a:defRPr sz="1600" b="1"/>
+            <a:lvl4pPr marL="804581" indent="0">
+              <a:buNone/>
+              <a:defRPr sz="939" b="1"/>
             </a:lvl4pPr>
-            <a:lvl5pPr marL="1828800" indent="0">
-              <a:buNone/>
-              <a:defRPr sz="1600" b="1"/>
+            <a:lvl5pPr marL="1072774" indent="0">
+              <a:buNone/>
+              <a:defRPr sz="939" b="1"/>
             </a:lvl5pPr>
-            <a:lvl6pPr marL="2286000" indent="0">
-              <a:buNone/>
-              <a:defRPr sz="1600" b="1"/>
+            <a:lvl6pPr marL="1340968" indent="0">
+              <a:buNone/>
+              <a:defRPr sz="939" b="1"/>
             </a:lvl6pPr>
-            <a:lvl7pPr marL="2743200" indent="0">
-              <a:buNone/>
-              <a:defRPr sz="1600" b="1"/>
+            <a:lvl7pPr marL="1609161" indent="0">
+              <a:buNone/>
+              <a:defRPr sz="939" b="1"/>
             </a:lvl7pPr>
-            <a:lvl8pPr marL="3200400" indent="0">
-              <a:buNone/>
-              <a:defRPr sz="1600" b="1"/>
+            <a:lvl8pPr marL="1877355" indent="0">
+              <a:buNone/>
+              <a:defRPr sz="939" b="1"/>
             </a:lvl8pPr>
-            <a:lvl9pPr marL="3657600" indent="0">
-              <a:buNone/>
-              <a:defRPr sz="1600" b="1"/>
+            <a:lvl9pPr marL="2145548" indent="0">
+              <a:buNone/>
+              <a:defRPr sz="939" b="1"/>
             </a:lvl9pPr>
           </a:lstStyle>
           <a:p>
@@ -1594,13 +2199,7 @@
       </p:sp>
       <p:sp>
         <p:nvSpPr>
-          <p:cNvPr id="4" name="Content Placeholder 3">
-            <a:extLst>
-              <a:ext uri="{FF2B5EF4-FFF2-40B4-BE49-F238E27FC236}">
-                <a16:creationId xmlns:a16="http://schemas.microsoft.com/office/drawing/2014/main" id="{87C76062-A386-1240-10A7-62AF1679318B}"/>
-              </a:ext>
-            </a:extLst>
-          </p:cNvPr>
+          <p:cNvPr id="4" name="Content Placeholder 3"/>
           <p:cNvSpPr>
             <a:spLocks noGrp="1"/>
           </p:cNvSpPr>
@@ -1610,8 +2209,8 @@
         </p:nvSpPr>
         <p:spPr>
           <a:xfrm>
-            <a:off x="839788" y="2505075"/>
-            <a:ext cx="5157787" cy="3684588"/>
+            <a:off x="755810" y="1469412"/>
+            <a:ext cx="4642008" cy="2161284"/>
           </a:xfrm>
         </p:spPr>
         <p:txBody>
@@ -1651,18 +2250,13 @@
               <a:rPr lang="en-US"/>
               <a:t>Fifth level</a:t>
             </a:r>
-          </a:p>
-        </p:txBody>
-      </p:sp>
-      <p:sp>
-        <p:nvSpPr>
-          <p:cNvPr id="5" name="Text Placeholder 4">
-            <a:extLst>
-              <a:ext uri="{FF2B5EF4-FFF2-40B4-BE49-F238E27FC236}">
-                <a16:creationId xmlns:a16="http://schemas.microsoft.com/office/drawing/2014/main" id="{C91677E5-5157-DA31-F4C3-2F9B7DEC9E8A}"/>
-              </a:ext>
-            </a:extLst>
-          </p:cNvPr>
+            <a:endParaRPr lang="en-US" dirty="0"/>
+          </a:p>
+        </p:txBody>
+      </p:sp>
+      <p:sp>
+        <p:nvSpPr>
+          <p:cNvPr id="5" name="Text Placeholder 4"/>
           <p:cNvSpPr>
             <a:spLocks noGrp="1"/>
           </p:cNvSpPr>
@@ -1672,8 +2266,8 @@
         </p:nvSpPr>
         <p:spPr>
           <a:xfrm>
-            <a:off x="6172200" y="1681163"/>
-            <a:ext cx="5183188" cy="823912"/>
+            <a:off x="5554980" y="986127"/>
+            <a:ext cx="4664869" cy="483285"/>
           </a:xfrm>
         </p:spPr>
         <p:txBody>
@@ -1681,39 +2275,39 @@
           <a:lstStyle>
             <a:lvl1pPr marL="0" indent="0">
               <a:buNone/>
-              <a:defRPr sz="2400" b="1"/>
+              <a:defRPr sz="1408" b="1"/>
             </a:lvl1pPr>
-            <a:lvl2pPr marL="457200" indent="0">
-              <a:buNone/>
-              <a:defRPr sz="2000" b="1"/>
+            <a:lvl2pPr marL="268194" indent="0">
+              <a:buNone/>
+              <a:defRPr sz="1173" b="1"/>
             </a:lvl2pPr>
-            <a:lvl3pPr marL="914400" indent="0">
-              <a:buNone/>
-              <a:defRPr sz="1800" b="1"/>
+            <a:lvl3pPr marL="536387" indent="0">
+              <a:buNone/>
+              <a:defRPr sz="1056" b="1"/>
             </a:lvl3pPr>
-            <a:lvl4pPr marL="1371600" indent="0">
-              <a:buNone/>
-              <a:defRPr sz="1600" b="1"/>
+            <a:lvl4pPr marL="804581" indent="0">
+              <a:buNone/>
+              <a:defRPr sz="939" b="1"/>
             </a:lvl4pPr>
-            <a:lvl5pPr marL="1828800" indent="0">
-              <a:buNone/>
-              <a:defRPr sz="1600" b="1"/>
+            <a:lvl5pPr marL="1072774" indent="0">
+              <a:buNone/>
+              <a:defRPr sz="939" b="1"/>
             </a:lvl5pPr>
-            <a:lvl6pPr marL="2286000" indent="0">
-              <a:buNone/>
-              <a:defRPr sz="1600" b="1"/>
+            <a:lvl6pPr marL="1340968" indent="0">
+              <a:buNone/>
+              <a:defRPr sz="939" b="1"/>
             </a:lvl6pPr>
-            <a:lvl7pPr marL="2743200" indent="0">
-              <a:buNone/>
-              <a:defRPr sz="1600" b="1"/>
+            <a:lvl7pPr marL="1609161" indent="0">
+              <a:buNone/>
+              <a:defRPr sz="939" b="1"/>
             </a:lvl7pPr>
-            <a:lvl8pPr marL="3200400" indent="0">
-              <a:buNone/>
-              <a:defRPr sz="1600" b="1"/>
+            <a:lvl8pPr marL="1877355" indent="0">
+              <a:buNone/>
+              <a:defRPr sz="939" b="1"/>
             </a:lvl8pPr>
-            <a:lvl9pPr marL="3657600" indent="0">
-              <a:buNone/>
-              <a:defRPr sz="1600" b="1"/>
+            <a:lvl9pPr marL="2145548" indent="0">
+              <a:buNone/>
+              <a:defRPr sz="939" b="1"/>
             </a:lvl9pPr>
           </a:lstStyle>
           <a:p>
@@ -1727,13 +2321,7 @@
       </p:sp>
       <p:sp>
         <p:nvSpPr>
-          <p:cNvPr id="6" name="Content Placeholder 5">
-            <a:extLst>
-              <a:ext uri="{FF2B5EF4-FFF2-40B4-BE49-F238E27FC236}">
-                <a16:creationId xmlns:a16="http://schemas.microsoft.com/office/drawing/2014/main" id="{8B2158BA-B877-CCB1-72C0-462C25BB4277}"/>
-              </a:ext>
-            </a:extLst>
-          </p:cNvPr>
+          <p:cNvPr id="6" name="Content Placeholder 5"/>
           <p:cNvSpPr>
             <a:spLocks noGrp="1"/>
           </p:cNvSpPr>
@@ -1743,8 +2331,8 @@
         </p:nvSpPr>
         <p:spPr>
           <a:xfrm>
-            <a:off x="6172200" y="2505075"/>
-            <a:ext cx="5183188" cy="3684588"/>
+            <a:off x="5554980" y="1469412"/>
+            <a:ext cx="4664869" cy="2161284"/>
           </a:xfrm>
         </p:spPr>
         <p:txBody>
@@ -1784,18 +2372,13 @@
               <a:rPr lang="en-US"/>
               <a:t>Fifth level</a:t>
             </a:r>
-          </a:p>
-        </p:txBody>
-      </p:sp>
-      <p:sp>
-        <p:nvSpPr>
-          <p:cNvPr id="7" name="Date Placeholder 6">
-            <a:extLst>
-              <a:ext uri="{FF2B5EF4-FFF2-40B4-BE49-F238E27FC236}">
-                <a16:creationId xmlns:a16="http://schemas.microsoft.com/office/drawing/2014/main" id="{DD6CF36A-9484-918A-EAEE-50EE4D9DCF10}"/>
-              </a:ext>
-            </a:extLst>
-          </p:cNvPr>
+            <a:endParaRPr lang="en-US" dirty="0"/>
+          </a:p>
+        </p:txBody>
+      </p:sp>
+      <p:sp>
+        <p:nvSpPr>
+          <p:cNvPr id="7" name="Date Placeholder 6"/>
           <p:cNvSpPr>
             <a:spLocks noGrp="1"/>
           </p:cNvSpPr>
@@ -1810,7 +2393,7 @@
           <a:p>
             <a:fld id="{1157D475-CCA0-4EE1-80E2-E46E2851FDFA}" type="datetimeFigureOut">
               <a:rPr lang="en-US" smtClean="0"/>
-              <a:t>3/10/2025</a:t>
+              <a:t>7/30/2025</a:t>
             </a:fld>
             <a:endParaRPr lang="en-US"/>
           </a:p>
@@ -1818,13 +2401,7 @@
       </p:sp>
       <p:sp>
         <p:nvSpPr>
-          <p:cNvPr id="8" name="Footer Placeholder 7">
-            <a:extLst>
-              <a:ext uri="{FF2B5EF4-FFF2-40B4-BE49-F238E27FC236}">
-                <a16:creationId xmlns:a16="http://schemas.microsoft.com/office/drawing/2014/main" id="{7C87F389-D644-D082-4401-0F0D723F9AF1}"/>
-              </a:ext>
-            </a:extLst>
-          </p:cNvPr>
+          <p:cNvPr id="8" name="Footer Placeholder 7"/>
           <p:cNvSpPr>
             <a:spLocks noGrp="1"/>
           </p:cNvSpPr>
@@ -1843,13 +2420,7 @@
       </p:sp>
       <p:sp>
         <p:nvSpPr>
-          <p:cNvPr id="9" name="Slide Number Placeholder 8">
-            <a:extLst>
-              <a:ext uri="{FF2B5EF4-FFF2-40B4-BE49-F238E27FC236}">
-                <a16:creationId xmlns:a16="http://schemas.microsoft.com/office/drawing/2014/main" id="{5C45C0F9-49DD-2126-0B22-CCC4FEAE232C}"/>
-              </a:ext>
-            </a:extLst>
-          </p:cNvPr>
+          <p:cNvPr id="9" name="Slide Number Placeholder 8"/>
           <p:cNvSpPr>
             <a:spLocks noGrp="1"/>
           </p:cNvSpPr>
@@ -1873,7 +2444,7 @@
     </p:spTree>
     <p:extLst>
       <p:ext uri="{BB962C8B-B14F-4D97-AF65-F5344CB8AC3E}">
-        <p14:creationId xmlns:p14="http://schemas.microsoft.com/office/powerpoint/2010/main" val="2524520801"/>
+        <p14:creationId xmlns:p14="http://schemas.microsoft.com/office/powerpoint/2010/main" val="301674969"/>
       </p:ext>
     </p:extLst>
   </p:cSld>
@@ -1902,13 +2473,7 @@
       </p:grpSpPr>
       <p:sp>
         <p:nvSpPr>
-          <p:cNvPr id="2" name="Title 1">
-            <a:extLst>
-              <a:ext uri="{FF2B5EF4-FFF2-40B4-BE49-F238E27FC236}">
-                <a16:creationId xmlns:a16="http://schemas.microsoft.com/office/drawing/2014/main" id="{3C412CA1-21EE-CF53-618A-D0DD89BAF4C9}"/>
-              </a:ext>
-            </a:extLst>
-          </p:cNvPr>
+          <p:cNvPr id="2" name="Title 1"/>
           <p:cNvSpPr>
             <a:spLocks noGrp="1"/>
           </p:cNvSpPr>
@@ -1925,18 +2490,13 @@
               <a:rPr lang="en-US"/>
               <a:t>Click to edit Master title style</a:t>
             </a:r>
-          </a:p>
-        </p:txBody>
-      </p:sp>
-      <p:sp>
-        <p:nvSpPr>
-          <p:cNvPr id="3" name="Date Placeholder 2">
-            <a:extLst>
-              <a:ext uri="{FF2B5EF4-FFF2-40B4-BE49-F238E27FC236}">
-                <a16:creationId xmlns:a16="http://schemas.microsoft.com/office/drawing/2014/main" id="{3B1D52F4-502E-C8BE-4A1C-FED97A49AC27}"/>
-              </a:ext>
-            </a:extLst>
-          </p:cNvPr>
+            <a:endParaRPr lang="en-US" dirty="0"/>
+          </a:p>
+        </p:txBody>
+      </p:sp>
+      <p:sp>
+        <p:nvSpPr>
+          <p:cNvPr id="3" name="Date Placeholder 2"/>
           <p:cNvSpPr>
             <a:spLocks noGrp="1"/>
           </p:cNvSpPr>
@@ -1951,7 +2511,7 @@
           <a:p>
             <a:fld id="{1157D475-CCA0-4EE1-80E2-E46E2851FDFA}" type="datetimeFigureOut">
               <a:rPr lang="en-US" smtClean="0"/>
-              <a:t>3/10/2025</a:t>
+              <a:t>7/30/2025</a:t>
             </a:fld>
             <a:endParaRPr lang="en-US"/>
           </a:p>
@@ -1959,13 +2519,7 @@
       </p:sp>
       <p:sp>
         <p:nvSpPr>
-          <p:cNvPr id="4" name="Footer Placeholder 3">
-            <a:extLst>
-              <a:ext uri="{FF2B5EF4-FFF2-40B4-BE49-F238E27FC236}">
-                <a16:creationId xmlns:a16="http://schemas.microsoft.com/office/drawing/2014/main" id="{3C092D0A-7CCD-9108-6A73-FE84557F016B}"/>
-              </a:ext>
-            </a:extLst>
-          </p:cNvPr>
+          <p:cNvPr id="4" name="Footer Placeholder 3"/>
           <p:cNvSpPr>
             <a:spLocks noGrp="1"/>
           </p:cNvSpPr>
@@ -1984,13 +2538,7 @@
       </p:sp>
       <p:sp>
         <p:nvSpPr>
-          <p:cNvPr id="5" name="Slide Number Placeholder 4">
-            <a:extLst>
-              <a:ext uri="{FF2B5EF4-FFF2-40B4-BE49-F238E27FC236}">
-                <a16:creationId xmlns:a16="http://schemas.microsoft.com/office/drawing/2014/main" id="{0386996C-AC3E-0967-5759-850EE9CFF6FE}"/>
-              </a:ext>
-            </a:extLst>
-          </p:cNvPr>
+          <p:cNvPr id="5" name="Slide Number Placeholder 4"/>
           <p:cNvSpPr>
             <a:spLocks noGrp="1"/>
           </p:cNvSpPr>
@@ -2014,7 +2562,7 @@
     </p:spTree>
     <p:extLst>
       <p:ext uri="{BB962C8B-B14F-4D97-AF65-F5344CB8AC3E}">
-        <p14:creationId xmlns:p14="http://schemas.microsoft.com/office/powerpoint/2010/main" val="4074686703"/>
+        <p14:creationId xmlns:p14="http://schemas.microsoft.com/office/powerpoint/2010/main" val="1123087779"/>
       </p:ext>
     </p:extLst>
   </p:cSld>
@@ -2043,13 +2591,7 @@
       </p:grpSpPr>
       <p:sp>
         <p:nvSpPr>
-          <p:cNvPr id="2" name="Date Placeholder 1">
-            <a:extLst>
-              <a:ext uri="{FF2B5EF4-FFF2-40B4-BE49-F238E27FC236}">
-                <a16:creationId xmlns:a16="http://schemas.microsoft.com/office/drawing/2014/main" id="{08CF6130-5C25-D57D-6470-5AD972530C0A}"/>
-              </a:ext>
-            </a:extLst>
-          </p:cNvPr>
+          <p:cNvPr id="2" name="Date Placeholder 1"/>
           <p:cNvSpPr>
             <a:spLocks noGrp="1"/>
           </p:cNvSpPr>
@@ -2064,7 +2606,7 @@
           <a:p>
             <a:fld id="{1157D475-CCA0-4EE1-80E2-E46E2851FDFA}" type="datetimeFigureOut">
               <a:rPr lang="en-US" smtClean="0"/>
-              <a:t>3/10/2025</a:t>
+              <a:t>7/30/2025</a:t>
             </a:fld>
             <a:endParaRPr lang="en-US"/>
           </a:p>
@@ -2072,13 +2614,7 @@
       </p:sp>
       <p:sp>
         <p:nvSpPr>
-          <p:cNvPr id="3" name="Footer Placeholder 2">
-            <a:extLst>
-              <a:ext uri="{FF2B5EF4-FFF2-40B4-BE49-F238E27FC236}">
-                <a16:creationId xmlns:a16="http://schemas.microsoft.com/office/drawing/2014/main" id="{A996DD01-9B8B-1078-7285-806BE98D2585}"/>
-              </a:ext>
-            </a:extLst>
-          </p:cNvPr>
+          <p:cNvPr id="3" name="Footer Placeholder 2"/>
           <p:cNvSpPr>
             <a:spLocks noGrp="1"/>
           </p:cNvSpPr>
@@ -2097,13 +2633,7 @@
       </p:sp>
       <p:sp>
         <p:nvSpPr>
-          <p:cNvPr id="4" name="Slide Number Placeholder 3">
-            <a:extLst>
-              <a:ext uri="{FF2B5EF4-FFF2-40B4-BE49-F238E27FC236}">
-                <a16:creationId xmlns:a16="http://schemas.microsoft.com/office/drawing/2014/main" id="{9019F53D-34BD-D7E8-E583-854F133B3727}"/>
-              </a:ext>
-            </a:extLst>
-          </p:cNvPr>
+          <p:cNvPr id="4" name="Slide Number Placeholder 3"/>
           <p:cNvSpPr>
             <a:spLocks noGrp="1"/>
           </p:cNvSpPr>
@@ -2127,7 +2657,7 @@
     </p:spTree>
     <p:extLst>
       <p:ext uri="{BB962C8B-B14F-4D97-AF65-F5344CB8AC3E}">
-        <p14:creationId xmlns:p14="http://schemas.microsoft.com/office/powerpoint/2010/main" val="1685641156"/>
+        <p14:creationId xmlns:p14="http://schemas.microsoft.com/office/powerpoint/2010/main" val="741652919"/>
       </p:ext>
     </p:extLst>
   </p:cSld>
@@ -2156,13 +2686,7 @@
       </p:grpSpPr>
       <p:sp>
         <p:nvSpPr>
-          <p:cNvPr id="2" name="Title 1">
-            <a:extLst>
-              <a:ext uri="{FF2B5EF4-FFF2-40B4-BE49-F238E27FC236}">
-                <a16:creationId xmlns:a16="http://schemas.microsoft.com/office/drawing/2014/main" id="{6F4850CA-5A3C-8C66-4DCD-586266C575C1}"/>
-              </a:ext>
-            </a:extLst>
-          </p:cNvPr>
+          <p:cNvPr id="2" name="Title 1"/>
           <p:cNvSpPr>
             <a:spLocks noGrp="1"/>
           </p:cNvSpPr>
@@ -2172,15 +2696,15 @@
         </p:nvSpPr>
         <p:spPr>
           <a:xfrm>
-            <a:off x="839788" y="457200"/>
-            <a:ext cx="3932237" cy="1600200"/>
+            <a:off x="755810" y="268182"/>
+            <a:ext cx="3539013" cy="938636"/>
           </a:xfrm>
         </p:spPr>
         <p:txBody>
           <a:bodyPr anchor="b"/>
           <a:lstStyle>
             <a:lvl1pPr>
-              <a:defRPr sz="3200"/>
+              <a:defRPr sz="1877"/>
             </a:lvl1pPr>
           </a:lstStyle>
           <a:p>
@@ -2188,18 +2712,13 @@
               <a:rPr lang="en-US"/>
               <a:t>Click to edit Master title style</a:t>
             </a:r>
-          </a:p>
-        </p:txBody>
-      </p:sp>
-      <p:sp>
-        <p:nvSpPr>
-          <p:cNvPr id="3" name="Content Placeholder 2">
-            <a:extLst>
-              <a:ext uri="{FF2B5EF4-FFF2-40B4-BE49-F238E27FC236}">
-                <a16:creationId xmlns:a16="http://schemas.microsoft.com/office/drawing/2014/main" id="{E5AD8A2E-9803-EB86-1CC0-D07716B8AD01}"/>
-              </a:ext>
-            </a:extLst>
-          </p:cNvPr>
+            <a:endParaRPr lang="en-US" dirty="0"/>
+          </a:p>
+        </p:txBody>
+      </p:sp>
+      <p:sp>
+        <p:nvSpPr>
+          <p:cNvPr id="3" name="Content Placeholder 2"/>
           <p:cNvSpPr>
             <a:spLocks noGrp="1"/>
           </p:cNvSpPr>
@@ -2209,39 +2728,39 @@
         </p:nvSpPr>
         <p:spPr>
           <a:xfrm>
-            <a:off x="5183188" y="987425"/>
-            <a:ext cx="6172200" cy="4873625"/>
+            <a:off x="4664869" y="579198"/>
+            <a:ext cx="5554980" cy="2858742"/>
           </a:xfrm>
         </p:spPr>
         <p:txBody>
           <a:bodyPr/>
           <a:lstStyle>
             <a:lvl1pPr>
-              <a:defRPr sz="3200"/>
+              <a:defRPr sz="1877"/>
             </a:lvl1pPr>
             <a:lvl2pPr>
-              <a:defRPr sz="2800"/>
+              <a:defRPr sz="1642"/>
             </a:lvl2pPr>
             <a:lvl3pPr>
-              <a:defRPr sz="2400"/>
+              <a:defRPr sz="1408"/>
             </a:lvl3pPr>
             <a:lvl4pPr>
-              <a:defRPr sz="2000"/>
+              <a:defRPr sz="1173"/>
             </a:lvl4pPr>
             <a:lvl5pPr>
-              <a:defRPr sz="2000"/>
+              <a:defRPr sz="1173"/>
             </a:lvl5pPr>
             <a:lvl6pPr>
-              <a:defRPr sz="2000"/>
+              <a:defRPr sz="1173"/>
             </a:lvl6pPr>
             <a:lvl7pPr>
-              <a:defRPr sz="2000"/>
+              <a:defRPr sz="1173"/>
             </a:lvl7pPr>
             <a:lvl8pPr>
-              <a:defRPr sz="2000"/>
+              <a:defRPr sz="1173"/>
             </a:lvl8pPr>
             <a:lvl9pPr>
-              <a:defRPr sz="2000"/>
+              <a:defRPr sz="1173"/>
             </a:lvl9pPr>
           </a:lstStyle>
           <a:p>
@@ -2278,18 +2797,13 @@
               <a:rPr lang="en-US"/>
               <a:t>Fifth level</a:t>
             </a:r>
-          </a:p>
-        </p:txBody>
-      </p:sp>
-      <p:sp>
-        <p:nvSpPr>
-          <p:cNvPr id="4" name="Text Placeholder 3">
-            <a:extLst>
-              <a:ext uri="{FF2B5EF4-FFF2-40B4-BE49-F238E27FC236}">
-                <a16:creationId xmlns:a16="http://schemas.microsoft.com/office/drawing/2014/main" id="{3971C622-41A0-531E-9319-070CCE848214}"/>
-              </a:ext>
-            </a:extLst>
-          </p:cNvPr>
+            <a:endParaRPr lang="en-US" dirty="0"/>
+          </a:p>
+        </p:txBody>
+      </p:sp>
+      <p:sp>
+        <p:nvSpPr>
+          <p:cNvPr id="4" name="Text Placeholder 3"/>
           <p:cNvSpPr>
             <a:spLocks noGrp="1"/>
           </p:cNvSpPr>
@@ -2299,8 +2813,8 @@
         </p:nvSpPr>
         <p:spPr>
           <a:xfrm>
-            <a:off x="839788" y="2057400"/>
-            <a:ext cx="3932237" cy="3811588"/>
+            <a:off x="755810" y="1206817"/>
+            <a:ext cx="3539013" cy="2235779"/>
           </a:xfrm>
         </p:spPr>
         <p:txBody>
@@ -2308,39 +2822,39 @@
           <a:lstStyle>
             <a:lvl1pPr marL="0" indent="0">
               <a:buNone/>
-              <a:defRPr sz="1600"/>
+              <a:defRPr sz="939"/>
             </a:lvl1pPr>
-            <a:lvl2pPr marL="457200" indent="0">
-              <a:buNone/>
-              <a:defRPr sz="1400"/>
+            <a:lvl2pPr marL="268194" indent="0">
+              <a:buNone/>
+              <a:defRPr sz="821"/>
             </a:lvl2pPr>
-            <a:lvl3pPr marL="914400" indent="0">
-              <a:buNone/>
-              <a:defRPr sz="1200"/>
+            <a:lvl3pPr marL="536387" indent="0">
+              <a:buNone/>
+              <a:defRPr sz="704"/>
             </a:lvl3pPr>
-            <a:lvl4pPr marL="1371600" indent="0">
-              <a:buNone/>
-              <a:defRPr sz="1000"/>
+            <a:lvl4pPr marL="804581" indent="0">
+              <a:buNone/>
+              <a:defRPr sz="587"/>
             </a:lvl4pPr>
-            <a:lvl5pPr marL="1828800" indent="0">
-              <a:buNone/>
-              <a:defRPr sz="1000"/>
+            <a:lvl5pPr marL="1072774" indent="0">
+              <a:buNone/>
+              <a:defRPr sz="587"/>
             </a:lvl5pPr>
-            <a:lvl6pPr marL="2286000" indent="0">
-              <a:buNone/>
-              <a:defRPr sz="1000"/>
+            <a:lvl6pPr marL="1340968" indent="0">
+              <a:buNone/>
+              <a:defRPr sz="587"/>
             </a:lvl6pPr>
-            <a:lvl7pPr marL="2743200" indent="0">
-              <a:buNone/>
-              <a:defRPr sz="1000"/>
+            <a:lvl7pPr marL="1609161" indent="0">
+              <a:buNone/>
+              <a:defRPr sz="587"/>
             </a:lvl7pPr>
-            <a:lvl8pPr marL="3200400" indent="0">
-              <a:buNone/>
-              <a:defRPr sz="1000"/>
+            <a:lvl8pPr marL="1877355" indent="0">
+              <a:buNone/>
+              <a:defRPr sz="587"/>
             </a:lvl8pPr>
-            <a:lvl9pPr marL="3657600" indent="0">
-              <a:buNone/>
-              <a:defRPr sz="1000"/>
+            <a:lvl9pPr marL="2145548" indent="0">
+              <a:buNone/>
+              <a:defRPr sz="587"/>
             </a:lvl9pPr>
           </a:lstStyle>
           <a:p>
@@ -2354,13 +2868,7 @@
       </p:sp>
       <p:sp>
         <p:nvSpPr>
-          <p:cNvPr id="5" name="Date Placeholder 4">
-            <a:extLst>
-              <a:ext uri="{FF2B5EF4-FFF2-40B4-BE49-F238E27FC236}">
-                <a16:creationId xmlns:a16="http://schemas.microsoft.com/office/drawing/2014/main" id="{D2419A0E-B0FC-6866-644C-D6123399B8F6}"/>
-              </a:ext>
-            </a:extLst>
-          </p:cNvPr>
+          <p:cNvPr id="5" name="Date Placeholder 4"/>
           <p:cNvSpPr>
             <a:spLocks noGrp="1"/>
           </p:cNvSpPr>
@@ -2375,7 +2883,7 @@
           <a:p>
             <a:fld id="{1157D475-CCA0-4EE1-80E2-E46E2851FDFA}" type="datetimeFigureOut">
               <a:rPr lang="en-US" smtClean="0"/>
-              <a:t>3/10/2025</a:t>
+              <a:t>7/30/2025</a:t>
             </a:fld>
             <a:endParaRPr lang="en-US"/>
           </a:p>
@@ -2383,13 +2891,7 @@
       </p:sp>
       <p:sp>
         <p:nvSpPr>
-          <p:cNvPr id="6" name="Footer Placeholder 5">
-            <a:extLst>
-              <a:ext uri="{FF2B5EF4-FFF2-40B4-BE49-F238E27FC236}">
-                <a16:creationId xmlns:a16="http://schemas.microsoft.com/office/drawing/2014/main" id="{FB21CAE3-9C8E-857C-BF22-8F631876A552}"/>
-              </a:ext>
-            </a:extLst>
-          </p:cNvPr>
+          <p:cNvPr id="6" name="Footer Placeholder 5"/>
           <p:cNvSpPr>
             <a:spLocks noGrp="1"/>
           </p:cNvSpPr>
@@ -2408,13 +2910,7 @@
       </p:sp>
       <p:sp>
         <p:nvSpPr>
-          <p:cNvPr id="7" name="Slide Number Placeholder 6">
-            <a:extLst>
-              <a:ext uri="{FF2B5EF4-FFF2-40B4-BE49-F238E27FC236}">
-                <a16:creationId xmlns:a16="http://schemas.microsoft.com/office/drawing/2014/main" id="{53D55F06-5563-3EAC-9177-EB0E4038BE33}"/>
-              </a:ext>
-            </a:extLst>
-          </p:cNvPr>
+          <p:cNvPr id="7" name="Slide Number Placeholder 6"/>
           <p:cNvSpPr>
             <a:spLocks noGrp="1"/>
           </p:cNvSpPr>
@@ -2438,7 +2934,7 @@
     </p:spTree>
     <p:extLst>
       <p:ext uri="{BB962C8B-B14F-4D97-AF65-F5344CB8AC3E}">
-        <p14:creationId xmlns:p14="http://schemas.microsoft.com/office/powerpoint/2010/main" val="284665383"/>
+        <p14:creationId xmlns:p14="http://schemas.microsoft.com/office/powerpoint/2010/main" val="728603751"/>
       </p:ext>
     </p:extLst>
   </p:cSld>
@@ -2467,13 +2963,7 @@
       </p:grpSpPr>
       <p:sp>
         <p:nvSpPr>
-          <p:cNvPr id="2" name="Title 1">
-            <a:extLst>
-              <a:ext uri="{FF2B5EF4-FFF2-40B4-BE49-F238E27FC236}">
-                <a16:creationId xmlns:a16="http://schemas.microsoft.com/office/drawing/2014/main" id="{EB4C9C5F-8446-B97A-4E2B-3B1650E26DFB}"/>
-              </a:ext>
-            </a:extLst>
-          </p:cNvPr>
+          <p:cNvPr id="2" name="Title 1"/>
           <p:cNvSpPr>
             <a:spLocks noGrp="1"/>
           </p:cNvSpPr>
@@ -2483,15 +2973,15 @@
         </p:nvSpPr>
         <p:spPr>
           <a:xfrm>
-            <a:off x="839788" y="457200"/>
-            <a:ext cx="3932237" cy="1600200"/>
+            <a:off x="755810" y="268182"/>
+            <a:ext cx="3539013" cy="938636"/>
           </a:xfrm>
         </p:spPr>
         <p:txBody>
           <a:bodyPr anchor="b"/>
           <a:lstStyle>
             <a:lvl1pPr>
-              <a:defRPr sz="3200"/>
+              <a:defRPr sz="1877"/>
             </a:lvl1pPr>
           </a:lstStyle>
           <a:p>
@@ -2499,20 +2989,15 @@
               <a:rPr lang="en-US"/>
               <a:t>Click to edit Master title style</a:t>
             </a:r>
-          </a:p>
-        </p:txBody>
-      </p:sp>
-      <p:sp>
-        <p:nvSpPr>
-          <p:cNvPr id="3" name="Picture Placeholder 2">
-            <a:extLst>
-              <a:ext uri="{FF2B5EF4-FFF2-40B4-BE49-F238E27FC236}">
-                <a16:creationId xmlns:a16="http://schemas.microsoft.com/office/drawing/2014/main" id="{C0A1D065-EADE-4978-875D-A598F225A880}"/>
-              </a:ext>
-            </a:extLst>
-          </p:cNvPr>
-          <p:cNvSpPr>
-            <a:spLocks noGrp="1"/>
+            <a:endParaRPr lang="en-US" dirty="0"/>
+          </a:p>
+        </p:txBody>
+      </p:sp>
+      <p:sp>
+        <p:nvSpPr>
+          <p:cNvPr id="3" name="Picture Placeholder 2"/>
+          <p:cNvSpPr>
+            <a:spLocks noGrp="1" noChangeAspect="1"/>
           </p:cNvSpPr>
           <p:nvPr>
             <p:ph type="pic" idx="1"/>
@@ -2520,8 +3005,73 @@
         </p:nvSpPr>
         <p:spPr>
           <a:xfrm>
-            <a:off x="5183188" y="987425"/>
-            <a:ext cx="6172200" cy="4873625"/>
+            <a:off x="4664869" y="579198"/>
+            <a:ext cx="5554980" cy="2858742"/>
+          </a:xfrm>
+        </p:spPr>
+        <p:txBody>
+          <a:bodyPr anchor="t"/>
+          <a:lstStyle>
+            <a:lvl1pPr marL="0" indent="0">
+              <a:buNone/>
+              <a:defRPr sz="1877"/>
+            </a:lvl1pPr>
+            <a:lvl2pPr marL="268194" indent="0">
+              <a:buNone/>
+              <a:defRPr sz="1642"/>
+            </a:lvl2pPr>
+            <a:lvl3pPr marL="536387" indent="0">
+              <a:buNone/>
+              <a:defRPr sz="1408"/>
+            </a:lvl3pPr>
+            <a:lvl4pPr marL="804581" indent="0">
+              <a:buNone/>
+              <a:defRPr sz="1173"/>
+            </a:lvl4pPr>
+            <a:lvl5pPr marL="1072774" indent="0">
+              <a:buNone/>
+              <a:defRPr sz="1173"/>
+            </a:lvl5pPr>
+            <a:lvl6pPr marL="1340968" indent="0">
+              <a:buNone/>
+              <a:defRPr sz="1173"/>
+            </a:lvl6pPr>
+            <a:lvl7pPr marL="1609161" indent="0">
+              <a:buNone/>
+              <a:defRPr sz="1173"/>
+            </a:lvl7pPr>
+            <a:lvl8pPr marL="1877355" indent="0">
+              <a:buNone/>
+              <a:defRPr sz="1173"/>
+            </a:lvl8pPr>
+            <a:lvl9pPr marL="2145548" indent="0">
+              <a:buNone/>
+              <a:defRPr sz="1173"/>
+            </a:lvl9pPr>
+          </a:lstStyle>
+          <a:p>
+            <a:r>
+              <a:rPr lang="en-US"/>
+              <a:t>Click icon to add picture</a:t>
+            </a:r>
+            <a:endParaRPr lang="en-US" dirty="0"/>
+          </a:p>
+        </p:txBody>
+      </p:sp>
+      <p:sp>
+        <p:nvSpPr>
+          <p:cNvPr id="4" name="Text Placeholder 3"/>
+          <p:cNvSpPr>
+            <a:spLocks noGrp="1"/>
+          </p:cNvSpPr>
+          <p:nvPr>
+            <p:ph type="body" sz="half" idx="2"/>
+          </p:nvPr>
+        </p:nvSpPr>
+        <p:spPr>
+          <a:xfrm>
+            <a:off x="755810" y="1206817"/>
+            <a:ext cx="3539013" cy="2235779"/>
           </a:xfrm>
         </p:spPr>
         <p:txBody>
@@ -2529,109 +3079,42 @@
           <a:lstStyle>
             <a:lvl1pPr marL="0" indent="0">
               <a:buNone/>
-              <a:defRPr sz="3200"/>
+              <a:defRPr sz="939"/>
             </a:lvl1pPr>
-            <a:lvl2pPr marL="457200" indent="0">
-              <a:buNone/>
-              <a:defRPr sz="2800"/>
+            <a:lvl2pPr marL="268194" indent="0">
+              <a:buNone/>
+              <a:defRPr sz="821"/>
             </a:lvl2pPr>
-            <a:lvl3pPr marL="914400" indent="0">
-              <a:buNone/>
-              <a:defRPr sz="2400"/>
+            <a:lvl3pPr marL="536387" indent="0">
+              <a:buNone/>
+              <a:defRPr sz="704"/>
             </a:lvl3pPr>
-            <a:lvl4pPr marL="1371600" indent="0">
-              <a:buNone/>
-              <a:defRPr sz="2000"/>
+            <a:lvl4pPr marL="804581" indent="0">
+              <a:buNone/>
+              <a:defRPr sz="587"/>
             </a:lvl4pPr>
-            <a:lvl5pPr marL="1828800" indent="0">
-              <a:buNone/>
-              <a:defRPr sz="2000"/>
+            <a:lvl5pPr marL="1072774" indent="0">
+              <a:buNone/>
+              <a:defRPr sz="587"/>
             </a:lvl5pPr>
-            <a:lvl6pPr marL="2286000" indent="0">
-              <a:buNone/>
-              <a:defRPr sz="2000"/>
+            <a:lvl6pPr marL="1340968" indent="0">
+              <a:buNone/>
+              <a:defRPr sz="587"/>
             </a:lvl6pPr>
-            <a:lvl7pPr marL="2743200" indent="0">
-              <a:buNone/>
-              <a:defRPr sz="2000"/>
+            <a:lvl7pPr marL="1609161" indent="0">
+              <a:buNone/>
+              <a:defRPr sz="587"/>
             </a:lvl7pPr>
-            <a:lvl8pPr marL="3200400" indent="0">
-              <a:buNone/>
-              <a:defRPr sz="2000"/>
+            <a:lvl8pPr marL="1877355" indent="0">
+              <a:buNone/>
+              <a:defRPr sz="587"/>
             </a:lvl8pPr>
-            <a:lvl9pPr marL="3657600" indent="0">
-              <a:buNone/>
-              <a:defRPr sz="2000"/>
+            <a:lvl9pPr marL="2145548" indent="0">
+              <a:buNone/>
+              <a:defRPr sz="587"/>
             </a:lvl9pPr>
           </a:lstStyle>
           <a:p>
-            <a:endParaRPr lang="en-US"/>
-          </a:p>
-        </p:txBody>
-      </p:sp>
-      <p:sp>
-        <p:nvSpPr>
-          <p:cNvPr id="4" name="Text Placeholder 3">
-            <a:extLst>
-              <a:ext uri="{FF2B5EF4-FFF2-40B4-BE49-F238E27FC236}">
-                <a16:creationId xmlns:a16="http://schemas.microsoft.com/office/drawing/2014/main" id="{E5B82D48-32A6-8770-A685-ED318B69A21B}"/>
-              </a:ext>
-            </a:extLst>
-          </p:cNvPr>
-          <p:cNvSpPr>
-            <a:spLocks noGrp="1"/>
-          </p:cNvSpPr>
-          <p:nvPr>
-            <p:ph type="body" sz="half" idx="2"/>
-          </p:nvPr>
-        </p:nvSpPr>
-        <p:spPr>
-          <a:xfrm>
-            <a:off x="839788" y="2057400"/>
-            <a:ext cx="3932237" cy="3811588"/>
-          </a:xfrm>
-        </p:spPr>
-        <p:txBody>
-          <a:bodyPr/>
-          <a:lstStyle>
-            <a:lvl1pPr marL="0" indent="0">
-              <a:buNone/>
-              <a:defRPr sz="1600"/>
-            </a:lvl1pPr>
-            <a:lvl2pPr marL="457200" indent="0">
-              <a:buNone/>
-              <a:defRPr sz="1400"/>
-            </a:lvl2pPr>
-            <a:lvl3pPr marL="914400" indent="0">
-              <a:buNone/>
-              <a:defRPr sz="1200"/>
-            </a:lvl3pPr>
-            <a:lvl4pPr marL="1371600" indent="0">
-              <a:buNone/>
-              <a:defRPr sz="1000"/>
-            </a:lvl4pPr>
-            <a:lvl5pPr marL="1828800" indent="0">
-              <a:buNone/>
-              <a:defRPr sz="1000"/>
-            </a:lvl5pPr>
-            <a:lvl6pPr marL="2286000" indent="0">
-              <a:buNone/>
-              <a:defRPr sz="1000"/>
-            </a:lvl6pPr>
-            <a:lvl7pPr marL="2743200" indent="0">
-              <a:buNone/>
-              <a:defRPr sz="1000"/>
-            </a:lvl7pPr>
-            <a:lvl8pPr marL="3200400" indent="0">
-              <a:buNone/>
-              <a:defRPr sz="1000"/>
-            </a:lvl8pPr>
-            <a:lvl9pPr marL="3657600" indent="0">
-              <a:buNone/>
-              <a:defRPr sz="1000"/>
-            </a:lvl9pPr>
-          </a:lstStyle>
-          <a:p>
             <a:pPr lvl="0"/>
             <a:r>
               <a:rPr lang="en-US"/>
@@ -2642,13 +3125,7 @@
       </p:sp>
       <p:sp>
         <p:nvSpPr>
-          <p:cNvPr id="5" name="Date Placeholder 4">
-            <a:extLst>
-              <a:ext uri="{FF2B5EF4-FFF2-40B4-BE49-F238E27FC236}">
-                <a16:creationId xmlns:a16="http://schemas.microsoft.com/office/drawing/2014/main" id="{B060A6B9-4630-91CA-A5F8-415AB36789F3}"/>
-              </a:ext>
-            </a:extLst>
-          </p:cNvPr>
+          <p:cNvPr id="5" name="Date Placeholder 4"/>
           <p:cNvSpPr>
             <a:spLocks noGrp="1"/>
           </p:cNvSpPr>
@@ -2663,7 +3140,7 @@
           <a:p>
             <a:fld id="{1157D475-CCA0-4EE1-80E2-E46E2851FDFA}" type="datetimeFigureOut">
               <a:rPr lang="en-US" smtClean="0"/>
-              <a:t>3/10/2025</a:t>
+              <a:t>7/30/2025</a:t>
             </a:fld>
             <a:endParaRPr lang="en-US"/>
           </a:p>
@@ -2671,13 +3148,7 @@
       </p:sp>
       <p:sp>
         <p:nvSpPr>
-          <p:cNvPr id="6" name="Footer Placeholder 5">
-            <a:extLst>
-              <a:ext uri="{FF2B5EF4-FFF2-40B4-BE49-F238E27FC236}">
-                <a16:creationId xmlns:a16="http://schemas.microsoft.com/office/drawing/2014/main" id="{C0B45021-9973-470D-928F-3D47D72FE537}"/>
-              </a:ext>
-            </a:extLst>
-          </p:cNvPr>
+          <p:cNvPr id="6" name="Footer Placeholder 5"/>
           <p:cNvSpPr>
             <a:spLocks noGrp="1"/>
           </p:cNvSpPr>
@@ -2696,13 +3167,7 @@
       </p:sp>
       <p:sp>
         <p:nvSpPr>
-          <p:cNvPr id="7" name="Slide Number Placeholder 6">
-            <a:extLst>
-              <a:ext uri="{FF2B5EF4-FFF2-40B4-BE49-F238E27FC236}">
-                <a16:creationId xmlns:a16="http://schemas.microsoft.com/office/drawing/2014/main" id="{E488861B-F138-375C-FAE0-D3DE635D28A6}"/>
-              </a:ext>
-            </a:extLst>
-          </p:cNvPr>
+          <p:cNvPr id="7" name="Slide Number Placeholder 6"/>
           <p:cNvSpPr>
             <a:spLocks noGrp="1"/>
           </p:cNvSpPr>
@@ -2726,7 +3191,7 @@
     </p:spTree>
     <p:extLst>
       <p:ext uri="{BB962C8B-B14F-4D97-AF65-F5344CB8AC3E}">
-        <p14:creationId xmlns:p14="http://schemas.microsoft.com/office/powerpoint/2010/main" val="2904401932"/>
+        <p14:creationId xmlns:p14="http://schemas.microsoft.com/office/powerpoint/2010/main" val="4048757956"/>
       </p:ext>
     </p:extLst>
   </p:cSld>
@@ -2760,13 +3225,7 @@
       </p:grpSpPr>
       <p:sp>
         <p:nvSpPr>
-          <p:cNvPr id="2" name="Title Placeholder 1">
-            <a:extLst>
-              <a:ext uri="{FF2B5EF4-FFF2-40B4-BE49-F238E27FC236}">
-                <a16:creationId xmlns:a16="http://schemas.microsoft.com/office/drawing/2014/main" id="{0F275262-2F97-9426-73B3-A70DF2949AB4}"/>
-              </a:ext>
-            </a:extLst>
-          </p:cNvPr>
+          <p:cNvPr id="2" name="Title Placeholder 1"/>
           <p:cNvSpPr>
             <a:spLocks noGrp="1"/>
           </p:cNvSpPr>
@@ -2776,8 +3235,8 @@
         </p:nvSpPr>
         <p:spPr>
           <a:xfrm>
-            <a:off x="838200" y="365125"/>
-            <a:ext cx="10515600" cy="1325563"/>
+            <a:off x="754380" y="214173"/>
+            <a:ext cx="9464040" cy="777541"/>
           </a:xfrm>
           <a:prstGeom prst="rect">
             <a:avLst/>
@@ -2793,18 +3252,13 @@
               <a:rPr lang="en-US"/>
               <a:t>Click to edit Master title style</a:t>
             </a:r>
-          </a:p>
-        </p:txBody>
-      </p:sp>
-      <p:sp>
-        <p:nvSpPr>
-          <p:cNvPr id="3" name="Text Placeholder 2">
-            <a:extLst>
-              <a:ext uri="{FF2B5EF4-FFF2-40B4-BE49-F238E27FC236}">
-                <a16:creationId xmlns:a16="http://schemas.microsoft.com/office/drawing/2014/main" id="{4CBEC078-B6BE-31AD-06CD-27A08B650D85}"/>
-              </a:ext>
-            </a:extLst>
-          </p:cNvPr>
+            <a:endParaRPr lang="en-US" dirty="0"/>
+          </a:p>
+        </p:txBody>
+      </p:sp>
+      <p:sp>
+        <p:nvSpPr>
+          <p:cNvPr id="3" name="Text Placeholder 2"/>
           <p:cNvSpPr>
             <a:spLocks noGrp="1"/>
           </p:cNvSpPr>
@@ -2814,8 +3268,8 @@
         </p:nvSpPr>
         <p:spPr>
           <a:xfrm>
-            <a:off x="838200" y="1825625"/>
-            <a:ext cx="10515600" cy="4351338"/>
+            <a:off x="754380" y="1070864"/>
+            <a:ext cx="9464040" cy="2552382"/>
           </a:xfrm>
           <a:prstGeom prst="rect">
             <a:avLst/>
@@ -2860,18 +3314,13 @@
               <a:rPr lang="en-US"/>
               <a:t>Fifth level</a:t>
             </a:r>
-          </a:p>
-        </p:txBody>
-      </p:sp>
-      <p:sp>
-        <p:nvSpPr>
-          <p:cNvPr id="4" name="Date Placeholder 3">
-            <a:extLst>
-              <a:ext uri="{FF2B5EF4-FFF2-40B4-BE49-F238E27FC236}">
-                <a16:creationId xmlns:a16="http://schemas.microsoft.com/office/drawing/2014/main" id="{C50CD903-CD95-02E2-AEE8-0C0B9BC6F905}"/>
-              </a:ext>
-            </a:extLst>
-          </p:cNvPr>
+            <a:endParaRPr lang="en-US" dirty="0"/>
+          </a:p>
+        </p:txBody>
+      </p:sp>
+      <p:sp>
+        <p:nvSpPr>
+          <p:cNvPr id="4" name="Date Placeholder 3"/>
           <p:cNvSpPr>
             <a:spLocks noGrp="1"/>
           </p:cNvSpPr>
@@ -2881,8 +3330,8 @@
         </p:nvSpPr>
         <p:spPr>
           <a:xfrm>
-            <a:off x="838200" y="6356350"/>
-            <a:ext cx="2743200" cy="365125"/>
+            <a:off x="754380" y="3728470"/>
+            <a:ext cx="2468880" cy="214173"/>
           </a:xfrm>
           <a:prstGeom prst="rect">
             <a:avLst/>
@@ -2892,7 +3341,7 @@
           <a:bodyPr vert="horz" lIns="91440" tIns="45720" rIns="91440" bIns="45720" rtlCol="0" anchor="ctr"/>
           <a:lstStyle>
             <a:lvl1pPr algn="l">
-              <a:defRPr sz="1200">
+              <a:defRPr sz="704">
                 <a:solidFill>
                   <a:schemeClr val="tx1">
                     <a:tint val="82000"/>
@@ -2904,7 +3353,7 @@
           <a:p>
             <a:fld id="{1157D475-CCA0-4EE1-80E2-E46E2851FDFA}" type="datetimeFigureOut">
               <a:rPr lang="en-US" smtClean="0"/>
-              <a:t>3/10/2025</a:t>
+              <a:t>7/30/2025</a:t>
             </a:fld>
             <a:endParaRPr lang="en-US"/>
           </a:p>
@@ -2912,13 +3361,7 @@
       </p:sp>
       <p:sp>
         <p:nvSpPr>
-          <p:cNvPr id="5" name="Footer Placeholder 4">
-            <a:extLst>
-              <a:ext uri="{FF2B5EF4-FFF2-40B4-BE49-F238E27FC236}">
-                <a16:creationId xmlns:a16="http://schemas.microsoft.com/office/drawing/2014/main" id="{4EFD783A-2901-7F78-9463-8F2BF1C789B3}"/>
-              </a:ext>
-            </a:extLst>
-          </p:cNvPr>
+          <p:cNvPr id="5" name="Footer Placeholder 4"/>
           <p:cNvSpPr>
             <a:spLocks noGrp="1"/>
           </p:cNvSpPr>
@@ -2928,8 +3371,8 @@
         </p:nvSpPr>
         <p:spPr>
           <a:xfrm>
-            <a:off x="4038600" y="6356350"/>
-            <a:ext cx="4114800" cy="365125"/>
+            <a:off x="3634740" y="3728470"/>
+            <a:ext cx="3703320" cy="214173"/>
           </a:xfrm>
           <a:prstGeom prst="rect">
             <a:avLst/>
@@ -2939,7 +3382,7 @@
           <a:bodyPr vert="horz" lIns="91440" tIns="45720" rIns="91440" bIns="45720" rtlCol="0" anchor="ctr"/>
           <a:lstStyle>
             <a:lvl1pPr algn="ctr">
-              <a:defRPr sz="1200">
+              <a:defRPr sz="704">
                 <a:solidFill>
                   <a:schemeClr val="tx1">
                     <a:tint val="82000"/>
@@ -2955,13 +3398,7 @@
       </p:sp>
       <p:sp>
         <p:nvSpPr>
-          <p:cNvPr id="6" name="Slide Number Placeholder 5">
-            <a:extLst>
-              <a:ext uri="{FF2B5EF4-FFF2-40B4-BE49-F238E27FC236}">
-                <a16:creationId xmlns:a16="http://schemas.microsoft.com/office/drawing/2014/main" id="{4F78F835-4171-D65E-03CE-542D4A33A109}"/>
-              </a:ext>
-            </a:extLst>
-          </p:cNvPr>
+          <p:cNvPr id="6" name="Slide Number Placeholder 5"/>
           <p:cNvSpPr>
             <a:spLocks noGrp="1"/>
           </p:cNvSpPr>
@@ -2971,8 +3408,8 @@
         </p:nvSpPr>
         <p:spPr>
           <a:xfrm>
-            <a:off x="8610600" y="6356350"/>
-            <a:ext cx="2743200" cy="365125"/>
+            <a:off x="7749540" y="3728470"/>
+            <a:ext cx="2468880" cy="214173"/>
           </a:xfrm>
           <a:prstGeom prst="rect">
             <a:avLst/>
@@ -2982,7 +3419,7 @@
           <a:bodyPr vert="horz" lIns="91440" tIns="45720" rIns="91440" bIns="45720" rtlCol="0" anchor="ctr"/>
           <a:lstStyle>
             <a:lvl1pPr algn="r">
-              <a:defRPr sz="1200">
+              <a:defRPr sz="704">
                 <a:solidFill>
                   <a:schemeClr val="tx1">
                     <a:tint val="82000"/>
@@ -3003,27 +3440,27 @@
     </p:spTree>
     <p:extLst>
       <p:ext uri="{BB962C8B-B14F-4D97-AF65-F5344CB8AC3E}">
-        <p14:creationId xmlns:p14="http://schemas.microsoft.com/office/powerpoint/2010/main" val="3670160359"/>
+        <p14:creationId xmlns:p14="http://schemas.microsoft.com/office/powerpoint/2010/main" val="1379446775"/>
       </p:ext>
     </p:extLst>
   </p:cSld>
   <p:clrMap bg1="lt1" tx1="dk1" bg2="lt2" tx2="dk2" accent1="accent1" accent2="accent2" accent3="accent3" accent4="accent4" accent5="accent5" accent6="accent6" hlink="hlink" folHlink="folHlink"/>
   <p:sldLayoutIdLst>
-    <p:sldLayoutId id="2147483649" r:id="rId1"/>
-    <p:sldLayoutId id="2147483650" r:id="rId2"/>
-    <p:sldLayoutId id="2147483651" r:id="rId3"/>
-    <p:sldLayoutId id="2147483652" r:id="rId4"/>
-    <p:sldLayoutId id="2147483653" r:id="rId5"/>
-    <p:sldLayoutId id="2147483654" r:id="rId6"/>
-    <p:sldLayoutId id="2147483655" r:id="rId7"/>
-    <p:sldLayoutId id="2147483656" r:id="rId8"/>
-    <p:sldLayoutId id="2147483657" r:id="rId9"/>
-    <p:sldLayoutId id="2147483658" r:id="rId10"/>
-    <p:sldLayoutId id="2147483659" r:id="rId11"/>
+    <p:sldLayoutId id="2147483673" r:id="rId1"/>
+    <p:sldLayoutId id="2147483674" r:id="rId2"/>
+    <p:sldLayoutId id="2147483675" r:id="rId3"/>
+    <p:sldLayoutId id="2147483676" r:id="rId4"/>
+    <p:sldLayoutId id="2147483677" r:id="rId5"/>
+    <p:sldLayoutId id="2147483678" r:id="rId6"/>
+    <p:sldLayoutId id="2147483679" r:id="rId7"/>
+    <p:sldLayoutId id="2147483680" r:id="rId8"/>
+    <p:sldLayoutId id="2147483681" r:id="rId9"/>
+    <p:sldLayoutId id="2147483682" r:id="rId10"/>
+    <p:sldLayoutId id="2147483683" r:id="rId11"/>
   </p:sldLayoutIdLst>
   <p:txStyles>
     <p:titleStyle>
-      <a:lvl1pPr algn="l" defTabSz="914400" rtl="0" eaLnBrk="1" latinLnBrk="0" hangingPunct="1">
+      <a:lvl1pPr algn="l" defTabSz="536387" rtl="0" eaLnBrk="1" latinLnBrk="0" hangingPunct="1">
         <a:lnSpc>
           <a:spcPct val="90000"/>
         </a:lnSpc>
@@ -3031,7 +3468,7 @@
           <a:spcPct val="0"/>
         </a:spcBef>
         <a:buNone/>
-        <a:defRPr sz="4400" kern="1200">
+        <a:defRPr sz="2581" kern="1200">
           <a:solidFill>
             <a:schemeClr val="tx1"/>
           </a:solidFill>
@@ -3042,16 +3479,16 @@
       </a:lvl1pPr>
     </p:titleStyle>
     <p:bodyStyle>
-      <a:lvl1pPr marL="228600" indent="-228600" algn="l" defTabSz="914400" rtl="0" eaLnBrk="1" latinLnBrk="0" hangingPunct="1">
+      <a:lvl1pPr marL="134097" indent="-134097" algn="l" defTabSz="536387" rtl="0" eaLnBrk="1" latinLnBrk="0" hangingPunct="1">
         <a:lnSpc>
           <a:spcPct val="90000"/>
         </a:lnSpc>
         <a:spcBef>
-          <a:spcPts val="1000"/>
+          <a:spcPts val="587"/>
         </a:spcBef>
         <a:buFont typeface="Arial" panose="020B0604020202020204" pitchFamily="34" charset="0"/>
         <a:buChar char="•"/>
-        <a:defRPr sz="2800" kern="1200">
+        <a:defRPr sz="1642" kern="1200">
           <a:solidFill>
             <a:schemeClr val="tx1"/>
           </a:solidFill>
@@ -3060,16 +3497,16 @@
           <a:cs typeface="+mn-cs"/>
         </a:defRPr>
       </a:lvl1pPr>
-      <a:lvl2pPr marL="685800" indent="-228600" algn="l" defTabSz="914400" rtl="0" eaLnBrk="1" latinLnBrk="0" hangingPunct="1">
+      <a:lvl2pPr marL="402290" indent="-134097" algn="l" defTabSz="536387" rtl="0" eaLnBrk="1" latinLnBrk="0" hangingPunct="1">
         <a:lnSpc>
           <a:spcPct val="90000"/>
         </a:lnSpc>
         <a:spcBef>
-          <a:spcPts val="500"/>
+          <a:spcPts val="293"/>
         </a:spcBef>
         <a:buFont typeface="Arial" panose="020B0604020202020204" pitchFamily="34" charset="0"/>
         <a:buChar char="•"/>
-        <a:defRPr sz="2400" kern="1200">
+        <a:defRPr sz="1408" kern="1200">
           <a:solidFill>
             <a:schemeClr val="tx1"/>
           </a:solidFill>
@@ -3078,16 +3515,16 @@
           <a:cs typeface="+mn-cs"/>
         </a:defRPr>
       </a:lvl2pPr>
-      <a:lvl3pPr marL="1143000" indent="-228600" algn="l" defTabSz="914400" rtl="0" eaLnBrk="1" latinLnBrk="0" hangingPunct="1">
+      <a:lvl3pPr marL="670484" indent="-134097" algn="l" defTabSz="536387" rtl="0" eaLnBrk="1" latinLnBrk="0" hangingPunct="1">
         <a:lnSpc>
           <a:spcPct val="90000"/>
         </a:lnSpc>
         <a:spcBef>
-          <a:spcPts val="500"/>
+          <a:spcPts val="293"/>
         </a:spcBef>
         <a:buFont typeface="Arial" panose="020B0604020202020204" pitchFamily="34" charset="0"/>
         <a:buChar char="•"/>
-        <a:defRPr sz="2000" kern="1200">
+        <a:defRPr sz="1173" kern="1200">
           <a:solidFill>
             <a:schemeClr val="tx1"/>
           </a:solidFill>
@@ -3096,16 +3533,16 @@
           <a:cs typeface="+mn-cs"/>
         </a:defRPr>
       </a:lvl3pPr>
-      <a:lvl4pPr marL="1600200" indent="-228600" algn="l" defTabSz="914400" rtl="0" eaLnBrk="1" latinLnBrk="0" hangingPunct="1">
+      <a:lvl4pPr marL="938677" indent="-134097" algn="l" defTabSz="536387" rtl="0" eaLnBrk="1" latinLnBrk="0" hangingPunct="1">
         <a:lnSpc>
           <a:spcPct val="90000"/>
         </a:lnSpc>
         <a:spcBef>
-          <a:spcPts val="500"/>
+          <a:spcPts val="293"/>
         </a:spcBef>
         <a:buFont typeface="Arial" panose="020B0604020202020204" pitchFamily="34" charset="0"/>
         <a:buChar char="•"/>
-        <a:defRPr sz="1800" kern="1200">
+        <a:defRPr sz="1056" kern="1200">
           <a:solidFill>
             <a:schemeClr val="tx1"/>
           </a:solidFill>
@@ -3114,16 +3551,16 @@
           <a:cs typeface="+mn-cs"/>
         </a:defRPr>
       </a:lvl4pPr>
-      <a:lvl5pPr marL="2057400" indent="-228600" algn="l" defTabSz="914400" rtl="0" eaLnBrk="1" latinLnBrk="0" hangingPunct="1">
+      <a:lvl5pPr marL="1206871" indent="-134097" algn="l" defTabSz="536387" rtl="0" eaLnBrk="1" latinLnBrk="0" hangingPunct="1">
         <a:lnSpc>
           <a:spcPct val="90000"/>
         </a:lnSpc>
         <a:spcBef>
-          <a:spcPts val="500"/>
+          <a:spcPts val="293"/>
         </a:spcBef>
         <a:buFont typeface="Arial" panose="020B0604020202020204" pitchFamily="34" charset="0"/>
         <a:buChar char="•"/>
-        <a:defRPr sz="1800" kern="1200">
+        <a:defRPr sz="1056" kern="1200">
           <a:solidFill>
             <a:schemeClr val="tx1"/>
           </a:solidFill>
@@ -3132,16 +3569,16 @@
           <a:cs typeface="+mn-cs"/>
         </a:defRPr>
       </a:lvl5pPr>
-      <a:lvl6pPr marL="2514600" indent="-228600" algn="l" defTabSz="914400" rtl="0" eaLnBrk="1" latinLnBrk="0" hangingPunct="1">
+      <a:lvl6pPr marL="1475064" indent="-134097" algn="l" defTabSz="536387" rtl="0" eaLnBrk="1" latinLnBrk="0" hangingPunct="1">
         <a:lnSpc>
           <a:spcPct val="90000"/>
         </a:lnSpc>
         <a:spcBef>
-          <a:spcPts val="500"/>
+          <a:spcPts val="293"/>
         </a:spcBef>
         <a:buFont typeface="Arial" panose="020B0604020202020204" pitchFamily="34" charset="0"/>
         <a:buChar char="•"/>
-        <a:defRPr sz="1800" kern="1200">
+        <a:defRPr sz="1056" kern="1200">
           <a:solidFill>
             <a:schemeClr val="tx1"/>
           </a:solidFill>
@@ -3150,16 +3587,16 @@
           <a:cs typeface="+mn-cs"/>
         </a:defRPr>
       </a:lvl6pPr>
-      <a:lvl7pPr marL="2971800" indent="-228600" algn="l" defTabSz="914400" rtl="0" eaLnBrk="1" latinLnBrk="0" hangingPunct="1">
+      <a:lvl7pPr marL="1743258" indent="-134097" algn="l" defTabSz="536387" rtl="0" eaLnBrk="1" latinLnBrk="0" hangingPunct="1">
         <a:lnSpc>
           <a:spcPct val="90000"/>
         </a:lnSpc>
         <a:spcBef>
-          <a:spcPts val="500"/>
+          <a:spcPts val="293"/>
         </a:spcBef>
         <a:buFont typeface="Arial" panose="020B0604020202020204" pitchFamily="34" charset="0"/>
         <a:buChar char="•"/>
-        <a:defRPr sz="1800" kern="1200">
+        <a:defRPr sz="1056" kern="1200">
           <a:solidFill>
             <a:schemeClr val="tx1"/>
           </a:solidFill>
@@ -3168,16 +3605,16 @@
           <a:cs typeface="+mn-cs"/>
         </a:defRPr>
       </a:lvl7pPr>
-      <a:lvl8pPr marL="3429000" indent="-228600" algn="l" defTabSz="914400" rtl="0" eaLnBrk="1" latinLnBrk="0" hangingPunct="1">
+      <a:lvl8pPr marL="2011451" indent="-134097" algn="l" defTabSz="536387" rtl="0" eaLnBrk="1" latinLnBrk="0" hangingPunct="1">
         <a:lnSpc>
           <a:spcPct val="90000"/>
         </a:lnSpc>
         <a:spcBef>
-          <a:spcPts val="500"/>
+          <a:spcPts val="293"/>
         </a:spcBef>
         <a:buFont typeface="Arial" panose="020B0604020202020204" pitchFamily="34" charset="0"/>
         <a:buChar char="•"/>
-        <a:defRPr sz="1800" kern="1200">
+        <a:defRPr sz="1056" kern="1200">
           <a:solidFill>
             <a:schemeClr val="tx1"/>
           </a:solidFill>
@@ -3186,16 +3623,16 @@
           <a:cs typeface="+mn-cs"/>
         </a:defRPr>
       </a:lvl8pPr>
-      <a:lvl9pPr marL="3886200" indent="-228600" algn="l" defTabSz="914400" rtl="0" eaLnBrk="1" latinLnBrk="0" hangingPunct="1">
+      <a:lvl9pPr marL="2279645" indent="-134097" algn="l" defTabSz="536387" rtl="0" eaLnBrk="1" latinLnBrk="0" hangingPunct="1">
         <a:lnSpc>
           <a:spcPct val="90000"/>
         </a:lnSpc>
         <a:spcBef>
-          <a:spcPts val="500"/>
+          <a:spcPts val="293"/>
         </a:spcBef>
         <a:buFont typeface="Arial" panose="020B0604020202020204" pitchFamily="34" charset="0"/>
         <a:buChar char="•"/>
-        <a:defRPr sz="1800" kern="1200">
+        <a:defRPr sz="1056" kern="1200">
           <a:solidFill>
             <a:schemeClr val="tx1"/>
           </a:solidFill>
@@ -3209,8 +3646,8 @@
       <a:defPPr>
         <a:defRPr lang="en-US"/>
       </a:defPPr>
-      <a:lvl1pPr marL="0" algn="l" defTabSz="914400" rtl="0" eaLnBrk="1" latinLnBrk="0" hangingPunct="1">
-        <a:defRPr sz="1800" kern="1200">
+      <a:lvl1pPr marL="0" algn="l" defTabSz="536387" rtl="0" eaLnBrk="1" latinLnBrk="0" hangingPunct="1">
+        <a:defRPr sz="1056" kern="1200">
           <a:solidFill>
             <a:schemeClr val="tx1"/>
           </a:solidFill>
@@ -3219,8 +3656,8 @@
           <a:cs typeface="+mn-cs"/>
         </a:defRPr>
       </a:lvl1pPr>
-      <a:lvl2pPr marL="457200" algn="l" defTabSz="914400" rtl="0" eaLnBrk="1" latinLnBrk="0" hangingPunct="1">
-        <a:defRPr sz="1800" kern="1200">
+      <a:lvl2pPr marL="268194" algn="l" defTabSz="536387" rtl="0" eaLnBrk="1" latinLnBrk="0" hangingPunct="1">
+        <a:defRPr sz="1056" kern="1200">
           <a:solidFill>
             <a:schemeClr val="tx1"/>
           </a:solidFill>
@@ -3229,8 +3666,8 @@
           <a:cs typeface="+mn-cs"/>
         </a:defRPr>
       </a:lvl2pPr>
-      <a:lvl3pPr marL="914400" algn="l" defTabSz="914400" rtl="0" eaLnBrk="1" latinLnBrk="0" hangingPunct="1">
-        <a:defRPr sz="1800" kern="1200">
+      <a:lvl3pPr marL="536387" algn="l" defTabSz="536387" rtl="0" eaLnBrk="1" latinLnBrk="0" hangingPunct="1">
+        <a:defRPr sz="1056" kern="1200">
           <a:solidFill>
             <a:schemeClr val="tx1"/>
           </a:solidFill>
@@ -3239,8 +3676,8 @@
           <a:cs typeface="+mn-cs"/>
         </a:defRPr>
       </a:lvl3pPr>
-      <a:lvl4pPr marL="1371600" algn="l" defTabSz="914400" rtl="0" eaLnBrk="1" latinLnBrk="0" hangingPunct="1">
-        <a:defRPr sz="1800" kern="1200">
+      <a:lvl4pPr marL="804581" algn="l" defTabSz="536387" rtl="0" eaLnBrk="1" latinLnBrk="0" hangingPunct="1">
+        <a:defRPr sz="1056" kern="1200">
           <a:solidFill>
             <a:schemeClr val="tx1"/>
           </a:solidFill>
@@ -3249,8 +3686,8 @@
           <a:cs typeface="+mn-cs"/>
         </a:defRPr>
       </a:lvl4pPr>
-      <a:lvl5pPr marL="1828800" algn="l" defTabSz="914400" rtl="0" eaLnBrk="1" latinLnBrk="0" hangingPunct="1">
-        <a:defRPr sz="1800" kern="1200">
+      <a:lvl5pPr marL="1072774" algn="l" defTabSz="536387" rtl="0" eaLnBrk="1" latinLnBrk="0" hangingPunct="1">
+        <a:defRPr sz="1056" kern="1200">
           <a:solidFill>
             <a:schemeClr val="tx1"/>
           </a:solidFill>
@@ -3259,8 +3696,8 @@
           <a:cs typeface="+mn-cs"/>
         </a:defRPr>
       </a:lvl5pPr>
-      <a:lvl6pPr marL="2286000" algn="l" defTabSz="914400" rtl="0" eaLnBrk="1" latinLnBrk="0" hangingPunct="1">
-        <a:defRPr sz="1800" kern="1200">
+      <a:lvl6pPr marL="1340968" algn="l" defTabSz="536387" rtl="0" eaLnBrk="1" latinLnBrk="0" hangingPunct="1">
+        <a:defRPr sz="1056" kern="1200">
           <a:solidFill>
             <a:schemeClr val="tx1"/>
           </a:solidFill>
@@ -3269,8 +3706,8 @@
           <a:cs typeface="+mn-cs"/>
         </a:defRPr>
       </a:lvl6pPr>
-      <a:lvl7pPr marL="2743200" algn="l" defTabSz="914400" rtl="0" eaLnBrk="1" latinLnBrk="0" hangingPunct="1">
-        <a:defRPr sz="1800" kern="1200">
+      <a:lvl7pPr marL="1609161" algn="l" defTabSz="536387" rtl="0" eaLnBrk="1" latinLnBrk="0" hangingPunct="1">
+        <a:defRPr sz="1056" kern="1200">
           <a:solidFill>
             <a:schemeClr val="tx1"/>
           </a:solidFill>
@@ -3279,8 +3716,8 @@
           <a:cs typeface="+mn-cs"/>
         </a:defRPr>
       </a:lvl7pPr>
-      <a:lvl8pPr marL="3200400" algn="l" defTabSz="914400" rtl="0" eaLnBrk="1" latinLnBrk="0" hangingPunct="1">
-        <a:defRPr sz="1800" kern="1200">
+      <a:lvl8pPr marL="1877355" algn="l" defTabSz="536387" rtl="0" eaLnBrk="1" latinLnBrk="0" hangingPunct="1">
+        <a:defRPr sz="1056" kern="1200">
           <a:solidFill>
             <a:schemeClr val="tx1"/>
           </a:solidFill>
@@ -3289,8 +3726,8 @@
           <a:cs typeface="+mn-cs"/>
         </a:defRPr>
       </a:lvl8pPr>
-      <a:lvl9pPr marL="3657600" algn="l" defTabSz="914400" rtl="0" eaLnBrk="1" latinLnBrk="0" hangingPunct="1">
-        <a:defRPr sz="1800" kern="1200">
+      <a:lvl9pPr marL="2145548" algn="l" defTabSz="536387" rtl="0" eaLnBrk="1" latinLnBrk="0" hangingPunct="1">
+        <a:defRPr sz="1056" kern="1200">
           <a:solidFill>
             <a:schemeClr val="tx1"/>
           </a:solidFill>
@@ -3321,624 +3758,645 @@
           <a:chExt cx="0" cy="0"/>
         </a:xfrm>
       </p:grpSpPr>
-      <p:pic>
-        <p:nvPicPr>
-          <p:cNvPr id="5" name="Picture 4">
+      <p:grpSp>
+        <p:nvGrpSpPr>
+          <p:cNvPr id="2" name="Group 1">
             <a:extLst>
               <a:ext uri="{FF2B5EF4-FFF2-40B4-BE49-F238E27FC236}">
-                <a16:creationId xmlns:a16="http://schemas.microsoft.com/office/drawing/2014/main" id="{A42B57DE-A815-1D66-004D-20DA6F93E3A9}"/>
+                <a16:creationId xmlns:a16="http://schemas.microsoft.com/office/drawing/2014/main" id="{AC099D96-47FB-165A-73CC-B480D9D2A39E}"/>
               </a:ext>
             </a:extLst>
           </p:cNvPr>
-          <p:cNvPicPr>
-            <a:picLocks noChangeAspect="1"/>
-          </p:cNvPicPr>
+          <p:cNvGrpSpPr/>
           <p:nvPr/>
-        </p:nvPicPr>
-        <p:blipFill>
-          <a:blip r:embed="rId2"/>
-          <a:stretch>
-            <a:fillRect/>
-          </a:stretch>
-        </p:blipFill>
-        <p:spPr>
+        </p:nvGrpSpPr>
+        <p:grpSpPr>
           <a:xfrm>
-            <a:off x="0" y="-4765"/>
-            <a:ext cx="11050859" cy="6862765"/>
+            <a:off x="-819429" y="-1582948"/>
+            <a:ext cx="11431239" cy="6544732"/>
+            <a:chOff x="0" y="-45708"/>
+            <a:chExt cx="11050859" cy="6903708"/>
           </a:xfrm>
-          <a:prstGeom prst="rect">
-            <a:avLst/>
-          </a:prstGeom>
-        </p:spPr>
-      </p:pic>
-      <p:pic>
-        <p:nvPicPr>
-          <p:cNvPr id="7" name="Picture 6">
-            <a:extLst>
-              <a:ext uri="{FF2B5EF4-FFF2-40B4-BE49-F238E27FC236}">
-                <a16:creationId xmlns:a16="http://schemas.microsoft.com/office/drawing/2014/main" id="{6C06A8B8-AFBB-B0B1-5DC8-1FE96CE0BA25}"/>
-              </a:ext>
-            </a:extLst>
-          </p:cNvPr>
-          <p:cNvPicPr>
-            <a:picLocks noChangeAspect="1"/>
-          </p:cNvPicPr>
-          <p:nvPr/>
-        </p:nvPicPr>
-        <p:blipFill>
-          <a:blip r:embed="rId3"/>
-          <a:stretch>
-            <a:fillRect/>
-          </a:stretch>
-        </p:blipFill>
-        <p:spPr>
-          <a:xfrm>
-            <a:off x="8541834" y="106747"/>
-            <a:ext cx="2408664" cy="2951248"/>
-          </a:xfrm>
-          <a:prstGeom prst="rect">
-            <a:avLst/>
-          </a:prstGeom>
-          <a:ln w="25400">
-            <a:solidFill>
+        </p:grpSpPr>
+        <p:pic>
+          <p:nvPicPr>
+            <p:cNvPr id="5" name="Picture 4">
+              <a:extLst>
+                <a:ext uri="{FF2B5EF4-FFF2-40B4-BE49-F238E27FC236}">
+                  <a16:creationId xmlns:a16="http://schemas.microsoft.com/office/drawing/2014/main" id="{A42B57DE-A815-1D66-004D-20DA6F93E3A9}"/>
+                </a:ext>
+              </a:extLst>
+            </p:cNvPr>
+            <p:cNvPicPr>
+              <a:picLocks noChangeAspect="1"/>
+            </p:cNvPicPr>
+            <p:nvPr/>
+          </p:nvPicPr>
+          <p:blipFill>
+            <a:blip r:embed="rId2"/>
+            <a:stretch>
+              <a:fillRect/>
+            </a:stretch>
+          </p:blipFill>
+          <p:spPr>
+            <a:xfrm>
+              <a:off x="0" y="-4765"/>
+              <a:ext cx="11050859" cy="6862765"/>
+            </a:xfrm>
+            <a:prstGeom prst="rect">
+              <a:avLst/>
+            </a:prstGeom>
+          </p:spPr>
+        </p:pic>
+        <p:pic>
+          <p:nvPicPr>
+            <p:cNvPr id="7" name="Picture 6">
+              <a:extLst>
+                <a:ext uri="{FF2B5EF4-FFF2-40B4-BE49-F238E27FC236}">
+                  <a16:creationId xmlns:a16="http://schemas.microsoft.com/office/drawing/2014/main" id="{6C06A8B8-AFBB-B0B1-5DC8-1FE96CE0BA25}"/>
+                </a:ext>
+              </a:extLst>
+            </p:cNvPr>
+            <p:cNvPicPr>
+              <a:picLocks noChangeAspect="1"/>
+            </p:cNvPicPr>
+            <p:nvPr/>
+          </p:nvPicPr>
+          <p:blipFill>
+            <a:blip r:embed="rId3"/>
+            <a:stretch>
+              <a:fillRect/>
+            </a:stretch>
+          </p:blipFill>
+          <p:spPr>
+            <a:xfrm>
+              <a:off x="8541834" y="106747"/>
+              <a:ext cx="2408664" cy="2951248"/>
+            </a:xfrm>
+            <a:prstGeom prst="rect">
+              <a:avLst/>
+            </a:prstGeom>
+            <a:ln w="25400">
+              <a:solidFill>
+                <a:schemeClr val="tx1"/>
+              </a:solidFill>
+            </a:ln>
+          </p:spPr>
+        </p:pic>
+        <p:cxnSp>
+          <p:nvCxnSpPr>
+            <p:cNvPr id="9" name="Straight Arrow Connector 8">
+              <a:extLst>
+                <a:ext uri="{FF2B5EF4-FFF2-40B4-BE49-F238E27FC236}">
+                  <a16:creationId xmlns:a16="http://schemas.microsoft.com/office/drawing/2014/main" id="{1F34A666-3D55-BEA0-0AC2-E81861BBAF14}"/>
+                </a:ext>
+              </a:extLst>
+            </p:cNvPr>
+            <p:cNvCxnSpPr>
+              <a:cxnSpLocks/>
+            </p:cNvCxnSpPr>
+            <p:nvPr/>
+          </p:nvCxnSpPr>
+          <p:spPr>
+            <a:xfrm>
+              <a:off x="1315844" y="3702205"/>
+              <a:ext cx="702527" cy="802888"/>
+            </a:xfrm>
+            <a:prstGeom prst="straightConnector1">
+              <a:avLst/>
+            </a:prstGeom>
+            <a:ln w="50800">
+              <a:tailEnd type="triangle"/>
+            </a:ln>
+          </p:spPr>
+          <p:style>
+            <a:lnRef idx="2">
+              <a:schemeClr val="dk1"/>
+            </a:lnRef>
+            <a:fillRef idx="0">
+              <a:schemeClr val="dk1"/>
+            </a:fillRef>
+            <a:effectRef idx="1">
+              <a:schemeClr val="dk1"/>
+            </a:effectRef>
+            <a:fontRef idx="minor">
               <a:schemeClr val="tx1"/>
-            </a:solidFill>
-          </a:ln>
-        </p:spPr>
-      </p:pic>
-      <p:cxnSp>
-        <p:nvCxnSpPr>
-          <p:cNvPr id="9" name="Straight Arrow Connector 8">
-            <a:extLst>
-              <a:ext uri="{FF2B5EF4-FFF2-40B4-BE49-F238E27FC236}">
-                <a16:creationId xmlns:a16="http://schemas.microsoft.com/office/drawing/2014/main" id="{1F34A666-3D55-BEA0-0AC2-E81861BBAF14}"/>
-              </a:ext>
-            </a:extLst>
-          </p:cNvPr>
-          <p:cNvCxnSpPr>
-            <a:cxnSpLocks/>
-          </p:cNvCxnSpPr>
-          <p:nvPr/>
-        </p:nvCxnSpPr>
-        <p:spPr>
-          <a:xfrm>
-            <a:off x="1315844" y="3702205"/>
-            <a:ext cx="702527" cy="802888"/>
-          </a:xfrm>
-          <a:prstGeom prst="straightConnector1">
-            <a:avLst/>
-          </a:prstGeom>
-          <a:ln w="50800">
-            <a:tailEnd type="triangle"/>
-          </a:ln>
-        </p:spPr>
-        <p:style>
-          <a:lnRef idx="2">
-            <a:schemeClr val="dk1"/>
-          </a:lnRef>
-          <a:fillRef idx="0">
-            <a:schemeClr val="dk1"/>
-          </a:fillRef>
-          <a:effectRef idx="1">
-            <a:schemeClr val="dk1"/>
-          </a:effectRef>
-          <a:fontRef idx="minor">
-            <a:schemeClr val="tx1"/>
-          </a:fontRef>
-        </p:style>
-      </p:cxnSp>
-      <p:sp>
-        <p:nvSpPr>
-          <p:cNvPr id="11" name="TextBox 10">
-            <a:extLst>
-              <a:ext uri="{FF2B5EF4-FFF2-40B4-BE49-F238E27FC236}">
-                <a16:creationId xmlns:a16="http://schemas.microsoft.com/office/drawing/2014/main" id="{6CDDFB1C-A567-111E-76FA-9D9ABF87E965}"/>
-              </a:ext>
-            </a:extLst>
-          </p:cNvPr>
-          <p:cNvSpPr txBox="1"/>
-          <p:nvPr/>
-        </p:nvSpPr>
-        <p:spPr>
-          <a:xfrm>
-            <a:off x="366131" y="2821258"/>
-            <a:ext cx="1750741" cy="1015663"/>
-          </a:xfrm>
-          <a:prstGeom prst="rect">
-            <a:avLst/>
-          </a:prstGeom>
-          <a:noFill/>
-        </p:spPr>
-        <p:txBody>
-          <a:bodyPr wrap="square" rtlCol="0">
-            <a:spAutoFit/>
-          </a:bodyPr>
-          <a:lstStyle/>
-          <a:p>
-            <a:r>
-              <a:rPr lang="en-US" sz="3000" b="1" dirty="0">
-                <a:latin typeface="Times New Roman" panose="02020603050405020304" pitchFamily="18" charset="0"/>
-                <a:cs typeface="Times New Roman" panose="02020603050405020304" pitchFamily="18" charset="0"/>
-              </a:rPr>
-              <a:t>Hudson Mills</a:t>
-            </a:r>
-          </a:p>
-        </p:txBody>
-      </p:sp>
-      <p:sp>
-        <p:nvSpPr>
-          <p:cNvPr id="14" name="TextBox 13">
-            <a:extLst>
-              <a:ext uri="{FF2B5EF4-FFF2-40B4-BE49-F238E27FC236}">
-                <a16:creationId xmlns:a16="http://schemas.microsoft.com/office/drawing/2014/main" id="{BFCC593E-BA4C-54CD-0246-54F219BAF22F}"/>
-              </a:ext>
-            </a:extLst>
-          </p:cNvPr>
-          <p:cNvSpPr txBox="1"/>
-          <p:nvPr/>
-        </p:nvSpPr>
-        <p:spPr>
-          <a:xfrm>
-            <a:off x="3334215" y="4181708"/>
-            <a:ext cx="1449658" cy="1015663"/>
-          </a:xfrm>
-          <a:prstGeom prst="rect">
-            <a:avLst/>
-          </a:prstGeom>
-          <a:noFill/>
-        </p:spPr>
-        <p:txBody>
-          <a:bodyPr wrap="square" rtlCol="0">
-            <a:spAutoFit/>
-          </a:bodyPr>
-          <a:lstStyle/>
-          <a:p>
-            <a:r>
-              <a:rPr lang="en-US" sz="3000" b="1" dirty="0">
-                <a:latin typeface="Times New Roman" panose="02020603050405020304" pitchFamily="18" charset="0"/>
-                <a:cs typeface="Times New Roman" panose="02020603050405020304" pitchFamily="18" charset="0"/>
-              </a:rPr>
-              <a:t>Island Lake</a:t>
-            </a:r>
-          </a:p>
-        </p:txBody>
-      </p:sp>
-      <p:cxnSp>
-        <p:nvCxnSpPr>
-          <p:cNvPr id="15" name="Straight Arrow Connector 14">
-            <a:extLst>
-              <a:ext uri="{FF2B5EF4-FFF2-40B4-BE49-F238E27FC236}">
-                <a16:creationId xmlns:a16="http://schemas.microsoft.com/office/drawing/2014/main" id="{1553DF0B-3453-0D8F-382F-83F0B963AEFD}"/>
-              </a:ext>
-            </a:extLst>
-          </p:cNvPr>
-          <p:cNvCxnSpPr>
-            <a:cxnSpLocks/>
-          </p:cNvCxnSpPr>
-          <p:nvPr/>
-        </p:nvCxnSpPr>
-        <p:spPr>
-          <a:xfrm flipH="1" flipV="1">
-            <a:off x="3546088" y="3454358"/>
-            <a:ext cx="100361" cy="794257"/>
-          </a:xfrm>
-          <a:prstGeom prst="straightConnector1">
-            <a:avLst/>
-          </a:prstGeom>
-          <a:ln w="50800">
-            <a:tailEnd type="triangle"/>
-          </a:ln>
-        </p:spPr>
-        <p:style>
-          <a:lnRef idx="2">
-            <a:schemeClr val="dk1"/>
-          </a:lnRef>
-          <a:fillRef idx="0">
-            <a:schemeClr val="dk1"/>
-          </a:fillRef>
-          <a:effectRef idx="1">
-            <a:schemeClr val="dk1"/>
-          </a:effectRef>
-          <a:fontRef idx="minor">
-            <a:schemeClr val="tx1"/>
-          </a:fontRef>
-        </p:style>
-      </p:cxnSp>
-      <p:sp>
-        <p:nvSpPr>
-          <p:cNvPr id="19" name="TextBox 18">
-            <a:extLst>
-              <a:ext uri="{FF2B5EF4-FFF2-40B4-BE49-F238E27FC236}">
-                <a16:creationId xmlns:a16="http://schemas.microsoft.com/office/drawing/2014/main" id="{7064B755-4784-6631-4AFE-E8995F39F4E4}"/>
-              </a:ext>
-            </a:extLst>
-          </p:cNvPr>
-          <p:cNvSpPr txBox="1"/>
-          <p:nvPr/>
-        </p:nvSpPr>
-        <p:spPr>
-          <a:xfrm>
-            <a:off x="931127" y="2233921"/>
-            <a:ext cx="2174488" cy="553998"/>
-          </a:xfrm>
-          <a:prstGeom prst="rect">
-            <a:avLst/>
-          </a:prstGeom>
-          <a:noFill/>
-        </p:spPr>
-        <p:txBody>
-          <a:bodyPr wrap="square" rtlCol="0">
-            <a:spAutoFit/>
-          </a:bodyPr>
-          <a:lstStyle/>
-          <a:p>
-            <a:r>
-              <a:rPr lang="en-US" sz="3000" b="1" dirty="0">
-                <a:latin typeface="Times New Roman" panose="02020603050405020304" pitchFamily="18" charset="0"/>
-                <a:cs typeface="Times New Roman" panose="02020603050405020304" pitchFamily="18" charset="0"/>
-              </a:rPr>
-              <a:t>Kensington</a:t>
-            </a:r>
-          </a:p>
-        </p:txBody>
-      </p:sp>
-      <p:cxnSp>
-        <p:nvCxnSpPr>
-          <p:cNvPr id="20" name="Straight Arrow Connector 19">
-            <a:extLst>
-              <a:ext uri="{FF2B5EF4-FFF2-40B4-BE49-F238E27FC236}">
-                <a16:creationId xmlns:a16="http://schemas.microsoft.com/office/drawing/2014/main" id="{96F826EB-D06C-EDFA-0EAD-92D38BFCB5F6}"/>
-              </a:ext>
-            </a:extLst>
-          </p:cNvPr>
-          <p:cNvCxnSpPr>
-            <a:cxnSpLocks/>
-          </p:cNvCxnSpPr>
-          <p:nvPr/>
-        </p:nvCxnSpPr>
-        <p:spPr>
-          <a:xfrm>
-            <a:off x="2968084" y="2657784"/>
-            <a:ext cx="824260" cy="328675"/>
-          </a:xfrm>
-          <a:prstGeom prst="straightConnector1">
-            <a:avLst/>
-          </a:prstGeom>
-          <a:ln w="50800">
-            <a:tailEnd type="triangle"/>
-          </a:ln>
-        </p:spPr>
-        <p:style>
-          <a:lnRef idx="2">
-            <a:schemeClr val="dk1"/>
-          </a:lnRef>
-          <a:fillRef idx="0">
-            <a:schemeClr val="dk1"/>
-          </a:fillRef>
-          <a:effectRef idx="1">
-            <a:schemeClr val="dk1"/>
-          </a:effectRef>
-          <a:fontRef idx="minor">
-            <a:schemeClr val="tx1"/>
-          </a:fontRef>
-        </p:style>
-      </p:cxnSp>
-      <p:sp>
-        <p:nvSpPr>
-          <p:cNvPr id="23" name="TextBox 22">
-            <a:extLst>
-              <a:ext uri="{FF2B5EF4-FFF2-40B4-BE49-F238E27FC236}">
-                <a16:creationId xmlns:a16="http://schemas.microsoft.com/office/drawing/2014/main" id="{F0335693-56D3-00F7-A233-E55618DAC06C}"/>
-              </a:ext>
-            </a:extLst>
-          </p:cNvPr>
-          <p:cNvSpPr txBox="1"/>
-          <p:nvPr/>
-        </p:nvSpPr>
-        <p:spPr>
-          <a:xfrm>
-            <a:off x="4763431" y="3246786"/>
-            <a:ext cx="1332570" cy="1015663"/>
-          </a:xfrm>
-          <a:prstGeom prst="rect">
-            <a:avLst/>
-          </a:prstGeom>
-          <a:noFill/>
-        </p:spPr>
-        <p:txBody>
-          <a:bodyPr wrap="square" rtlCol="0">
-            <a:spAutoFit/>
-          </a:bodyPr>
-          <a:lstStyle/>
-          <a:p>
-            <a:r>
-              <a:rPr lang="en-US" sz="3000" b="1" dirty="0">
-                <a:latin typeface="Times New Roman" panose="02020603050405020304" pitchFamily="18" charset="0"/>
-                <a:cs typeface="Times New Roman" panose="02020603050405020304" pitchFamily="18" charset="0"/>
-              </a:rPr>
-              <a:t>Proud Lake</a:t>
-            </a:r>
-          </a:p>
-        </p:txBody>
-      </p:sp>
-      <p:cxnSp>
-        <p:nvCxnSpPr>
-          <p:cNvPr id="24" name="Straight Arrow Connector 23">
-            <a:extLst>
-              <a:ext uri="{FF2B5EF4-FFF2-40B4-BE49-F238E27FC236}">
-                <a16:creationId xmlns:a16="http://schemas.microsoft.com/office/drawing/2014/main" id="{CF78640A-DDCD-B72C-6079-122FDAE07E2B}"/>
-              </a:ext>
-            </a:extLst>
-          </p:cNvPr>
-          <p:cNvCxnSpPr>
-            <a:cxnSpLocks/>
-          </p:cNvCxnSpPr>
-          <p:nvPr/>
-        </p:nvCxnSpPr>
-        <p:spPr>
-          <a:xfrm flipH="1" flipV="1">
-            <a:off x="4909326" y="2657784"/>
-            <a:ext cx="166339" cy="589002"/>
-          </a:xfrm>
-          <a:prstGeom prst="straightConnector1">
-            <a:avLst/>
-          </a:prstGeom>
-          <a:ln w="50800">
-            <a:tailEnd type="triangle"/>
-          </a:ln>
-        </p:spPr>
-        <p:style>
-          <a:lnRef idx="2">
-            <a:schemeClr val="dk1"/>
-          </a:lnRef>
-          <a:fillRef idx="0">
-            <a:schemeClr val="dk1"/>
-          </a:fillRef>
-          <a:effectRef idx="1">
-            <a:schemeClr val="dk1"/>
-          </a:effectRef>
-          <a:fontRef idx="minor">
-            <a:schemeClr val="tx1"/>
-          </a:fontRef>
-        </p:style>
-      </p:cxnSp>
-      <p:sp>
-        <p:nvSpPr>
-          <p:cNvPr id="28" name="TextBox 27">
-            <a:extLst>
-              <a:ext uri="{FF2B5EF4-FFF2-40B4-BE49-F238E27FC236}">
-                <a16:creationId xmlns:a16="http://schemas.microsoft.com/office/drawing/2014/main" id="{6AC613DE-7E7B-904A-53A0-955196EF20B5}"/>
-              </a:ext>
-            </a:extLst>
-          </p:cNvPr>
-          <p:cNvSpPr txBox="1"/>
-          <p:nvPr/>
-        </p:nvSpPr>
-        <p:spPr>
-          <a:xfrm>
-            <a:off x="1895707" y="1100118"/>
-            <a:ext cx="1803709" cy="553998"/>
-          </a:xfrm>
-          <a:prstGeom prst="rect">
-            <a:avLst/>
-          </a:prstGeom>
-          <a:noFill/>
-        </p:spPr>
-        <p:txBody>
-          <a:bodyPr wrap="square" rtlCol="0">
-            <a:spAutoFit/>
-          </a:bodyPr>
-          <a:lstStyle/>
-          <a:p>
-            <a:r>
-              <a:rPr lang="en-US" sz="3000" b="1" dirty="0">
-                <a:latin typeface="Times New Roman" panose="02020603050405020304" pitchFamily="18" charset="0"/>
-                <a:cs typeface="Times New Roman" panose="02020603050405020304" pitchFamily="18" charset="0"/>
-              </a:rPr>
-              <a:t>Highland</a:t>
-            </a:r>
-          </a:p>
-        </p:txBody>
-      </p:sp>
-      <p:cxnSp>
-        <p:nvCxnSpPr>
-          <p:cNvPr id="29" name="Straight Arrow Connector 28">
-            <a:extLst>
-              <a:ext uri="{FF2B5EF4-FFF2-40B4-BE49-F238E27FC236}">
-                <a16:creationId xmlns:a16="http://schemas.microsoft.com/office/drawing/2014/main" id="{C9D29076-81D6-85C2-A67F-07349C01EEE0}"/>
-              </a:ext>
-            </a:extLst>
-          </p:cNvPr>
-          <p:cNvCxnSpPr>
-            <a:cxnSpLocks/>
-          </p:cNvCxnSpPr>
-          <p:nvPr/>
-        </p:nvCxnSpPr>
-        <p:spPr>
-          <a:xfrm>
-            <a:off x="3568390" y="1582371"/>
-            <a:ext cx="959005" cy="250073"/>
-          </a:xfrm>
-          <a:prstGeom prst="straightConnector1">
-            <a:avLst/>
-          </a:prstGeom>
-          <a:ln w="50800">
-            <a:tailEnd type="triangle"/>
-          </a:ln>
-        </p:spPr>
-        <p:style>
-          <a:lnRef idx="2">
-            <a:schemeClr val="dk1"/>
-          </a:lnRef>
-          <a:fillRef idx="0">
-            <a:schemeClr val="dk1"/>
-          </a:fillRef>
-          <a:effectRef idx="1">
-            <a:schemeClr val="dk1"/>
-          </a:effectRef>
-          <a:fontRef idx="minor">
-            <a:schemeClr val="tx1"/>
-          </a:fontRef>
-        </p:style>
-      </p:cxnSp>
-      <p:sp>
-        <p:nvSpPr>
-          <p:cNvPr id="35" name="TextBox 34">
-            <a:extLst>
-              <a:ext uri="{FF2B5EF4-FFF2-40B4-BE49-F238E27FC236}">
-                <a16:creationId xmlns:a16="http://schemas.microsoft.com/office/drawing/2014/main" id="{CECCC7F3-51B6-9B1E-A972-8081A62B9118}"/>
-              </a:ext>
-            </a:extLst>
-          </p:cNvPr>
-          <p:cNvSpPr txBox="1"/>
-          <p:nvPr/>
-        </p:nvSpPr>
-        <p:spPr>
-          <a:xfrm>
-            <a:off x="5504986" y="1970796"/>
-            <a:ext cx="1531433" cy="1015663"/>
-          </a:xfrm>
-          <a:prstGeom prst="rect">
-            <a:avLst/>
-          </a:prstGeom>
-          <a:noFill/>
-        </p:spPr>
-        <p:txBody>
-          <a:bodyPr wrap="square" rtlCol="0">
-            <a:spAutoFit/>
-          </a:bodyPr>
-          <a:lstStyle/>
-          <a:p>
-            <a:r>
-              <a:rPr lang="en-US" sz="3000" b="1" dirty="0">
-                <a:latin typeface="Times New Roman" panose="02020603050405020304" pitchFamily="18" charset="0"/>
-                <a:cs typeface="Times New Roman" panose="02020603050405020304" pitchFamily="18" charset="0"/>
-              </a:rPr>
-              <a:t>Pontiac Lake</a:t>
-            </a:r>
-          </a:p>
-        </p:txBody>
-      </p:sp>
-      <p:cxnSp>
-        <p:nvCxnSpPr>
-          <p:cNvPr id="36" name="Straight Arrow Connector 35">
-            <a:extLst>
-              <a:ext uri="{FF2B5EF4-FFF2-40B4-BE49-F238E27FC236}">
-                <a16:creationId xmlns:a16="http://schemas.microsoft.com/office/drawing/2014/main" id="{44945958-4DED-0CCD-49C6-F78FD4D4E8A5}"/>
-              </a:ext>
-            </a:extLst>
-          </p:cNvPr>
-          <p:cNvCxnSpPr>
-            <a:cxnSpLocks/>
-          </p:cNvCxnSpPr>
-          <p:nvPr/>
-        </p:nvCxnSpPr>
-        <p:spPr>
-          <a:xfrm flipH="1" flipV="1">
-            <a:off x="5335858" y="1657274"/>
-            <a:ext cx="259265" cy="313522"/>
-          </a:xfrm>
-          <a:prstGeom prst="straightConnector1">
-            <a:avLst/>
-          </a:prstGeom>
-          <a:ln w="50800">
-            <a:tailEnd type="triangle"/>
-          </a:ln>
-        </p:spPr>
-        <p:style>
-          <a:lnRef idx="2">
-            <a:schemeClr val="dk1"/>
-          </a:lnRef>
-          <a:fillRef idx="0">
-            <a:schemeClr val="dk1"/>
-          </a:fillRef>
-          <a:effectRef idx="1">
-            <a:schemeClr val="dk1"/>
-          </a:effectRef>
-          <a:fontRef idx="minor">
-            <a:schemeClr val="tx1"/>
-          </a:fontRef>
-        </p:style>
-      </p:cxnSp>
-      <p:sp>
-        <p:nvSpPr>
-          <p:cNvPr id="38" name="TextBox 37">
-            <a:extLst>
-              <a:ext uri="{FF2B5EF4-FFF2-40B4-BE49-F238E27FC236}">
-                <a16:creationId xmlns:a16="http://schemas.microsoft.com/office/drawing/2014/main" id="{20A05D0D-F976-F97D-56EE-7648C270A3DE}"/>
-              </a:ext>
-            </a:extLst>
-          </p:cNvPr>
-          <p:cNvSpPr txBox="1"/>
-          <p:nvPr/>
-        </p:nvSpPr>
-        <p:spPr>
-          <a:xfrm>
-            <a:off x="3345829" y="-45708"/>
-            <a:ext cx="1476607" cy="1015663"/>
-          </a:xfrm>
-          <a:prstGeom prst="rect">
-            <a:avLst/>
-          </a:prstGeom>
-          <a:noFill/>
-        </p:spPr>
-        <p:txBody>
-          <a:bodyPr wrap="square" rtlCol="0">
-            <a:spAutoFit/>
-          </a:bodyPr>
-          <a:lstStyle/>
-          <a:p>
-            <a:r>
-              <a:rPr lang="en-US" sz="3000" b="1" dirty="0">
-                <a:latin typeface="Times New Roman" panose="02020603050405020304" pitchFamily="18" charset="0"/>
-                <a:cs typeface="Times New Roman" panose="02020603050405020304" pitchFamily="18" charset="0"/>
-              </a:rPr>
-              <a:t>Indian Springs</a:t>
-            </a:r>
-          </a:p>
-        </p:txBody>
-      </p:sp>
-      <p:cxnSp>
-        <p:nvCxnSpPr>
-          <p:cNvPr id="39" name="Straight Arrow Connector 38">
-            <a:extLst>
-              <a:ext uri="{FF2B5EF4-FFF2-40B4-BE49-F238E27FC236}">
-                <a16:creationId xmlns:a16="http://schemas.microsoft.com/office/drawing/2014/main" id="{6579175B-177C-45AA-EAAA-5779C579477B}"/>
-              </a:ext>
-            </a:extLst>
-          </p:cNvPr>
-          <p:cNvCxnSpPr>
-            <a:cxnSpLocks/>
-          </p:cNvCxnSpPr>
-          <p:nvPr/>
-        </p:nvCxnSpPr>
-        <p:spPr>
-          <a:xfrm>
-            <a:off x="4752509" y="847493"/>
-            <a:ext cx="323156" cy="382789"/>
-          </a:xfrm>
-          <a:prstGeom prst="straightConnector1">
-            <a:avLst/>
-          </a:prstGeom>
-          <a:ln w="50800">
-            <a:tailEnd type="triangle"/>
-          </a:ln>
-        </p:spPr>
-        <p:style>
-          <a:lnRef idx="2">
-            <a:schemeClr val="dk1"/>
-          </a:lnRef>
-          <a:fillRef idx="0">
-            <a:schemeClr val="dk1"/>
-          </a:fillRef>
-          <a:effectRef idx="1">
-            <a:schemeClr val="dk1"/>
-          </a:effectRef>
-          <a:fontRef idx="minor">
-            <a:schemeClr val="tx1"/>
-          </a:fontRef>
-        </p:style>
-      </p:cxnSp>
+            </a:fontRef>
+          </p:style>
+        </p:cxnSp>
+        <p:sp>
+          <p:nvSpPr>
+            <p:cNvPr id="11" name="TextBox 10">
+              <a:extLst>
+                <a:ext uri="{FF2B5EF4-FFF2-40B4-BE49-F238E27FC236}">
+                  <a16:creationId xmlns:a16="http://schemas.microsoft.com/office/drawing/2014/main" id="{6CDDFB1C-A567-111E-76FA-9D9ABF87E965}"/>
+                </a:ext>
+              </a:extLst>
+            </p:cNvPr>
+            <p:cNvSpPr txBox="1"/>
+            <p:nvPr/>
+          </p:nvSpPr>
+          <p:spPr>
+            <a:xfrm>
+              <a:off x="366131" y="2821258"/>
+              <a:ext cx="1750741" cy="1142812"/>
+            </a:xfrm>
+            <a:prstGeom prst="rect">
+              <a:avLst/>
+            </a:prstGeom>
+            <a:noFill/>
+          </p:spPr>
+          <p:txBody>
+            <a:bodyPr wrap="square" rtlCol="0">
+              <a:spAutoFit/>
+            </a:bodyPr>
+            <a:lstStyle/>
+            <a:p>
+              <a:r>
+                <a:rPr lang="en-US" sz="3103" b="1" dirty="0">
+                  <a:latin typeface="Times New Roman" panose="02020603050405020304" pitchFamily="18" charset="0"/>
+                  <a:cs typeface="Times New Roman" panose="02020603050405020304" pitchFamily="18" charset="0"/>
+                </a:rPr>
+                <a:t>Hudson Mills</a:t>
+              </a:r>
+            </a:p>
+          </p:txBody>
+        </p:sp>
+        <p:sp>
+          <p:nvSpPr>
+            <p:cNvPr id="14" name="TextBox 13">
+              <a:extLst>
+                <a:ext uri="{FF2B5EF4-FFF2-40B4-BE49-F238E27FC236}">
+                  <a16:creationId xmlns:a16="http://schemas.microsoft.com/office/drawing/2014/main" id="{BFCC593E-BA4C-54CD-0246-54F219BAF22F}"/>
+                </a:ext>
+              </a:extLst>
+            </p:cNvPr>
+            <p:cNvSpPr txBox="1"/>
+            <p:nvPr/>
+          </p:nvSpPr>
+          <p:spPr>
+            <a:xfrm>
+              <a:off x="3334215" y="4181709"/>
+              <a:ext cx="1449658" cy="1142812"/>
+            </a:xfrm>
+            <a:prstGeom prst="rect">
+              <a:avLst/>
+            </a:prstGeom>
+            <a:noFill/>
+          </p:spPr>
+          <p:txBody>
+            <a:bodyPr wrap="square" rtlCol="0">
+              <a:spAutoFit/>
+            </a:bodyPr>
+            <a:lstStyle/>
+            <a:p>
+              <a:r>
+                <a:rPr lang="en-US" sz="3103" b="1" dirty="0">
+                  <a:latin typeface="Times New Roman" panose="02020603050405020304" pitchFamily="18" charset="0"/>
+                  <a:cs typeface="Times New Roman" panose="02020603050405020304" pitchFamily="18" charset="0"/>
+                </a:rPr>
+                <a:t>Island Lake</a:t>
+              </a:r>
+            </a:p>
+          </p:txBody>
+        </p:sp>
+        <p:cxnSp>
+          <p:nvCxnSpPr>
+            <p:cNvPr id="15" name="Straight Arrow Connector 14">
+              <a:extLst>
+                <a:ext uri="{FF2B5EF4-FFF2-40B4-BE49-F238E27FC236}">
+                  <a16:creationId xmlns:a16="http://schemas.microsoft.com/office/drawing/2014/main" id="{1553DF0B-3453-0D8F-382F-83F0B963AEFD}"/>
+                </a:ext>
+              </a:extLst>
+            </p:cNvPr>
+            <p:cNvCxnSpPr>
+              <a:cxnSpLocks/>
+            </p:cNvCxnSpPr>
+            <p:nvPr/>
+          </p:nvCxnSpPr>
+          <p:spPr>
+            <a:xfrm flipH="1" flipV="1">
+              <a:off x="3546088" y="3454358"/>
+              <a:ext cx="100361" cy="794257"/>
+            </a:xfrm>
+            <a:prstGeom prst="straightConnector1">
+              <a:avLst/>
+            </a:prstGeom>
+            <a:ln w="50800">
+              <a:tailEnd type="triangle"/>
+            </a:ln>
+          </p:spPr>
+          <p:style>
+            <a:lnRef idx="2">
+              <a:schemeClr val="dk1"/>
+            </a:lnRef>
+            <a:fillRef idx="0">
+              <a:schemeClr val="dk1"/>
+            </a:fillRef>
+            <a:effectRef idx="1">
+              <a:schemeClr val="dk1"/>
+            </a:effectRef>
+            <a:fontRef idx="minor">
+              <a:schemeClr val="tx1"/>
+            </a:fontRef>
+          </p:style>
+        </p:cxnSp>
+        <p:sp>
+          <p:nvSpPr>
+            <p:cNvPr id="19" name="TextBox 18">
+              <a:extLst>
+                <a:ext uri="{FF2B5EF4-FFF2-40B4-BE49-F238E27FC236}">
+                  <a16:creationId xmlns:a16="http://schemas.microsoft.com/office/drawing/2014/main" id="{7064B755-4784-6631-4AFE-E8995F39F4E4}"/>
+                </a:ext>
+              </a:extLst>
+            </p:cNvPr>
+            <p:cNvSpPr txBox="1"/>
+            <p:nvPr/>
+          </p:nvSpPr>
+          <p:spPr>
+            <a:xfrm>
+              <a:off x="931127" y="2233921"/>
+              <a:ext cx="2174488" cy="621781"/>
+            </a:xfrm>
+            <a:prstGeom prst="rect">
+              <a:avLst/>
+            </a:prstGeom>
+            <a:noFill/>
+          </p:spPr>
+          <p:txBody>
+            <a:bodyPr wrap="square" rtlCol="0">
+              <a:spAutoFit/>
+            </a:bodyPr>
+            <a:lstStyle/>
+            <a:p>
+              <a:r>
+                <a:rPr lang="en-US" sz="3103" b="1" dirty="0">
+                  <a:latin typeface="Times New Roman" panose="02020603050405020304" pitchFamily="18" charset="0"/>
+                  <a:cs typeface="Times New Roman" panose="02020603050405020304" pitchFamily="18" charset="0"/>
+                </a:rPr>
+                <a:t>Kensington</a:t>
+              </a:r>
+            </a:p>
+          </p:txBody>
+        </p:sp>
+        <p:cxnSp>
+          <p:nvCxnSpPr>
+            <p:cNvPr id="20" name="Straight Arrow Connector 19">
+              <a:extLst>
+                <a:ext uri="{FF2B5EF4-FFF2-40B4-BE49-F238E27FC236}">
+                  <a16:creationId xmlns:a16="http://schemas.microsoft.com/office/drawing/2014/main" id="{96F826EB-D06C-EDFA-0EAD-92D38BFCB5F6}"/>
+                </a:ext>
+              </a:extLst>
+            </p:cNvPr>
+            <p:cNvCxnSpPr>
+              <a:cxnSpLocks/>
+            </p:cNvCxnSpPr>
+            <p:nvPr/>
+          </p:nvCxnSpPr>
+          <p:spPr>
+            <a:xfrm>
+              <a:off x="2968084" y="2657784"/>
+              <a:ext cx="824260" cy="328675"/>
+            </a:xfrm>
+            <a:prstGeom prst="straightConnector1">
+              <a:avLst/>
+            </a:prstGeom>
+            <a:ln w="50800">
+              <a:tailEnd type="triangle"/>
+            </a:ln>
+          </p:spPr>
+          <p:style>
+            <a:lnRef idx="2">
+              <a:schemeClr val="dk1"/>
+            </a:lnRef>
+            <a:fillRef idx="0">
+              <a:schemeClr val="dk1"/>
+            </a:fillRef>
+            <a:effectRef idx="1">
+              <a:schemeClr val="dk1"/>
+            </a:effectRef>
+            <a:fontRef idx="minor">
+              <a:schemeClr val="tx1"/>
+            </a:fontRef>
+          </p:style>
+        </p:cxnSp>
+        <p:sp>
+          <p:nvSpPr>
+            <p:cNvPr id="23" name="TextBox 22">
+              <a:extLst>
+                <a:ext uri="{FF2B5EF4-FFF2-40B4-BE49-F238E27FC236}">
+                  <a16:creationId xmlns:a16="http://schemas.microsoft.com/office/drawing/2014/main" id="{F0335693-56D3-00F7-A233-E55618DAC06C}"/>
+                </a:ext>
+              </a:extLst>
+            </p:cNvPr>
+            <p:cNvSpPr txBox="1"/>
+            <p:nvPr/>
+          </p:nvSpPr>
+          <p:spPr>
+            <a:xfrm>
+              <a:off x="4763431" y="3246787"/>
+              <a:ext cx="1332570" cy="1142812"/>
+            </a:xfrm>
+            <a:prstGeom prst="rect">
+              <a:avLst/>
+            </a:prstGeom>
+            <a:noFill/>
+          </p:spPr>
+          <p:txBody>
+            <a:bodyPr wrap="square" rtlCol="0">
+              <a:spAutoFit/>
+            </a:bodyPr>
+            <a:lstStyle/>
+            <a:p>
+              <a:r>
+                <a:rPr lang="en-US" sz="3103" b="1" dirty="0">
+                  <a:latin typeface="Times New Roman" panose="02020603050405020304" pitchFamily="18" charset="0"/>
+                  <a:cs typeface="Times New Roman" panose="02020603050405020304" pitchFamily="18" charset="0"/>
+                </a:rPr>
+                <a:t>Proud Lake</a:t>
+              </a:r>
+            </a:p>
+          </p:txBody>
+        </p:sp>
+        <p:cxnSp>
+          <p:nvCxnSpPr>
+            <p:cNvPr id="24" name="Straight Arrow Connector 23">
+              <a:extLst>
+                <a:ext uri="{FF2B5EF4-FFF2-40B4-BE49-F238E27FC236}">
+                  <a16:creationId xmlns:a16="http://schemas.microsoft.com/office/drawing/2014/main" id="{CF78640A-DDCD-B72C-6079-122FDAE07E2B}"/>
+                </a:ext>
+              </a:extLst>
+            </p:cNvPr>
+            <p:cNvCxnSpPr>
+              <a:cxnSpLocks/>
+            </p:cNvCxnSpPr>
+            <p:nvPr/>
+          </p:nvCxnSpPr>
+          <p:spPr>
+            <a:xfrm flipH="1" flipV="1">
+              <a:off x="4909326" y="2657784"/>
+              <a:ext cx="166339" cy="589002"/>
+            </a:xfrm>
+            <a:prstGeom prst="straightConnector1">
+              <a:avLst/>
+            </a:prstGeom>
+            <a:ln w="50800">
+              <a:tailEnd type="triangle"/>
+            </a:ln>
+          </p:spPr>
+          <p:style>
+            <a:lnRef idx="2">
+              <a:schemeClr val="dk1"/>
+            </a:lnRef>
+            <a:fillRef idx="0">
+              <a:schemeClr val="dk1"/>
+            </a:fillRef>
+            <a:effectRef idx="1">
+              <a:schemeClr val="dk1"/>
+            </a:effectRef>
+            <a:fontRef idx="minor">
+              <a:schemeClr val="tx1"/>
+            </a:fontRef>
+          </p:style>
+        </p:cxnSp>
+        <p:sp>
+          <p:nvSpPr>
+            <p:cNvPr id="28" name="TextBox 27">
+              <a:extLst>
+                <a:ext uri="{FF2B5EF4-FFF2-40B4-BE49-F238E27FC236}">
+                  <a16:creationId xmlns:a16="http://schemas.microsoft.com/office/drawing/2014/main" id="{6AC613DE-7E7B-904A-53A0-955196EF20B5}"/>
+                </a:ext>
+              </a:extLst>
+            </p:cNvPr>
+            <p:cNvSpPr txBox="1"/>
+            <p:nvPr/>
+          </p:nvSpPr>
+          <p:spPr>
+            <a:xfrm>
+              <a:off x="1895708" y="1100119"/>
+              <a:ext cx="1803709" cy="621781"/>
+            </a:xfrm>
+            <a:prstGeom prst="rect">
+              <a:avLst/>
+            </a:prstGeom>
+            <a:noFill/>
+          </p:spPr>
+          <p:txBody>
+            <a:bodyPr wrap="square" rtlCol="0">
+              <a:spAutoFit/>
+            </a:bodyPr>
+            <a:lstStyle/>
+            <a:p>
+              <a:r>
+                <a:rPr lang="en-US" sz="3103" b="1" dirty="0">
+                  <a:latin typeface="Times New Roman" panose="02020603050405020304" pitchFamily="18" charset="0"/>
+                  <a:cs typeface="Times New Roman" panose="02020603050405020304" pitchFamily="18" charset="0"/>
+                </a:rPr>
+                <a:t>Highland</a:t>
+              </a:r>
+            </a:p>
+          </p:txBody>
+        </p:sp>
+        <p:cxnSp>
+          <p:nvCxnSpPr>
+            <p:cNvPr id="29" name="Straight Arrow Connector 28">
+              <a:extLst>
+                <a:ext uri="{FF2B5EF4-FFF2-40B4-BE49-F238E27FC236}">
+                  <a16:creationId xmlns:a16="http://schemas.microsoft.com/office/drawing/2014/main" id="{C9D29076-81D6-85C2-A67F-07349C01EEE0}"/>
+                </a:ext>
+              </a:extLst>
+            </p:cNvPr>
+            <p:cNvCxnSpPr>
+              <a:cxnSpLocks/>
+            </p:cNvCxnSpPr>
+            <p:nvPr/>
+          </p:nvCxnSpPr>
+          <p:spPr>
+            <a:xfrm>
+              <a:off x="3568390" y="1582371"/>
+              <a:ext cx="959005" cy="250073"/>
+            </a:xfrm>
+            <a:prstGeom prst="straightConnector1">
+              <a:avLst/>
+            </a:prstGeom>
+            <a:ln w="50800">
+              <a:tailEnd type="triangle"/>
+            </a:ln>
+          </p:spPr>
+          <p:style>
+            <a:lnRef idx="2">
+              <a:schemeClr val="dk1"/>
+            </a:lnRef>
+            <a:fillRef idx="0">
+              <a:schemeClr val="dk1"/>
+            </a:fillRef>
+            <a:effectRef idx="1">
+              <a:schemeClr val="dk1"/>
+            </a:effectRef>
+            <a:fontRef idx="minor">
+              <a:schemeClr val="tx1"/>
+            </a:fontRef>
+          </p:style>
+        </p:cxnSp>
+        <p:sp>
+          <p:nvSpPr>
+            <p:cNvPr id="35" name="TextBox 34">
+              <a:extLst>
+                <a:ext uri="{FF2B5EF4-FFF2-40B4-BE49-F238E27FC236}">
+                  <a16:creationId xmlns:a16="http://schemas.microsoft.com/office/drawing/2014/main" id="{CECCC7F3-51B6-9B1E-A972-8081A62B9118}"/>
+                </a:ext>
+              </a:extLst>
+            </p:cNvPr>
+            <p:cNvSpPr txBox="1"/>
+            <p:nvPr/>
+          </p:nvSpPr>
+          <p:spPr>
+            <a:xfrm>
+              <a:off x="5504986" y="1970796"/>
+              <a:ext cx="1531433" cy="1142812"/>
+            </a:xfrm>
+            <a:prstGeom prst="rect">
+              <a:avLst/>
+            </a:prstGeom>
+            <a:noFill/>
+          </p:spPr>
+          <p:txBody>
+            <a:bodyPr wrap="square" rtlCol="0">
+              <a:spAutoFit/>
+            </a:bodyPr>
+            <a:lstStyle/>
+            <a:p>
+              <a:r>
+                <a:rPr lang="en-US" sz="3103" b="1" dirty="0">
+                  <a:latin typeface="Times New Roman" panose="02020603050405020304" pitchFamily="18" charset="0"/>
+                  <a:cs typeface="Times New Roman" panose="02020603050405020304" pitchFamily="18" charset="0"/>
+                </a:rPr>
+                <a:t>Pontiac Lake</a:t>
+              </a:r>
+            </a:p>
+          </p:txBody>
+        </p:sp>
+        <p:cxnSp>
+          <p:nvCxnSpPr>
+            <p:cNvPr id="36" name="Straight Arrow Connector 35">
+              <a:extLst>
+                <a:ext uri="{FF2B5EF4-FFF2-40B4-BE49-F238E27FC236}">
+                  <a16:creationId xmlns:a16="http://schemas.microsoft.com/office/drawing/2014/main" id="{44945958-4DED-0CCD-49C6-F78FD4D4E8A5}"/>
+                </a:ext>
+              </a:extLst>
+            </p:cNvPr>
+            <p:cNvCxnSpPr>
+              <a:cxnSpLocks/>
+            </p:cNvCxnSpPr>
+            <p:nvPr/>
+          </p:nvCxnSpPr>
+          <p:spPr>
+            <a:xfrm flipH="1" flipV="1">
+              <a:off x="5335858" y="1657274"/>
+              <a:ext cx="259265" cy="313522"/>
+            </a:xfrm>
+            <a:prstGeom prst="straightConnector1">
+              <a:avLst/>
+            </a:prstGeom>
+            <a:ln w="50800">
+              <a:tailEnd type="triangle"/>
+            </a:ln>
+          </p:spPr>
+          <p:style>
+            <a:lnRef idx="2">
+              <a:schemeClr val="dk1"/>
+            </a:lnRef>
+            <a:fillRef idx="0">
+              <a:schemeClr val="dk1"/>
+            </a:fillRef>
+            <a:effectRef idx="1">
+              <a:schemeClr val="dk1"/>
+            </a:effectRef>
+            <a:fontRef idx="minor">
+              <a:schemeClr val="tx1"/>
+            </a:fontRef>
+          </p:style>
+        </p:cxnSp>
+        <p:sp>
+          <p:nvSpPr>
+            <p:cNvPr id="38" name="TextBox 37">
+              <a:extLst>
+                <a:ext uri="{FF2B5EF4-FFF2-40B4-BE49-F238E27FC236}">
+                  <a16:creationId xmlns:a16="http://schemas.microsoft.com/office/drawing/2014/main" id="{20A05D0D-F976-F97D-56EE-7648C270A3DE}"/>
+                </a:ext>
+              </a:extLst>
+            </p:cNvPr>
+            <p:cNvSpPr txBox="1"/>
+            <p:nvPr/>
+          </p:nvSpPr>
+          <p:spPr>
+            <a:xfrm>
+              <a:off x="3345828" y="-45708"/>
+              <a:ext cx="1476606" cy="1142812"/>
+            </a:xfrm>
+            <a:prstGeom prst="rect">
+              <a:avLst/>
+            </a:prstGeom>
+            <a:noFill/>
+          </p:spPr>
+          <p:txBody>
+            <a:bodyPr wrap="square" rtlCol="0">
+              <a:spAutoFit/>
+            </a:bodyPr>
+            <a:lstStyle/>
+            <a:p>
+              <a:r>
+                <a:rPr lang="en-US" sz="3103" b="1" dirty="0">
+                  <a:latin typeface="Times New Roman" panose="02020603050405020304" pitchFamily="18" charset="0"/>
+                  <a:cs typeface="Times New Roman" panose="02020603050405020304" pitchFamily="18" charset="0"/>
+                </a:rPr>
+                <a:t>Indian Springs</a:t>
+              </a:r>
+            </a:p>
+          </p:txBody>
+        </p:sp>
+        <p:cxnSp>
+          <p:nvCxnSpPr>
+            <p:cNvPr id="39" name="Straight Arrow Connector 38">
+              <a:extLst>
+                <a:ext uri="{FF2B5EF4-FFF2-40B4-BE49-F238E27FC236}">
+                  <a16:creationId xmlns:a16="http://schemas.microsoft.com/office/drawing/2014/main" id="{6579175B-177C-45AA-EAAA-5779C579477B}"/>
+                </a:ext>
+              </a:extLst>
+            </p:cNvPr>
+            <p:cNvCxnSpPr>
+              <a:cxnSpLocks/>
+            </p:cNvCxnSpPr>
+            <p:nvPr/>
+          </p:nvCxnSpPr>
+          <p:spPr>
+            <a:xfrm>
+              <a:off x="4752509" y="847493"/>
+              <a:ext cx="323156" cy="382789"/>
+            </a:xfrm>
+            <a:prstGeom prst="straightConnector1">
+              <a:avLst/>
+            </a:prstGeom>
+            <a:ln w="50800">
+              <a:tailEnd type="triangle"/>
+            </a:ln>
+          </p:spPr>
+          <p:style>
+            <a:lnRef idx="2">
+              <a:schemeClr val="dk1"/>
+            </a:lnRef>
+            <a:fillRef idx="0">
+              <a:schemeClr val="dk1"/>
+            </a:fillRef>
+            <a:effectRef idx="1">
+              <a:schemeClr val="dk1"/>
+            </a:effectRef>
+            <a:fontRef idx="minor">
+              <a:schemeClr val="tx1"/>
+            </a:fontRef>
+          </p:style>
+        </p:cxnSp>
+      </p:grpSp>
     </p:spTree>
     <p:extLst>
       <p:ext uri="{BB962C8B-B14F-4D97-AF65-F5344CB8AC3E}">
@@ -3952,10 +4410,791 @@
 </p:sld>
 </file>
 
+<file path=ppt/slides/slide2.xml><?xml version="1.0" encoding="utf-8"?>
+<p:sld xmlns:a="http://schemas.openxmlformats.org/drawingml/2006/main" xmlns:r="http://schemas.openxmlformats.org/officeDocument/2006/relationships" xmlns:p="http://schemas.openxmlformats.org/presentationml/2006/main">
+  <p:cSld>
+    <p:spTree>
+      <p:nvGrpSpPr>
+        <p:cNvPr id="1" name=""/>
+        <p:cNvGrpSpPr/>
+        <p:nvPr/>
+      </p:nvGrpSpPr>
+      <p:grpSpPr>
+        <a:xfrm>
+          <a:off x="0" y="0"/>
+          <a:ext cx="0" cy="0"/>
+          <a:chOff x="0" y="0"/>
+          <a:chExt cx="0" cy="0"/>
+        </a:xfrm>
+      </p:grpSpPr>
+      <p:grpSp>
+        <p:nvGrpSpPr>
+          <p:cNvPr id="3" name="Group 2">
+            <a:extLst>
+              <a:ext uri="{FF2B5EF4-FFF2-40B4-BE49-F238E27FC236}">
+                <a16:creationId xmlns:a16="http://schemas.microsoft.com/office/drawing/2014/main" id="{CFF600C8-DDB3-55FB-DB9F-8F220CC607B5}"/>
+              </a:ext>
+            </a:extLst>
+          </p:cNvPr>
+          <p:cNvGrpSpPr/>
+          <p:nvPr/>
+        </p:nvGrpSpPr>
+        <p:grpSpPr>
+          <a:xfrm>
+            <a:off x="214838" y="121635"/>
+            <a:ext cx="6049823" cy="3779454"/>
+            <a:chOff x="0" y="-45708"/>
+            <a:chExt cx="11050859" cy="6903708"/>
+          </a:xfrm>
+        </p:grpSpPr>
+        <p:pic>
+          <p:nvPicPr>
+            <p:cNvPr id="4" name="Picture 3">
+              <a:extLst>
+                <a:ext uri="{FF2B5EF4-FFF2-40B4-BE49-F238E27FC236}">
+                  <a16:creationId xmlns:a16="http://schemas.microsoft.com/office/drawing/2014/main" id="{83DCFE33-6131-37E5-EF7C-0C61F49BB93C}"/>
+                </a:ext>
+              </a:extLst>
+            </p:cNvPr>
+            <p:cNvPicPr>
+              <a:picLocks noChangeAspect="1"/>
+            </p:cNvPicPr>
+            <p:nvPr/>
+          </p:nvPicPr>
+          <p:blipFill>
+            <a:blip r:embed="rId2"/>
+            <a:stretch>
+              <a:fillRect/>
+            </a:stretch>
+          </p:blipFill>
+          <p:spPr>
+            <a:xfrm>
+              <a:off x="0" y="-4765"/>
+              <a:ext cx="11050859" cy="6862765"/>
+            </a:xfrm>
+            <a:prstGeom prst="rect">
+              <a:avLst/>
+            </a:prstGeom>
+          </p:spPr>
+        </p:pic>
+        <p:pic>
+          <p:nvPicPr>
+            <p:cNvPr id="5" name="Picture 4">
+              <a:extLst>
+                <a:ext uri="{FF2B5EF4-FFF2-40B4-BE49-F238E27FC236}">
+                  <a16:creationId xmlns:a16="http://schemas.microsoft.com/office/drawing/2014/main" id="{CB91D0F5-267D-5B90-5C42-3C854DA6FE63}"/>
+                </a:ext>
+              </a:extLst>
+            </p:cNvPr>
+            <p:cNvPicPr>
+              <a:picLocks noChangeAspect="1"/>
+            </p:cNvPicPr>
+            <p:nvPr/>
+          </p:nvPicPr>
+          <p:blipFill>
+            <a:blip r:embed="rId3"/>
+            <a:stretch>
+              <a:fillRect/>
+            </a:stretch>
+          </p:blipFill>
+          <p:spPr>
+            <a:xfrm>
+              <a:off x="8541834" y="106747"/>
+              <a:ext cx="2408664" cy="2951248"/>
+            </a:xfrm>
+            <a:prstGeom prst="rect">
+              <a:avLst/>
+            </a:prstGeom>
+            <a:ln w="25400">
+              <a:solidFill>
+                <a:schemeClr val="tx1"/>
+              </a:solidFill>
+            </a:ln>
+          </p:spPr>
+        </p:pic>
+        <p:cxnSp>
+          <p:nvCxnSpPr>
+            <p:cNvPr id="6" name="Straight Arrow Connector 5">
+              <a:extLst>
+                <a:ext uri="{FF2B5EF4-FFF2-40B4-BE49-F238E27FC236}">
+                  <a16:creationId xmlns:a16="http://schemas.microsoft.com/office/drawing/2014/main" id="{6259B815-BCE0-DA0F-D7A1-2BD163EEF067}"/>
+                </a:ext>
+              </a:extLst>
+            </p:cNvPr>
+            <p:cNvCxnSpPr>
+              <a:cxnSpLocks/>
+            </p:cNvCxnSpPr>
+            <p:nvPr/>
+          </p:nvCxnSpPr>
+          <p:spPr>
+            <a:xfrm>
+              <a:off x="1315844" y="3702205"/>
+              <a:ext cx="702527" cy="802888"/>
+            </a:xfrm>
+            <a:prstGeom prst="straightConnector1">
+              <a:avLst/>
+            </a:prstGeom>
+            <a:ln w="50800">
+              <a:tailEnd type="triangle"/>
+            </a:ln>
+          </p:spPr>
+          <p:style>
+            <a:lnRef idx="2">
+              <a:schemeClr val="dk1"/>
+            </a:lnRef>
+            <a:fillRef idx="0">
+              <a:schemeClr val="dk1"/>
+            </a:fillRef>
+            <a:effectRef idx="1">
+              <a:schemeClr val="dk1"/>
+            </a:effectRef>
+            <a:fontRef idx="minor">
+              <a:schemeClr val="tx1"/>
+            </a:fontRef>
+          </p:style>
+        </p:cxnSp>
+        <p:sp>
+          <p:nvSpPr>
+            <p:cNvPr id="7" name="TextBox 6">
+              <a:extLst>
+                <a:ext uri="{FF2B5EF4-FFF2-40B4-BE49-F238E27FC236}">
+                  <a16:creationId xmlns:a16="http://schemas.microsoft.com/office/drawing/2014/main" id="{501FD689-D96A-9C90-D439-A3CBD35E3912}"/>
+                </a:ext>
+              </a:extLst>
+            </p:cNvPr>
+            <p:cNvSpPr txBox="1"/>
+            <p:nvPr/>
+          </p:nvSpPr>
+          <p:spPr>
+            <a:xfrm>
+              <a:off x="366130" y="2821256"/>
+              <a:ext cx="1750740" cy="959683"/>
+            </a:xfrm>
+            <a:prstGeom prst="rect">
+              <a:avLst/>
+            </a:prstGeom>
+            <a:noFill/>
+          </p:spPr>
+          <p:txBody>
+            <a:bodyPr wrap="square" rtlCol="0">
+              <a:spAutoFit/>
+            </a:bodyPr>
+            <a:lstStyle/>
+            <a:p>
+              <a:r>
+                <a:rPr lang="en-US" sz="1448" b="1" dirty="0">
+                  <a:latin typeface="Times New Roman" panose="02020603050405020304" pitchFamily="18" charset="0"/>
+                  <a:cs typeface="Times New Roman" panose="02020603050405020304" pitchFamily="18" charset="0"/>
+                </a:rPr>
+                <a:t>Hudson Mills</a:t>
+              </a:r>
+            </a:p>
+          </p:txBody>
+        </p:sp>
+        <p:sp>
+          <p:nvSpPr>
+            <p:cNvPr id="8" name="TextBox 7">
+              <a:extLst>
+                <a:ext uri="{FF2B5EF4-FFF2-40B4-BE49-F238E27FC236}">
+                  <a16:creationId xmlns:a16="http://schemas.microsoft.com/office/drawing/2014/main" id="{AE3949EF-52C1-1EF3-B611-1F72A42FD5E2}"/>
+                </a:ext>
+              </a:extLst>
+            </p:cNvPr>
+            <p:cNvSpPr txBox="1"/>
+            <p:nvPr/>
+          </p:nvSpPr>
+          <p:spPr>
+            <a:xfrm>
+              <a:off x="3334212" y="4181710"/>
+              <a:ext cx="1449660" cy="959683"/>
+            </a:xfrm>
+            <a:prstGeom prst="rect">
+              <a:avLst/>
+            </a:prstGeom>
+            <a:noFill/>
+          </p:spPr>
+          <p:txBody>
+            <a:bodyPr wrap="square" rtlCol="0">
+              <a:spAutoFit/>
+            </a:bodyPr>
+            <a:lstStyle/>
+            <a:p>
+              <a:r>
+                <a:rPr lang="en-US" sz="1448" b="1" dirty="0">
+                  <a:latin typeface="Times New Roman" panose="02020603050405020304" pitchFamily="18" charset="0"/>
+                  <a:cs typeface="Times New Roman" panose="02020603050405020304" pitchFamily="18" charset="0"/>
+                </a:rPr>
+                <a:t>Island Lake</a:t>
+              </a:r>
+            </a:p>
+          </p:txBody>
+        </p:sp>
+        <p:cxnSp>
+          <p:nvCxnSpPr>
+            <p:cNvPr id="9" name="Straight Arrow Connector 8">
+              <a:extLst>
+                <a:ext uri="{FF2B5EF4-FFF2-40B4-BE49-F238E27FC236}">
+                  <a16:creationId xmlns:a16="http://schemas.microsoft.com/office/drawing/2014/main" id="{1716C836-200E-F57A-8DD6-45321321C68E}"/>
+                </a:ext>
+              </a:extLst>
+            </p:cNvPr>
+            <p:cNvCxnSpPr>
+              <a:cxnSpLocks/>
+            </p:cNvCxnSpPr>
+            <p:nvPr/>
+          </p:nvCxnSpPr>
+          <p:spPr>
+            <a:xfrm flipH="1" flipV="1">
+              <a:off x="3546088" y="3454358"/>
+              <a:ext cx="100361" cy="794257"/>
+            </a:xfrm>
+            <a:prstGeom prst="straightConnector1">
+              <a:avLst/>
+            </a:prstGeom>
+            <a:ln w="50800">
+              <a:tailEnd type="triangle"/>
+            </a:ln>
+          </p:spPr>
+          <p:style>
+            <a:lnRef idx="2">
+              <a:schemeClr val="dk1"/>
+            </a:lnRef>
+            <a:fillRef idx="0">
+              <a:schemeClr val="dk1"/>
+            </a:fillRef>
+            <a:effectRef idx="1">
+              <a:schemeClr val="dk1"/>
+            </a:effectRef>
+            <a:fontRef idx="minor">
+              <a:schemeClr val="tx1"/>
+            </a:fontRef>
+          </p:style>
+        </p:cxnSp>
+        <p:sp>
+          <p:nvSpPr>
+            <p:cNvPr id="10" name="TextBox 9">
+              <a:extLst>
+                <a:ext uri="{FF2B5EF4-FFF2-40B4-BE49-F238E27FC236}">
+                  <a16:creationId xmlns:a16="http://schemas.microsoft.com/office/drawing/2014/main" id="{5EE90897-5B2F-7FE5-226F-D9DBC3A2947C}"/>
+                </a:ext>
+              </a:extLst>
+            </p:cNvPr>
+            <p:cNvSpPr txBox="1"/>
+            <p:nvPr/>
+          </p:nvSpPr>
+          <p:spPr>
+            <a:xfrm>
+              <a:off x="931128" y="2233920"/>
+              <a:ext cx="2174488" cy="562199"/>
+            </a:xfrm>
+            <a:prstGeom prst="rect">
+              <a:avLst/>
+            </a:prstGeom>
+            <a:noFill/>
+          </p:spPr>
+          <p:txBody>
+            <a:bodyPr wrap="square" rtlCol="0">
+              <a:spAutoFit/>
+            </a:bodyPr>
+            <a:lstStyle/>
+            <a:p>
+              <a:r>
+                <a:rPr lang="en-US" sz="1448" b="1" dirty="0">
+                  <a:latin typeface="Times New Roman" panose="02020603050405020304" pitchFamily="18" charset="0"/>
+                  <a:cs typeface="Times New Roman" panose="02020603050405020304" pitchFamily="18" charset="0"/>
+                </a:rPr>
+                <a:t>Kensington</a:t>
+              </a:r>
+            </a:p>
+          </p:txBody>
+        </p:sp>
+        <p:cxnSp>
+          <p:nvCxnSpPr>
+            <p:cNvPr id="11" name="Straight Arrow Connector 10">
+              <a:extLst>
+                <a:ext uri="{FF2B5EF4-FFF2-40B4-BE49-F238E27FC236}">
+                  <a16:creationId xmlns:a16="http://schemas.microsoft.com/office/drawing/2014/main" id="{16687147-00C7-112E-DDFF-33E5A38DEBA5}"/>
+                </a:ext>
+              </a:extLst>
+            </p:cNvPr>
+            <p:cNvCxnSpPr>
+              <a:cxnSpLocks/>
+            </p:cNvCxnSpPr>
+            <p:nvPr/>
+          </p:nvCxnSpPr>
+          <p:spPr>
+            <a:xfrm>
+              <a:off x="2968084" y="2657784"/>
+              <a:ext cx="824260" cy="328675"/>
+            </a:xfrm>
+            <a:prstGeom prst="straightConnector1">
+              <a:avLst/>
+            </a:prstGeom>
+            <a:ln w="50800">
+              <a:tailEnd type="triangle"/>
+            </a:ln>
+          </p:spPr>
+          <p:style>
+            <a:lnRef idx="2">
+              <a:schemeClr val="dk1"/>
+            </a:lnRef>
+            <a:fillRef idx="0">
+              <a:schemeClr val="dk1"/>
+            </a:fillRef>
+            <a:effectRef idx="1">
+              <a:schemeClr val="dk1"/>
+            </a:effectRef>
+            <a:fontRef idx="minor">
+              <a:schemeClr val="tx1"/>
+            </a:fontRef>
+          </p:style>
+        </p:cxnSp>
+        <p:sp>
+          <p:nvSpPr>
+            <p:cNvPr id="12" name="TextBox 11">
+              <a:extLst>
+                <a:ext uri="{FF2B5EF4-FFF2-40B4-BE49-F238E27FC236}">
+                  <a16:creationId xmlns:a16="http://schemas.microsoft.com/office/drawing/2014/main" id="{D4D09C67-4E53-1CAB-80E4-6AC9AE4CB63D}"/>
+                </a:ext>
+              </a:extLst>
+            </p:cNvPr>
+            <p:cNvSpPr txBox="1"/>
+            <p:nvPr/>
+          </p:nvSpPr>
+          <p:spPr>
+            <a:xfrm>
+              <a:off x="4763429" y="3246785"/>
+              <a:ext cx="1332571" cy="959683"/>
+            </a:xfrm>
+            <a:prstGeom prst="rect">
+              <a:avLst/>
+            </a:prstGeom>
+            <a:noFill/>
+          </p:spPr>
+          <p:txBody>
+            <a:bodyPr wrap="square" rtlCol="0">
+              <a:spAutoFit/>
+            </a:bodyPr>
+            <a:lstStyle/>
+            <a:p>
+              <a:r>
+                <a:rPr lang="en-US" sz="1448" b="1" dirty="0">
+                  <a:latin typeface="Times New Roman" panose="02020603050405020304" pitchFamily="18" charset="0"/>
+                  <a:cs typeface="Times New Roman" panose="02020603050405020304" pitchFamily="18" charset="0"/>
+                </a:rPr>
+                <a:t>Proud Lake</a:t>
+              </a:r>
+            </a:p>
+          </p:txBody>
+        </p:sp>
+        <p:cxnSp>
+          <p:nvCxnSpPr>
+            <p:cNvPr id="13" name="Straight Arrow Connector 12">
+              <a:extLst>
+                <a:ext uri="{FF2B5EF4-FFF2-40B4-BE49-F238E27FC236}">
+                  <a16:creationId xmlns:a16="http://schemas.microsoft.com/office/drawing/2014/main" id="{018ED6DF-9E53-1E56-29FD-3C592ADFF1AD}"/>
+                </a:ext>
+              </a:extLst>
+            </p:cNvPr>
+            <p:cNvCxnSpPr>
+              <a:cxnSpLocks/>
+            </p:cNvCxnSpPr>
+            <p:nvPr/>
+          </p:nvCxnSpPr>
+          <p:spPr>
+            <a:xfrm flipH="1" flipV="1">
+              <a:off x="4909326" y="2657784"/>
+              <a:ext cx="166339" cy="589002"/>
+            </a:xfrm>
+            <a:prstGeom prst="straightConnector1">
+              <a:avLst/>
+            </a:prstGeom>
+            <a:ln w="50800">
+              <a:tailEnd type="triangle"/>
+            </a:ln>
+          </p:spPr>
+          <p:style>
+            <a:lnRef idx="2">
+              <a:schemeClr val="dk1"/>
+            </a:lnRef>
+            <a:fillRef idx="0">
+              <a:schemeClr val="dk1"/>
+            </a:fillRef>
+            <a:effectRef idx="1">
+              <a:schemeClr val="dk1"/>
+            </a:effectRef>
+            <a:fontRef idx="minor">
+              <a:schemeClr val="tx1"/>
+            </a:fontRef>
+          </p:style>
+        </p:cxnSp>
+        <p:sp>
+          <p:nvSpPr>
+            <p:cNvPr id="14" name="TextBox 13">
+              <a:extLst>
+                <a:ext uri="{FF2B5EF4-FFF2-40B4-BE49-F238E27FC236}">
+                  <a16:creationId xmlns:a16="http://schemas.microsoft.com/office/drawing/2014/main" id="{2A30F5EB-552E-23CC-D0AF-272639028D9B}"/>
+                </a:ext>
+              </a:extLst>
+            </p:cNvPr>
+            <p:cNvSpPr txBox="1"/>
+            <p:nvPr/>
+          </p:nvSpPr>
+          <p:spPr>
+            <a:xfrm>
+              <a:off x="1895705" y="1100117"/>
+              <a:ext cx="1803709" cy="562199"/>
+            </a:xfrm>
+            <a:prstGeom prst="rect">
+              <a:avLst/>
+            </a:prstGeom>
+            <a:noFill/>
+          </p:spPr>
+          <p:txBody>
+            <a:bodyPr wrap="square" rtlCol="0">
+              <a:spAutoFit/>
+            </a:bodyPr>
+            <a:lstStyle/>
+            <a:p>
+              <a:r>
+                <a:rPr lang="en-US" sz="1448" b="1" dirty="0">
+                  <a:latin typeface="Times New Roman" panose="02020603050405020304" pitchFamily="18" charset="0"/>
+                  <a:cs typeface="Times New Roman" panose="02020603050405020304" pitchFamily="18" charset="0"/>
+                </a:rPr>
+                <a:t>Highland</a:t>
+              </a:r>
+            </a:p>
+          </p:txBody>
+        </p:sp>
+        <p:cxnSp>
+          <p:nvCxnSpPr>
+            <p:cNvPr id="15" name="Straight Arrow Connector 14">
+              <a:extLst>
+                <a:ext uri="{FF2B5EF4-FFF2-40B4-BE49-F238E27FC236}">
+                  <a16:creationId xmlns:a16="http://schemas.microsoft.com/office/drawing/2014/main" id="{5CA3492C-1717-4068-D977-FC623137596B}"/>
+                </a:ext>
+              </a:extLst>
+            </p:cNvPr>
+            <p:cNvCxnSpPr>
+              <a:cxnSpLocks/>
+            </p:cNvCxnSpPr>
+            <p:nvPr/>
+          </p:nvCxnSpPr>
+          <p:spPr>
+            <a:xfrm>
+              <a:off x="3568390" y="1582371"/>
+              <a:ext cx="959005" cy="250073"/>
+            </a:xfrm>
+            <a:prstGeom prst="straightConnector1">
+              <a:avLst/>
+            </a:prstGeom>
+            <a:ln w="50800">
+              <a:tailEnd type="triangle"/>
+            </a:ln>
+          </p:spPr>
+          <p:style>
+            <a:lnRef idx="2">
+              <a:schemeClr val="dk1"/>
+            </a:lnRef>
+            <a:fillRef idx="0">
+              <a:schemeClr val="dk1"/>
+            </a:fillRef>
+            <a:effectRef idx="1">
+              <a:schemeClr val="dk1"/>
+            </a:effectRef>
+            <a:fontRef idx="minor">
+              <a:schemeClr val="tx1"/>
+            </a:fontRef>
+          </p:style>
+        </p:cxnSp>
+        <p:sp>
+          <p:nvSpPr>
+            <p:cNvPr id="16" name="TextBox 15">
+              <a:extLst>
+                <a:ext uri="{FF2B5EF4-FFF2-40B4-BE49-F238E27FC236}">
+                  <a16:creationId xmlns:a16="http://schemas.microsoft.com/office/drawing/2014/main" id="{1BCA0FCA-F4E9-DC6D-9D0E-9AE7447CDF12}"/>
+                </a:ext>
+              </a:extLst>
+            </p:cNvPr>
+            <p:cNvSpPr txBox="1"/>
+            <p:nvPr/>
+          </p:nvSpPr>
+          <p:spPr>
+            <a:xfrm>
+              <a:off x="5504984" y="1970798"/>
+              <a:ext cx="1531434" cy="959683"/>
+            </a:xfrm>
+            <a:prstGeom prst="rect">
+              <a:avLst/>
+            </a:prstGeom>
+            <a:noFill/>
+          </p:spPr>
+          <p:txBody>
+            <a:bodyPr wrap="square" rtlCol="0">
+              <a:spAutoFit/>
+            </a:bodyPr>
+            <a:lstStyle/>
+            <a:p>
+              <a:r>
+                <a:rPr lang="en-US" sz="1448" b="1" dirty="0">
+                  <a:latin typeface="Times New Roman" panose="02020603050405020304" pitchFamily="18" charset="0"/>
+                  <a:cs typeface="Times New Roman" panose="02020603050405020304" pitchFamily="18" charset="0"/>
+                </a:rPr>
+                <a:t>Pontiac Lake</a:t>
+              </a:r>
+            </a:p>
+          </p:txBody>
+        </p:sp>
+        <p:cxnSp>
+          <p:nvCxnSpPr>
+            <p:cNvPr id="17" name="Straight Arrow Connector 16">
+              <a:extLst>
+                <a:ext uri="{FF2B5EF4-FFF2-40B4-BE49-F238E27FC236}">
+                  <a16:creationId xmlns:a16="http://schemas.microsoft.com/office/drawing/2014/main" id="{FAE43927-42FC-6EBF-48B1-86B25975CC14}"/>
+                </a:ext>
+              </a:extLst>
+            </p:cNvPr>
+            <p:cNvCxnSpPr>
+              <a:cxnSpLocks/>
+            </p:cNvCxnSpPr>
+            <p:nvPr/>
+          </p:nvCxnSpPr>
+          <p:spPr>
+            <a:xfrm flipH="1" flipV="1">
+              <a:off x="5335858" y="1657274"/>
+              <a:ext cx="259265" cy="313522"/>
+            </a:xfrm>
+            <a:prstGeom prst="straightConnector1">
+              <a:avLst/>
+            </a:prstGeom>
+            <a:ln w="50800">
+              <a:tailEnd type="triangle"/>
+            </a:ln>
+          </p:spPr>
+          <p:style>
+            <a:lnRef idx="2">
+              <a:schemeClr val="dk1"/>
+            </a:lnRef>
+            <a:fillRef idx="0">
+              <a:schemeClr val="dk1"/>
+            </a:fillRef>
+            <a:effectRef idx="1">
+              <a:schemeClr val="dk1"/>
+            </a:effectRef>
+            <a:fontRef idx="minor">
+              <a:schemeClr val="tx1"/>
+            </a:fontRef>
+          </p:style>
+        </p:cxnSp>
+        <p:sp>
+          <p:nvSpPr>
+            <p:cNvPr id="18" name="TextBox 17">
+              <a:extLst>
+                <a:ext uri="{FF2B5EF4-FFF2-40B4-BE49-F238E27FC236}">
+                  <a16:creationId xmlns:a16="http://schemas.microsoft.com/office/drawing/2014/main" id="{EABF31F4-AE94-97A6-DF2F-B08425516443}"/>
+                </a:ext>
+              </a:extLst>
+            </p:cNvPr>
+            <p:cNvSpPr txBox="1"/>
+            <p:nvPr/>
+          </p:nvSpPr>
+          <p:spPr>
+            <a:xfrm>
+              <a:off x="3345828" y="-45708"/>
+              <a:ext cx="1476607" cy="959683"/>
+            </a:xfrm>
+            <a:prstGeom prst="rect">
+              <a:avLst/>
+            </a:prstGeom>
+            <a:noFill/>
+          </p:spPr>
+          <p:txBody>
+            <a:bodyPr wrap="square" rtlCol="0">
+              <a:spAutoFit/>
+            </a:bodyPr>
+            <a:lstStyle/>
+            <a:p>
+              <a:r>
+                <a:rPr lang="en-US" sz="1448" b="1" dirty="0">
+                  <a:latin typeface="Times New Roman" panose="02020603050405020304" pitchFamily="18" charset="0"/>
+                  <a:cs typeface="Times New Roman" panose="02020603050405020304" pitchFamily="18" charset="0"/>
+                </a:rPr>
+                <a:t>Indian Springs</a:t>
+              </a:r>
+            </a:p>
+          </p:txBody>
+        </p:sp>
+        <p:cxnSp>
+          <p:nvCxnSpPr>
+            <p:cNvPr id="19" name="Straight Arrow Connector 18">
+              <a:extLst>
+                <a:ext uri="{FF2B5EF4-FFF2-40B4-BE49-F238E27FC236}">
+                  <a16:creationId xmlns:a16="http://schemas.microsoft.com/office/drawing/2014/main" id="{268C85EB-C354-99B0-26D4-4742B2D530D8}"/>
+                </a:ext>
+              </a:extLst>
+            </p:cNvPr>
+            <p:cNvCxnSpPr>
+              <a:cxnSpLocks/>
+            </p:cNvCxnSpPr>
+            <p:nvPr/>
+          </p:nvCxnSpPr>
+          <p:spPr>
+            <a:xfrm>
+              <a:off x="4752509" y="847493"/>
+              <a:ext cx="323156" cy="382789"/>
+            </a:xfrm>
+            <a:prstGeom prst="straightConnector1">
+              <a:avLst/>
+            </a:prstGeom>
+            <a:ln w="50800">
+              <a:tailEnd type="triangle"/>
+            </a:ln>
+          </p:spPr>
+          <p:style>
+            <a:lnRef idx="2">
+              <a:schemeClr val="dk1"/>
+            </a:lnRef>
+            <a:fillRef idx="0">
+              <a:schemeClr val="dk1"/>
+            </a:fillRef>
+            <a:effectRef idx="1">
+              <a:schemeClr val="dk1"/>
+            </a:effectRef>
+            <a:fontRef idx="minor">
+              <a:schemeClr val="tx1"/>
+            </a:fontRef>
+          </p:style>
+        </p:cxnSp>
+      </p:grpSp>
+      <p:pic>
+        <p:nvPicPr>
+          <p:cNvPr id="22" name="Picture 21" descr="A diagram of a circle with arrows and circles&#10;&#10;AI-generated content may be incorrect.">
+            <a:extLst>
+              <a:ext uri="{FF2B5EF4-FFF2-40B4-BE49-F238E27FC236}">
+                <a16:creationId xmlns:a16="http://schemas.microsoft.com/office/drawing/2014/main" id="{6C9C4AE0-7B2C-A09E-7373-82DD66B50C11}"/>
+              </a:ext>
+            </a:extLst>
+          </p:cNvPr>
+          <p:cNvPicPr>
+            <a:picLocks noChangeAspect="1"/>
+          </p:cNvPicPr>
+          <p:nvPr/>
+        </p:nvPicPr>
+        <p:blipFill>
+          <a:blip r:embed="rId4">
+            <a:extLst>
+              <a:ext uri="{28A0092B-C50C-407E-A947-70E740481C1C}">
+                <a14:useLocalDpi xmlns:a14="http://schemas.microsoft.com/office/drawing/2010/main" val="0"/>
+              </a:ext>
+            </a:extLst>
+          </a:blip>
+          <a:stretch>
+            <a:fillRect/>
+          </a:stretch>
+        </p:blipFill>
+        <p:spPr>
+          <a:xfrm>
+            <a:off x="6311316" y="135473"/>
+            <a:ext cx="4302120" cy="3772491"/>
+          </a:xfrm>
+          <a:prstGeom prst="rect">
+            <a:avLst/>
+          </a:prstGeom>
+        </p:spPr>
+      </p:pic>
+      <p:sp>
+        <p:nvSpPr>
+          <p:cNvPr id="23" name="TextBox 22">
+            <a:extLst>
+              <a:ext uri="{FF2B5EF4-FFF2-40B4-BE49-F238E27FC236}">
+                <a16:creationId xmlns:a16="http://schemas.microsoft.com/office/drawing/2014/main" id="{E5BBD61E-32DE-AC9E-B967-DCABE5235DBF}"/>
+              </a:ext>
+            </a:extLst>
+          </p:cNvPr>
+          <p:cNvSpPr txBox="1"/>
+          <p:nvPr/>
+        </p:nvSpPr>
+        <p:spPr>
+          <a:xfrm>
+            <a:off x="214839" y="145377"/>
+            <a:ext cx="395961" cy="490455"/>
+          </a:xfrm>
+          <a:prstGeom prst="rect">
+            <a:avLst/>
+          </a:prstGeom>
+          <a:noFill/>
+        </p:spPr>
+        <p:txBody>
+          <a:bodyPr wrap="square" rtlCol="0">
+            <a:spAutoFit/>
+          </a:bodyPr>
+          <a:lstStyle/>
+          <a:p>
+            <a:r>
+              <a:rPr lang="en-US" sz="2587" b="1" dirty="0">
+                <a:latin typeface="Times New Roman" panose="02020603050405020304" pitchFamily="18" charset="0"/>
+                <a:cs typeface="Times New Roman" panose="02020603050405020304" pitchFamily="18" charset="0"/>
+              </a:rPr>
+              <a:t>A</a:t>
+            </a:r>
+          </a:p>
+        </p:txBody>
+      </p:sp>
+      <p:sp>
+        <p:nvSpPr>
+          <p:cNvPr id="24" name="TextBox 23">
+            <a:extLst>
+              <a:ext uri="{FF2B5EF4-FFF2-40B4-BE49-F238E27FC236}">
+                <a16:creationId xmlns:a16="http://schemas.microsoft.com/office/drawing/2014/main" id="{1D5BB292-7F36-76BA-D34B-8C939639C181}"/>
+              </a:ext>
+            </a:extLst>
+          </p:cNvPr>
+          <p:cNvSpPr txBox="1"/>
+          <p:nvPr/>
+        </p:nvSpPr>
+        <p:spPr>
+          <a:xfrm>
+            <a:off x="6327996" y="126967"/>
+            <a:ext cx="379158" cy="490455"/>
+          </a:xfrm>
+          <a:prstGeom prst="rect">
+            <a:avLst/>
+          </a:prstGeom>
+          <a:noFill/>
+        </p:spPr>
+        <p:txBody>
+          <a:bodyPr wrap="square" rtlCol="0">
+            <a:spAutoFit/>
+          </a:bodyPr>
+          <a:lstStyle/>
+          <a:p>
+            <a:r>
+              <a:rPr lang="en-US" sz="2587" b="1" dirty="0">
+                <a:latin typeface="Times New Roman" panose="02020603050405020304" pitchFamily="18" charset="0"/>
+                <a:cs typeface="Times New Roman" panose="02020603050405020304" pitchFamily="18" charset="0"/>
+              </a:rPr>
+              <a:t>B</a:t>
+            </a:r>
+          </a:p>
+        </p:txBody>
+      </p:sp>
+    </p:spTree>
+    <p:extLst>
+      <p:ext uri="{BB962C8B-B14F-4D97-AF65-F5344CB8AC3E}">
+        <p14:creationId xmlns:p14="http://schemas.microsoft.com/office/powerpoint/2010/main" val="2146387759"/>
+      </p:ext>
+    </p:extLst>
+  </p:cSld>
+  <p:clrMapOvr>
+    <a:masterClrMapping/>
+  </p:clrMapOvr>
+</p:sld>
+</file>
+
 <file path=ppt/theme/theme1.xml><?xml version="1.0" encoding="utf-8"?>
 <a:theme xmlns:a="http://schemas.openxmlformats.org/drawingml/2006/main" name="Office Theme">
   <a:themeElements>
-    <a:clrScheme name="Office">
+    <a:clrScheme name="Office Theme">
       <a:dk1>
         <a:sysClr val="windowText" lastClr="000000"/>
       </a:dk1>
@@ -3993,7 +5232,7 @@
         <a:srgbClr val="96607D"/>
       </a:folHlink>
     </a:clrScheme>
-    <a:fontScheme name="Office">
+    <a:fontScheme name="Office Theme">
       <a:majorFont>
         <a:latin typeface="Aptos Display" panose="02110004020202020204"/>
         <a:ea typeface=""/>
@@ -4099,7 +5338,7 @@
         <a:font script="Tfng" typeface="Ebrima"/>
       </a:minorFont>
     </a:fontScheme>
-    <a:fmtScheme name="Office">
+    <a:fmtScheme name="Office Theme">
       <a:fillStyleLst>
         <a:solidFill>
           <a:schemeClr val="phClr"/>
